--- a/Documentation/Tutorials/NeuroDOT_Tutorial_PadFile_Generation.pptx
+++ b/Documentation/Tutorials/NeuroDOT_Tutorial_PadFile_Generation.pptx
@@ -6968,7 +6968,7 @@
           <p:cNvPr id="6" name="Slide Number Placeholder 5">
             <a:extLst>
               <a:ext uri="{FF2B5EF4-FFF2-40B4-BE49-F238E27FC236}">
-                <a16:creationId xmlns="" xmlns:a16="http://schemas.microsoft.com/office/drawing/2014/main" id="{566E1690-EBA0-5A3B-DBE8-897FDF73C57E}"/>
+                <a16:creationId xmlns:a16="http://schemas.microsoft.com/office/drawing/2014/main" xmlns="" id="{566E1690-EBA0-5A3B-DBE8-897FDF73C57E}"/>
               </a:ext>
             </a:extLst>
           </p:cNvPr>
@@ -7425,11 +7425,18 @@
           </a:p>
           <a:p>
             <a:r>
+              <a:rPr lang="en-US" sz="1200" b="1" dirty="0">
+                <a:latin typeface="Courier New" panose="02070309020205020404" pitchFamily="49" charset="0"/>
+                <a:cs typeface="Courier New" panose="02070309020205020404" pitchFamily="49" charset="0"/>
+              </a:rPr>
+              <a:t>f</a:t>
+            </a:r>
+            <a:r>
               <a:rPr lang="en-US" sz="1200" b="1" dirty="0" smtClean="0">
                 <a:latin typeface="Courier New" panose="02070309020205020404" pitchFamily="49" charset="0"/>
                 <a:cs typeface="Courier New" panose="02070309020205020404" pitchFamily="49" charset="0"/>
               </a:rPr>
-              <a:t>Draw_Foci_191203(</a:t>
+              <a:t>igure;Draw_Foci_191203(</a:t>
             </a:r>
             <a:r>
               <a:rPr lang="en-US" sz="1200" b="1" dirty="0" err="1" smtClean="0">
@@ -7439,12 +7446,16 @@
               <a:t>tpos,paramsFoci</a:t>
             </a:r>
             <a:r>
-              <a:rPr lang="en-US" sz="1200" b="1" dirty="0">
-                <a:latin typeface="Courier New" panose="02070309020205020404" pitchFamily="49" charset="0"/>
-                <a:cs typeface="Courier New" panose="02070309020205020404" pitchFamily="49" charset="0"/>
-              </a:rPr>
-              <a:t>)</a:t>
-            </a:r>
+              <a:rPr lang="en-US" sz="1200" b="1" dirty="0" smtClean="0">
+                <a:latin typeface="Courier New" panose="02070309020205020404" pitchFamily="49" charset="0"/>
+                <a:cs typeface="Courier New" panose="02070309020205020404" pitchFamily="49" charset="0"/>
+              </a:rPr>
+              <a:t>);view([-40,30])</a:t>
+            </a:r>
+            <a:endParaRPr lang="en-US" sz="1200" b="1" dirty="0">
+              <a:latin typeface="Courier New" panose="02070309020205020404" pitchFamily="49" charset="0"/>
+              <a:cs typeface="Courier New" panose="02070309020205020404" pitchFamily="49" charset="0"/>
+            </a:endParaRPr>
           </a:p>
           <a:p>
             <a:endParaRPr lang="en-US" sz="1200" b="1" dirty="0">
@@ -12225,7 +12236,7 @@
           <p:cNvPr id="5" name="Slide Number Placeholder 4">
             <a:extLst>
               <a:ext uri="{FF2B5EF4-FFF2-40B4-BE49-F238E27FC236}">
-                <a16:creationId xmlns:a16="http://schemas.microsoft.com/office/drawing/2014/main" xmlns="" id="{A90CD681-95B1-0F09-B405-F838B7211A28}"/>
+                <a16:creationId xmlns="" xmlns:a16="http://schemas.microsoft.com/office/drawing/2014/main" id="{A90CD681-95B1-0F09-B405-F838B7211A28}"/>
               </a:ext>
             </a:extLst>
           </p:cNvPr>
@@ -12434,7 +12445,7 @@
           <p:cNvPr id="4" name="TextBox 3">
             <a:extLst>
               <a:ext uri="{FF2B5EF4-FFF2-40B4-BE49-F238E27FC236}">
-                <a16:creationId xmlns:a16="http://schemas.microsoft.com/office/drawing/2014/main" xmlns="" id="{7ED052B0-28A5-4061-94ED-651940373CF3}"/>
+                <a16:creationId xmlns="" xmlns:a16="http://schemas.microsoft.com/office/drawing/2014/main" id="{7ED052B0-28A5-4061-94ED-651940373CF3}"/>
               </a:ext>
             </a:extLst>
           </p:cNvPr>
@@ -12878,7 +12889,7 @@
           <p:cNvPr id="2" name="Slide Number Placeholder 1">
             <a:extLst>
               <a:ext uri="{FF2B5EF4-FFF2-40B4-BE49-F238E27FC236}">
-                <a16:creationId xmlns:a16="http://schemas.microsoft.com/office/drawing/2014/main" xmlns="" id="{00EA7E2B-C6D0-E367-5C39-4BFE761B1059}"/>
+                <a16:creationId xmlns="" xmlns:a16="http://schemas.microsoft.com/office/drawing/2014/main" id="{00EA7E2B-C6D0-E367-5C39-4BFE761B1059}"/>
               </a:ext>
             </a:extLst>
           </p:cNvPr>
@@ -13088,7 +13099,7 @@
           <p:cNvPr id="19" name="TextBox 18">
             <a:extLst>
               <a:ext uri="{FF2B5EF4-FFF2-40B4-BE49-F238E27FC236}">
-                <a16:creationId xmlns="" xmlns:a16="http://schemas.microsoft.com/office/drawing/2014/main" id="{F7E1B133-1AB9-408F-AC8A-6C76715E8DEB}"/>
+                <a16:creationId xmlns:a16="http://schemas.microsoft.com/office/drawing/2014/main" xmlns="" id="{F7E1B133-1AB9-408F-AC8A-6C76715E8DEB}"/>
               </a:ext>
             </a:extLst>
           </p:cNvPr>
@@ -13575,7 +13586,7 @@
           <p:cNvPr id="3" name="Picture 2">
             <a:extLst>
               <a:ext uri="{FF2B5EF4-FFF2-40B4-BE49-F238E27FC236}">
-                <a16:creationId xmlns="" xmlns:a16="http://schemas.microsoft.com/office/drawing/2014/main" id="{C484C641-C861-4689-B9AB-ADB3F91D4BEE}"/>
+                <a16:creationId xmlns:a16="http://schemas.microsoft.com/office/drawing/2014/main" xmlns="" id="{C484C641-C861-4689-B9AB-ADB3F91D4BEE}"/>
               </a:ext>
             </a:extLst>
           </p:cNvPr>
@@ -13611,7 +13622,7 @@
           <p:cNvPr id="2" name="TextBox 1">
             <a:extLst>
               <a:ext uri="{FF2B5EF4-FFF2-40B4-BE49-F238E27FC236}">
-                <a16:creationId xmlns="" xmlns:a16="http://schemas.microsoft.com/office/drawing/2014/main" id="{011DDFF4-4946-9746-A15C-9721CAA3FAB6}"/>
+                <a16:creationId xmlns:a16="http://schemas.microsoft.com/office/drawing/2014/main" xmlns="" id="{011DDFF4-4946-9746-A15C-9721CAA3FAB6}"/>
               </a:ext>
             </a:extLst>
           </p:cNvPr>
@@ -13646,7 +13657,7 @@
           <p:cNvPr id="4" name="Slide Number Placeholder 3">
             <a:extLst>
               <a:ext uri="{FF2B5EF4-FFF2-40B4-BE49-F238E27FC236}">
-                <a16:creationId xmlns="" xmlns:a16="http://schemas.microsoft.com/office/drawing/2014/main" id="{3615D712-68C2-517E-3192-33F7730B9B54}"/>
+                <a16:creationId xmlns:a16="http://schemas.microsoft.com/office/drawing/2014/main" xmlns="" id="{3615D712-68C2-517E-3192-33F7730B9B54}"/>
               </a:ext>
             </a:extLst>
           </p:cNvPr>
@@ -14369,7 +14380,7 @@
           <p:cNvPr id="3" name="Slide Number Placeholder 2">
             <a:extLst>
               <a:ext uri="{FF2B5EF4-FFF2-40B4-BE49-F238E27FC236}">
-                <a16:creationId xmlns="" xmlns:a16="http://schemas.microsoft.com/office/drawing/2014/main" id="{ECD007DF-F439-B5C7-D7DC-991E60D3793A}"/>
+                <a16:creationId xmlns:a16="http://schemas.microsoft.com/office/drawing/2014/main" xmlns="" id="{ECD007DF-F439-B5C7-D7DC-991E60D3793A}"/>
               </a:ext>
             </a:extLst>
           </p:cNvPr>
@@ -15159,7 +15170,7 @@
           <p:cNvPr id="3" name="Slide Number Placeholder 2">
             <a:extLst>
               <a:ext uri="{FF2B5EF4-FFF2-40B4-BE49-F238E27FC236}">
-                <a16:creationId xmlns:a16="http://schemas.microsoft.com/office/drawing/2014/main" xmlns="" id="{CA945477-5A92-9588-3A64-023473E9A1C4}"/>
+                <a16:creationId xmlns="" xmlns:a16="http://schemas.microsoft.com/office/drawing/2014/main" id="{CA945477-5A92-9588-3A64-023473E9A1C4}"/>
               </a:ext>
             </a:extLst>
           </p:cNvPr>
@@ -15248,7 +15259,7 @@
           <p:cNvPr id="5" name="Rectangle 4">
             <a:extLst>
               <a:ext uri="{FF2B5EF4-FFF2-40B4-BE49-F238E27FC236}">
-                <a16:creationId xmlns:a16="http://schemas.microsoft.com/office/drawing/2014/main" xmlns="" id="{80C270D9-9B1E-54AA-359E-876DC8FF124C}"/>
+                <a16:creationId xmlns="" xmlns:a16="http://schemas.microsoft.com/office/drawing/2014/main" id="{80C270D9-9B1E-54AA-359E-876DC8FF124C}"/>
               </a:ext>
             </a:extLst>
           </p:cNvPr>
@@ -15495,7 +15506,7 @@
           <p:cNvPr id="19" name="TextBox 18">
             <a:extLst>
               <a:ext uri="{FF2B5EF4-FFF2-40B4-BE49-F238E27FC236}">
-                <a16:creationId xmlns:a16="http://schemas.microsoft.com/office/drawing/2014/main" xmlns="" id="{F7E1B133-1AB9-408F-AC8A-6C76715E8DEB}"/>
+                <a16:creationId xmlns="" xmlns:a16="http://schemas.microsoft.com/office/drawing/2014/main" id="{F7E1B133-1AB9-408F-AC8A-6C76715E8DEB}"/>
               </a:ext>
             </a:extLst>
           </p:cNvPr>
@@ -16295,7 +16306,7 @@
           <p:cNvPr id="4" name="Slide Number Placeholder 3">
             <a:extLst>
               <a:ext uri="{FF2B5EF4-FFF2-40B4-BE49-F238E27FC236}">
-                <a16:creationId xmlns:a16="http://schemas.microsoft.com/office/drawing/2014/main" xmlns="" id="{599B29CF-B339-BF83-9D34-D6A8AAD631B4}"/>
+                <a16:creationId xmlns="" xmlns:a16="http://schemas.microsoft.com/office/drawing/2014/main" id="{599B29CF-B339-BF83-9D34-D6A8AAD631B4}"/>
               </a:ext>
             </a:extLst>
           </p:cNvPr>
@@ -17053,7 +17064,7 @@
           <p:cNvPr id="5" name="Slide Number Placeholder 4">
             <a:extLst>
               <a:ext uri="{FF2B5EF4-FFF2-40B4-BE49-F238E27FC236}">
-                <a16:creationId xmlns="" xmlns:a16="http://schemas.microsoft.com/office/drawing/2014/main" id="{D2677399-50BC-B2E4-B396-F2C7A1BC15C0}"/>
+                <a16:creationId xmlns:a16="http://schemas.microsoft.com/office/drawing/2014/main" xmlns="" id="{D2677399-50BC-B2E4-B396-F2C7A1BC15C0}"/>
               </a:ext>
             </a:extLst>
           </p:cNvPr>

--- a/Documentation/Tutorials/NeuroDOT_Tutorial_PadFile_Generation.pptx
+++ b/Documentation/Tutorials/NeuroDOT_Tutorial_PadFile_Generation.pptx
@@ -226,7 +226,7 @@
           <a:p>
             <a:fld id="{59435505-D4AB-4F36-857A-9B945E75E4E8}" type="datetimeFigureOut">
               <a:rPr lang="en-US" smtClean="0"/>
-              <a:t>4/20/2023</a:t>
+              <a:t>7/20/2023</a:t>
             </a:fld>
             <a:endParaRPr lang="en-US"/>
           </a:p>
@@ -1805,7 +1805,7 @@
           <a:p>
             <a:fld id="{B24EC942-9D3D-4E3D-AFA6-C12922E7F676}" type="datetime1">
               <a:rPr lang="en-US" smtClean="0"/>
-              <a:t>4/20/2023</a:t>
+              <a:t>7/20/2023</a:t>
             </a:fld>
             <a:endParaRPr lang="en-US"/>
           </a:p>
@@ -2061,7 +2061,7 @@
           <a:p>
             <a:fld id="{D3AD315F-DC33-43E4-9956-9EC48EDF351E}" type="datetime1">
               <a:rPr lang="en-US" smtClean="0"/>
-              <a:t>4/20/2023</a:t>
+              <a:t>7/20/2023</a:t>
             </a:fld>
             <a:endParaRPr lang="en-US"/>
           </a:p>
@@ -2380,7 +2380,7 @@
           <a:p>
             <a:fld id="{67A3C724-2918-41FD-9066-7E8405064EF2}" type="datetime1">
               <a:rPr lang="en-US" smtClean="0"/>
-              <a:t>4/20/2023</a:t>
+              <a:t>7/20/2023</a:t>
             </a:fld>
             <a:endParaRPr lang="en-US"/>
           </a:p>
@@ -2707,7 +2707,7 @@
           <a:p>
             <a:fld id="{C195695A-308E-405A-AB98-D0C60FA1CB15}" type="datetime1">
               <a:rPr lang="en-US" smtClean="0"/>
-              <a:t>4/20/2023</a:t>
+              <a:t>7/20/2023</a:t>
             </a:fld>
             <a:endParaRPr lang="en-US"/>
           </a:p>
@@ -3026,7 +3026,7 @@
           <a:p>
             <a:fld id="{3CE41F68-8135-4BDE-B08E-3BFD855E251C}" type="datetime1">
               <a:rPr lang="en-US" smtClean="0"/>
-              <a:t>4/20/2023</a:t>
+              <a:t>7/20/2023</a:t>
             </a:fld>
             <a:endParaRPr lang="en-US"/>
           </a:p>
@@ -3418,7 +3418,7 @@
           <a:p>
             <a:fld id="{FFE19BF7-4907-4DF4-AF52-56236340CD7A}" type="datetime1">
               <a:rPr lang="en-US" smtClean="0"/>
-              <a:t>4/20/2023</a:t>
+              <a:t>7/20/2023</a:t>
             </a:fld>
             <a:endParaRPr lang="en-US"/>
           </a:p>
@@ -3593,7 +3593,7 @@
           <a:p>
             <a:fld id="{D8D1AB6F-19BA-4E97-A0DC-F421C2C8646F}" type="datetime1">
               <a:rPr lang="en-US" smtClean="0"/>
-              <a:t>4/20/2023</a:t>
+              <a:t>7/20/2023</a:t>
             </a:fld>
             <a:endParaRPr lang="en-US"/>
           </a:p>
@@ -3778,7 +3778,7 @@
           <a:p>
             <a:fld id="{7A4DA2C9-5F26-43AD-B29B-8405DC66E004}" type="datetime1">
               <a:rPr lang="en-US" smtClean="0"/>
-              <a:t>4/20/2023</a:t>
+              <a:t>7/20/2023</a:t>
             </a:fld>
             <a:endParaRPr lang="en-US"/>
           </a:p>
@@ -3959,7 +3959,7 @@
           <a:p>
             <a:fld id="{CF533A0A-37D0-4E2F-AA2C-F4961D5A6999}" type="datetime1">
               <a:rPr lang="en-US" smtClean="0"/>
-              <a:t>4/20/2023</a:t>
+              <a:t>7/20/2023</a:t>
             </a:fld>
             <a:endParaRPr lang="en-US"/>
           </a:p>
@@ -4211,7 +4211,7 @@
           <a:p>
             <a:fld id="{9B413CA8-A179-49E3-BF20-879547C583C0}" type="datetime1">
               <a:rPr lang="en-US" smtClean="0"/>
-              <a:t>4/20/2023</a:t>
+              <a:t>7/20/2023</a:t>
             </a:fld>
             <a:endParaRPr lang="en-US"/>
           </a:p>
@@ -4448,7 +4448,7 @@
           <a:p>
             <a:fld id="{EA66A245-AFAB-446C-AC81-545BACE2A8BC}" type="datetime1">
               <a:rPr lang="en-US" smtClean="0"/>
-              <a:t>4/20/2023</a:t>
+              <a:t>7/20/2023</a:t>
             </a:fld>
             <a:endParaRPr lang="en-US"/>
           </a:p>
@@ -4827,7 +4827,7 @@
           <a:p>
             <a:fld id="{E637ECFF-A7AE-4A88-B9D3-EF0D1BC013AB}" type="datetime1">
               <a:rPr lang="en-US" smtClean="0"/>
-              <a:t>4/20/2023</a:t>
+              <a:t>7/20/2023</a:t>
             </a:fld>
             <a:endParaRPr lang="en-US"/>
           </a:p>
@@ -4955,7 +4955,7 @@
           <a:p>
             <a:fld id="{342BFEBD-C17A-4F13-9076-D856ECCD5175}" type="datetime1">
               <a:rPr lang="en-US" smtClean="0"/>
-              <a:t>4/20/2023</a:t>
+              <a:t>7/20/2023</a:t>
             </a:fld>
             <a:endParaRPr lang="en-US"/>
           </a:p>
@@ -5055,7 +5055,7 @@
           <a:p>
             <a:fld id="{13571E8D-8673-4B38-8496-42BF67588D42}" type="datetime1">
               <a:rPr lang="en-US" smtClean="0"/>
-              <a:t>4/20/2023</a:t>
+              <a:t>7/20/2023</a:t>
             </a:fld>
             <a:endParaRPr lang="en-US"/>
           </a:p>
@@ -5315,7 +5315,7 @@
           <a:p>
             <a:fld id="{E4511E22-127C-4757-AF70-45A01185A661}" type="datetime1">
               <a:rPr lang="en-US" smtClean="0"/>
-              <a:t>4/20/2023</a:t>
+              <a:t>7/20/2023</a:t>
             </a:fld>
             <a:endParaRPr lang="en-US"/>
           </a:p>
@@ -5583,7 +5583,7 @@
           <a:p>
             <a:fld id="{30899290-1EF5-4360-AE93-39E54CE1B864}" type="datetime1">
               <a:rPr lang="en-US" smtClean="0"/>
-              <a:t>4/20/2023</a:t>
+              <a:t>7/20/2023</a:t>
             </a:fld>
             <a:endParaRPr lang="en-US"/>
           </a:p>
@@ -6336,7 +6336,7 @@
           <a:p>
             <a:fld id="{22E4C9AF-211C-4F78-90DB-166FB2A2B067}" type="datetime1">
               <a:rPr lang="en-US" smtClean="0"/>
-              <a:t>4/20/2023</a:t>
+              <a:t>7/20/2023</a:t>
             </a:fld>
             <a:endParaRPr lang="en-US"/>
           </a:p>
@@ -6926,10 +6926,9 @@
           </a:p>
           <a:p>
             <a:r>
-              <a:rPr lang="en-US" sz="4000" i="1" dirty="0" smtClean="0"/>
+              <a:rPr lang="en-US" sz="4000" i="1" dirty="0"/>
               <a:t>Pad File Generation</a:t>
             </a:r>
-            <a:endParaRPr lang="en-US" sz="4000" i="1" dirty="0"/>
           </a:p>
         </p:txBody>
       </p:sp>
@@ -6968,7 +6967,7 @@
           <p:cNvPr id="6" name="Slide Number Placeholder 5">
             <a:extLst>
               <a:ext uri="{FF2B5EF4-FFF2-40B4-BE49-F238E27FC236}">
-                <a16:creationId xmlns:a16="http://schemas.microsoft.com/office/drawing/2014/main" xmlns="" id="{566E1690-EBA0-5A3B-DBE8-897FDF73C57E}"/>
+                <a16:creationId xmlns:a16="http://schemas.microsoft.com/office/drawing/2014/main" id="{566E1690-EBA0-5A3B-DBE8-897FDF73C57E}"/>
               </a:ext>
             </a:extLst>
           </p:cNvPr>
@@ -7043,18 +7042,13 @@
           <a:lstStyle/>
           <a:p>
             <a:r>
-              <a:rPr lang="en-US" dirty="0" smtClean="0">
+              <a:rPr lang="en-US" dirty="0">
                 <a:solidFill>
                   <a:srgbClr val="FF0000"/>
                 </a:solidFill>
               </a:rPr>
               <a:t>Visualize layout in 3D</a:t>
             </a:r>
-            <a:endParaRPr lang="en-US" dirty="0">
-              <a:solidFill>
-                <a:srgbClr val="FF0000"/>
-              </a:solidFill>
-            </a:endParaRPr>
           </a:p>
         </p:txBody>
       </p:sp>
@@ -7151,14 +7145,7 @@
                 <a:latin typeface="Courier New" panose="02070309020205020404" pitchFamily="49" charset="0"/>
                 <a:cs typeface="Courier New" panose="02070309020205020404" pitchFamily="49" charset="0"/>
               </a:rPr>
-              <a:t>);view([-40,30</a:t>
-            </a:r>
-            <a:r>
-              <a:rPr lang="en-US" sz="1200" b="1" dirty="0" smtClean="0">
-                <a:latin typeface="Courier New" panose="02070309020205020404" pitchFamily="49" charset="0"/>
-                <a:cs typeface="Courier New" panose="02070309020205020404" pitchFamily="49" charset="0"/>
-              </a:rPr>
-              <a:t>])</a:t>
+              <a:t>);view([-40,30])</a:t>
             </a:r>
           </a:p>
           <a:p>
@@ -7176,45 +7163,73 @@
                 <a:latin typeface="Courier New" panose="02070309020205020404" pitchFamily="49" charset="0"/>
                 <a:cs typeface="Courier New" panose="02070309020205020404" pitchFamily="49" charset="0"/>
               </a:rPr>
-              <a:t>% 3D </a:t>
-            </a:r>
-            <a:r>
-              <a:rPr lang="en-US" sz="1200" b="1" dirty="0" smtClean="0">
+              <a:t>% 3D layout – </a:t>
+            </a:r>
+            <a:r>
+              <a:rPr lang="en-US" sz="1200" b="1" dirty="0" err="1">
                 <a:solidFill>
                   <a:srgbClr val="228B22"/>
                 </a:solidFill>
                 <a:latin typeface="Courier New" panose="02070309020205020404" pitchFamily="49" charset="0"/>
                 <a:cs typeface="Courier New" panose="02070309020205020404" pitchFamily="49" charset="0"/>
               </a:rPr>
-              <a:t>layout – </a:t>
-            </a:r>
-            <a:r>
-              <a:rPr lang="en-US" sz="1200" b="1" dirty="0" err="1" smtClean="0">
+              <a:t>Draw_Foci</a:t>
+            </a:r>
+            <a:r>
+              <a:rPr lang="en-US" sz="1200" b="1" dirty="0">
                 <a:solidFill>
                   <a:srgbClr val="228B22"/>
                 </a:solidFill>
                 <a:latin typeface="Courier New" panose="02070309020205020404" pitchFamily="49" charset="0"/>
                 <a:cs typeface="Courier New" panose="02070309020205020404" pitchFamily="49" charset="0"/>
               </a:rPr>
-              <a:t>Draw_Foci</a:t>
-            </a:r>
-            <a:r>
-              <a:rPr lang="en-US" sz="1200" b="1" dirty="0" smtClean="0">
+              <a:t> (sources in red, detectors in blue)</a:t>
+            </a:r>
+          </a:p>
+          <a:p>
+            <a:r>
+              <a:rPr lang="en-US" sz="1200" b="1" dirty="0" err="1">
+                <a:latin typeface="Courier New" panose="02070309020205020404" pitchFamily="49" charset="0"/>
+                <a:cs typeface="Courier New" panose="02070309020205020404" pitchFamily="49" charset="0"/>
+              </a:rPr>
+              <a:t>tpos</a:t>
+            </a:r>
+            <a:r>
+              <a:rPr lang="en-US" sz="1200" b="1" dirty="0">
+                <a:latin typeface="Courier New" panose="02070309020205020404" pitchFamily="49" charset="0"/>
+                <a:cs typeface="Courier New" panose="02070309020205020404" pitchFamily="49" charset="0"/>
+              </a:rPr>
+              <a:t>=cat(1,info.optodes.spos3,info.optodes.dpos3); </a:t>
+            </a:r>
+            <a:r>
+              <a:rPr lang="en-US" sz="1200" b="1" dirty="0">
                 <a:solidFill>
                   <a:srgbClr val="228B22"/>
                 </a:solidFill>
                 <a:latin typeface="Courier New" panose="02070309020205020404" pitchFamily="49" charset="0"/>
                 <a:cs typeface="Courier New" panose="02070309020205020404" pitchFamily="49" charset="0"/>
               </a:rPr>
-              <a:t> (sources in red, detectors in blue)</a:t>
-            </a:r>
-            <a:endParaRPr lang="en-US" sz="1200" b="1" dirty="0">
-              <a:solidFill>
-                <a:srgbClr val="228B22"/>
-              </a:solidFill>
-              <a:latin typeface="Courier New" panose="02070309020205020404" pitchFamily="49" charset="0"/>
-              <a:cs typeface="Courier New" panose="02070309020205020404" pitchFamily="49" charset="0"/>
-            </a:endParaRPr>
+              <a:t>%SD positions</a:t>
+            </a:r>
+          </a:p>
+          <a:p>
+            <a:r>
+              <a:rPr lang="en-US" sz="1200" b="1" dirty="0">
+                <a:latin typeface="Courier New" panose="02070309020205020404" pitchFamily="49" charset="0"/>
+                <a:cs typeface="Courier New" panose="02070309020205020404" pitchFamily="49" charset="0"/>
+              </a:rPr>
+              <a:t>Ns=size(info.optodes.spos3,1); </a:t>
+            </a:r>
+            <a:r>
+              <a:rPr lang="en-US" sz="1200" b="1" dirty="0">
+                <a:solidFill>
+                  <a:srgbClr val="228B22"/>
+                </a:solidFill>
+                <a:latin typeface="Courier New" panose="02070309020205020404" pitchFamily="49" charset="0"/>
+                <a:cs typeface="Courier New" panose="02070309020205020404" pitchFamily="49" charset="0"/>
+              </a:rPr>
+              <a:t>%Number of sources</a:t>
+            </a:r>
           </a:p>
           <a:p>
             <a:r>
@@ -7222,14 +7237,14 @@
                 <a:latin typeface="Courier New" panose="02070309020205020404" pitchFamily="49" charset="0"/>
                 <a:cs typeface="Courier New" panose="02070309020205020404" pitchFamily="49" charset="0"/>
               </a:rPr>
-              <a:t>tpos</a:t>
-            </a:r>
-            <a:r>
-              <a:rPr lang="en-US" sz="1200" b="1" dirty="0">
-                <a:latin typeface="Courier New" panose="02070309020205020404" pitchFamily="49" charset="0"/>
-                <a:cs typeface="Courier New" panose="02070309020205020404" pitchFamily="49" charset="0"/>
-              </a:rPr>
-              <a:t>=cat(1,info.optodes.spos3,info.optodes.dpos3); </a:t>
+              <a:t>Nd</a:t>
+            </a:r>
+            <a:r>
+              <a:rPr lang="en-US" sz="1200" b="1" dirty="0">
+                <a:latin typeface="Courier New" panose="02070309020205020404" pitchFamily="49" charset="0"/>
+                <a:cs typeface="Courier New" panose="02070309020205020404" pitchFamily="49" charset="0"/>
+              </a:rPr>
+              <a:t>=size(info.optodes.dpos3,1); </a:t>
             </a:r>
             <a:r>
               <a:rPr lang="en-US" sz="1200" b="1" dirty="0">
@@ -7239,26 +7254,79 @@
                 <a:latin typeface="Courier New" panose="02070309020205020404" pitchFamily="49" charset="0"/>
                 <a:cs typeface="Courier New" panose="02070309020205020404" pitchFamily="49" charset="0"/>
               </a:rPr>
-              <a:t>%SD positions</a:t>
-            </a:r>
-          </a:p>
-          <a:p>
-            <a:r>
-              <a:rPr lang="en-US" sz="1200" b="1" dirty="0">
-                <a:latin typeface="Courier New" panose="02070309020205020404" pitchFamily="49" charset="0"/>
-                <a:cs typeface="Courier New" panose="02070309020205020404" pitchFamily="49" charset="0"/>
-              </a:rPr>
-              <a:t>Ns=size(info.optodes.spos3,1); </a:t>
-            </a:r>
-            <a:r>
-              <a:rPr lang="en-US" sz="1200" b="1" dirty="0" smtClean="0">
+              <a:t>%Number of detectors</a:t>
+            </a:r>
+          </a:p>
+          <a:p>
+            <a:r>
+              <a:rPr lang="en-US" sz="1200" b="1" dirty="0" err="1">
+                <a:latin typeface="Courier New" panose="02070309020205020404" pitchFamily="49" charset="0"/>
+                <a:cs typeface="Courier New" panose="02070309020205020404" pitchFamily="49" charset="0"/>
+              </a:rPr>
+              <a:t>paramsFoci.color</a:t>
+            </a:r>
+            <a:r>
+              <a:rPr lang="en-US" sz="1200" b="1" dirty="0">
+                <a:latin typeface="Courier New" panose="02070309020205020404" pitchFamily="49" charset="0"/>
+                <a:cs typeface="Courier New" panose="02070309020205020404" pitchFamily="49" charset="0"/>
+              </a:rPr>
+              <a:t>=cat(1,repmat([1,0,0],Ns,1),</a:t>
+            </a:r>
+            <a:r>
+              <a:rPr lang="en-US" sz="1200" b="1" dirty="0" err="1">
+                <a:latin typeface="Courier New" panose="02070309020205020404" pitchFamily="49" charset="0"/>
+                <a:cs typeface="Courier New" panose="02070309020205020404" pitchFamily="49" charset="0"/>
+              </a:rPr>
+              <a:t>repmat</a:t>
+            </a:r>
+            <a:r>
+              <a:rPr lang="en-US" sz="1200" b="1" dirty="0">
+                <a:latin typeface="Courier New" panose="02070309020205020404" pitchFamily="49" charset="0"/>
+                <a:cs typeface="Courier New" panose="02070309020205020404" pitchFamily="49" charset="0"/>
+              </a:rPr>
+              <a:t>([0,0,1],Nd,1));</a:t>
+            </a:r>
+          </a:p>
+          <a:p>
+            <a:r>
+              <a:rPr lang="en-US" sz="1200" b="1" dirty="0" err="1">
+                <a:latin typeface="Courier New" panose="02070309020205020404" pitchFamily="49" charset="0"/>
+                <a:cs typeface="Courier New" panose="02070309020205020404" pitchFamily="49" charset="0"/>
+              </a:rPr>
+              <a:t>paramsFoci.color</a:t>
+            </a:r>
+            <a:r>
+              <a:rPr lang="en-US" sz="1200" b="1" dirty="0">
+                <a:latin typeface="Courier New" panose="02070309020205020404" pitchFamily="49" charset="0"/>
+                <a:cs typeface="Courier New" panose="02070309020205020404" pitchFamily="49" charset="0"/>
+              </a:rPr>
+              <a:t>(1,:) = [1 0.4 0.6]; </a:t>
+            </a:r>
+            <a:r>
+              <a:rPr lang="en-US" sz="1200" b="1" dirty="0">
                 <a:solidFill>
                   <a:srgbClr val="228B22"/>
                 </a:solidFill>
                 <a:latin typeface="Courier New" panose="02070309020205020404" pitchFamily="49" charset="0"/>
                 <a:cs typeface="Courier New" panose="02070309020205020404" pitchFamily="49" charset="0"/>
               </a:rPr>
-              <a:t>%Number </a:t>
+              <a:t>%Pink for s1</a:t>
+            </a:r>
+          </a:p>
+          <a:p>
+            <a:r>
+              <a:rPr lang="en-US" sz="1200" b="1" dirty="0" err="1">
+                <a:latin typeface="Courier New" panose="02070309020205020404" pitchFamily="49" charset="0"/>
+                <a:cs typeface="Courier New" panose="02070309020205020404" pitchFamily="49" charset="0"/>
+              </a:rPr>
+              <a:t>paramsFoci.color</a:t>
+            </a:r>
+            <a:r>
+              <a:rPr lang="en-US" sz="1200" b="1" dirty="0">
+                <a:latin typeface="Courier New" panose="02070309020205020404" pitchFamily="49" charset="0"/>
+                <a:cs typeface="Courier New" panose="02070309020205020404" pitchFamily="49" charset="0"/>
+              </a:rPr>
+              <a:t>(Ns+1,:) = [0.3010, 0.7450, 0.9330]; </a:t>
             </a:r>
             <a:r>
               <a:rPr lang="en-US" sz="1200" b="1" dirty="0">
@@ -7268,194 +7336,31 @@
                 <a:latin typeface="Courier New" panose="02070309020205020404" pitchFamily="49" charset="0"/>
                 <a:cs typeface="Courier New" panose="02070309020205020404" pitchFamily="49" charset="0"/>
               </a:rPr>
-              <a:t>of sources</a:t>
-            </a:r>
-          </a:p>
-          <a:p>
+              <a:t>%Light blue for d1 </a:t>
+            </a:r>
+          </a:p>
+          <a:p>
+            <a:r>
+              <a:rPr lang="en-US" sz="1200" b="1" dirty="0">
+                <a:latin typeface="Courier New" panose="02070309020205020404" pitchFamily="49" charset="0"/>
+                <a:cs typeface="Courier New" panose="02070309020205020404" pitchFamily="49" charset="0"/>
+              </a:rPr>
+              <a:t>figure;Draw_Foci_191203(</a:t>
+            </a:r>
             <a:r>
               <a:rPr lang="en-US" sz="1200" b="1" dirty="0" err="1">
                 <a:latin typeface="Courier New" panose="02070309020205020404" pitchFamily="49" charset="0"/>
                 <a:cs typeface="Courier New" panose="02070309020205020404" pitchFamily="49" charset="0"/>
               </a:rPr>
-              <a:t>Nd</a:t>
-            </a:r>
-            <a:r>
-              <a:rPr lang="en-US" sz="1200" b="1" dirty="0">
-                <a:latin typeface="Courier New" panose="02070309020205020404" pitchFamily="49" charset="0"/>
-                <a:cs typeface="Courier New" panose="02070309020205020404" pitchFamily="49" charset="0"/>
-              </a:rPr>
-              <a:t>=size(info.optodes.dpos3,1); </a:t>
-            </a:r>
-            <a:r>
-              <a:rPr lang="en-US" sz="1200" b="1" dirty="0" smtClean="0">
-                <a:solidFill>
-                  <a:srgbClr val="228B22"/>
-                </a:solidFill>
-                <a:latin typeface="Courier New" panose="02070309020205020404" pitchFamily="49" charset="0"/>
-                <a:cs typeface="Courier New" panose="02070309020205020404" pitchFamily="49" charset="0"/>
-              </a:rPr>
-              <a:t>%Number </a:t>
-            </a:r>
-            <a:r>
-              <a:rPr lang="en-US" sz="1200" b="1" dirty="0">
-                <a:solidFill>
-                  <a:srgbClr val="228B22"/>
-                </a:solidFill>
-                <a:latin typeface="Courier New" panose="02070309020205020404" pitchFamily="49" charset="0"/>
-                <a:cs typeface="Courier New" panose="02070309020205020404" pitchFamily="49" charset="0"/>
-              </a:rPr>
-              <a:t>of detectors</a:t>
-            </a:r>
-          </a:p>
-          <a:p>
-            <a:r>
-              <a:rPr lang="en-US" sz="1200" b="1" dirty="0" err="1">
-                <a:latin typeface="Courier New" panose="02070309020205020404" pitchFamily="49" charset="0"/>
-                <a:cs typeface="Courier New" panose="02070309020205020404" pitchFamily="49" charset="0"/>
-              </a:rPr>
-              <a:t>paramsFoci.color</a:t>
-            </a:r>
-            <a:r>
-              <a:rPr lang="en-US" sz="1200" b="1" dirty="0">
-                <a:latin typeface="Courier New" panose="02070309020205020404" pitchFamily="49" charset="0"/>
-                <a:cs typeface="Courier New" panose="02070309020205020404" pitchFamily="49" charset="0"/>
-              </a:rPr>
-              <a:t>=cat(1,repmat([1,0,0],Ns,1),</a:t>
-            </a:r>
-            <a:r>
-              <a:rPr lang="en-US" sz="1200" b="1" dirty="0" err="1">
-                <a:latin typeface="Courier New" panose="02070309020205020404" pitchFamily="49" charset="0"/>
-                <a:cs typeface="Courier New" panose="02070309020205020404" pitchFamily="49" charset="0"/>
-              </a:rPr>
-              <a:t>repmat</a:t>
-            </a:r>
-            <a:r>
-              <a:rPr lang="en-US" sz="1200" b="1" dirty="0">
-                <a:latin typeface="Courier New" panose="02070309020205020404" pitchFamily="49" charset="0"/>
-                <a:cs typeface="Courier New" panose="02070309020205020404" pitchFamily="49" charset="0"/>
-              </a:rPr>
-              <a:t>([0,0,1],Nd,1</a:t>
-            </a:r>
-            <a:r>
-              <a:rPr lang="en-US" sz="1200" b="1" dirty="0" smtClean="0">
-                <a:latin typeface="Courier New" panose="02070309020205020404" pitchFamily="49" charset="0"/>
-                <a:cs typeface="Courier New" panose="02070309020205020404" pitchFamily="49" charset="0"/>
-              </a:rPr>
-              <a:t>));</a:t>
-            </a:r>
-          </a:p>
-          <a:p>
-            <a:r>
-              <a:rPr lang="en-US" sz="1200" b="1" dirty="0" err="1">
-                <a:latin typeface="Courier New" panose="02070309020205020404" pitchFamily="49" charset="0"/>
-                <a:cs typeface="Courier New" panose="02070309020205020404" pitchFamily="49" charset="0"/>
-              </a:rPr>
-              <a:t>paramsFoci.color</a:t>
-            </a:r>
-            <a:r>
-              <a:rPr lang="en-US" sz="1200" b="1" dirty="0">
-                <a:latin typeface="Courier New" panose="02070309020205020404" pitchFamily="49" charset="0"/>
-                <a:cs typeface="Courier New" panose="02070309020205020404" pitchFamily="49" charset="0"/>
-              </a:rPr>
-              <a:t>(1,:) = [1 0.4 0.6]; </a:t>
-            </a:r>
-            <a:r>
-              <a:rPr lang="en-US" sz="1200" b="1" dirty="0" smtClean="0">
-                <a:solidFill>
-                  <a:srgbClr val="228B22"/>
-                </a:solidFill>
-                <a:latin typeface="Courier New" panose="02070309020205020404" pitchFamily="49" charset="0"/>
-                <a:cs typeface="Courier New" panose="02070309020205020404" pitchFamily="49" charset="0"/>
-              </a:rPr>
-              <a:t>%Pink </a:t>
-            </a:r>
-            <a:r>
-              <a:rPr lang="en-US" sz="1200" b="1" dirty="0">
-                <a:solidFill>
-                  <a:srgbClr val="228B22"/>
-                </a:solidFill>
-                <a:latin typeface="Courier New" panose="02070309020205020404" pitchFamily="49" charset="0"/>
-                <a:cs typeface="Courier New" panose="02070309020205020404" pitchFamily="49" charset="0"/>
-              </a:rPr>
-              <a:t>for s1</a:t>
-            </a:r>
-          </a:p>
-          <a:p>
-            <a:r>
-              <a:rPr lang="en-US" sz="1200" b="1" dirty="0" err="1">
-                <a:latin typeface="Courier New" panose="02070309020205020404" pitchFamily="49" charset="0"/>
-                <a:cs typeface="Courier New" panose="02070309020205020404" pitchFamily="49" charset="0"/>
-              </a:rPr>
-              <a:t>paramsFoci.color</a:t>
-            </a:r>
-            <a:r>
-              <a:rPr lang="en-US" sz="1200" b="1" dirty="0">
-                <a:latin typeface="Courier New" panose="02070309020205020404" pitchFamily="49" charset="0"/>
-                <a:cs typeface="Courier New" panose="02070309020205020404" pitchFamily="49" charset="0"/>
-              </a:rPr>
-              <a:t>(Ns+1,:) = [0.3010, 0.7450, 0.9330]; </a:t>
-            </a:r>
-            <a:r>
-              <a:rPr lang="en-US" sz="1200" b="1" dirty="0" smtClean="0">
-                <a:solidFill>
-                  <a:srgbClr val="228B22"/>
-                </a:solidFill>
-                <a:latin typeface="Courier New" panose="02070309020205020404" pitchFamily="49" charset="0"/>
-                <a:cs typeface="Courier New" panose="02070309020205020404" pitchFamily="49" charset="0"/>
-              </a:rPr>
-              <a:t>%Light </a:t>
-            </a:r>
-            <a:r>
-              <a:rPr lang="en-US" sz="1200" b="1" dirty="0">
-                <a:solidFill>
-                  <a:srgbClr val="228B22"/>
-                </a:solidFill>
-                <a:latin typeface="Courier New" panose="02070309020205020404" pitchFamily="49" charset="0"/>
-                <a:cs typeface="Courier New" panose="02070309020205020404" pitchFamily="49" charset="0"/>
-              </a:rPr>
-              <a:t>blue for d1 </a:t>
-            </a:r>
-            <a:endParaRPr lang="en-US" sz="1200" b="1" dirty="0" smtClean="0">
-              <a:solidFill>
-                <a:srgbClr val="228B22"/>
-              </a:solidFill>
-              <a:latin typeface="Courier New" panose="02070309020205020404" pitchFamily="49" charset="0"/>
-              <a:cs typeface="Courier New" panose="02070309020205020404" pitchFamily="49" charset="0"/>
-            </a:endParaRPr>
-          </a:p>
-          <a:p>
-            <a:r>
-              <a:rPr lang="en-US" sz="1200" b="1" dirty="0">
-                <a:latin typeface="Courier New" panose="02070309020205020404" pitchFamily="49" charset="0"/>
-                <a:cs typeface="Courier New" panose="02070309020205020404" pitchFamily="49" charset="0"/>
-              </a:rPr>
-              <a:t>f</a:t>
-            </a:r>
-            <a:r>
-              <a:rPr lang="en-US" sz="1200" b="1" dirty="0" smtClean="0">
-                <a:latin typeface="Courier New" panose="02070309020205020404" pitchFamily="49" charset="0"/>
-                <a:cs typeface="Courier New" panose="02070309020205020404" pitchFamily="49" charset="0"/>
-              </a:rPr>
-              <a:t>igure;Draw_Foci_191203(</a:t>
-            </a:r>
-            <a:r>
-              <a:rPr lang="en-US" sz="1200" b="1" dirty="0" err="1" smtClean="0">
-                <a:latin typeface="Courier New" panose="02070309020205020404" pitchFamily="49" charset="0"/>
-                <a:cs typeface="Courier New" panose="02070309020205020404" pitchFamily="49" charset="0"/>
-              </a:rPr>
               <a:t>tpos,paramsFoci</a:t>
             </a:r>
             <a:r>
-              <a:rPr lang="en-US" sz="1200" b="1" dirty="0" smtClean="0">
+              <a:rPr lang="en-US" sz="1200" b="1" dirty="0">
                 <a:latin typeface="Courier New" panose="02070309020205020404" pitchFamily="49" charset="0"/>
                 <a:cs typeface="Courier New" panose="02070309020205020404" pitchFamily="49" charset="0"/>
               </a:rPr>
               <a:t>);view([-40,30])</a:t>
             </a:r>
-            <a:endParaRPr lang="en-US" sz="1200" b="1" dirty="0">
-              <a:latin typeface="Courier New" panose="02070309020205020404" pitchFamily="49" charset="0"/>
-              <a:cs typeface="Courier New" panose="02070309020205020404" pitchFamily="49" charset="0"/>
-            </a:endParaRPr>
           </a:p>
           <a:p>
             <a:endParaRPr lang="en-US" sz="1200" b="1" dirty="0">
@@ -7488,15 +7393,15 @@
           <a:lstStyle/>
           <a:p>
             <a:r>
-              <a:rPr lang="en-US" dirty="0" smtClean="0"/>
+              <a:rPr lang="en-US" dirty="0"/>
               <a:t>To use </a:t>
             </a:r>
             <a:r>
-              <a:rPr lang="en-US" dirty="0" err="1" smtClean="0"/>
+              <a:rPr lang="en-US" dirty="0" err="1"/>
               <a:t>PlotCap</a:t>
             </a:r>
             <a:r>
-              <a:rPr lang="en-US" dirty="0" smtClean="0"/>
+              <a:rPr lang="en-US" dirty="0"/>
               <a:t> for 3D visualizations set:</a:t>
             </a:r>
           </a:p>
@@ -7504,21 +7409,17 @@
             <a:pPr lvl="1"/>
             <a:r>
               <a:rPr lang="en-US" dirty="0" err="1"/>
-              <a:t>p</a:t>
-            </a:r>
-            <a:r>
-              <a:rPr lang="en-US" dirty="0" err="1" smtClean="0"/>
-              <a:t>arams.dimension</a:t>
-            </a:r>
-            <a:r>
-              <a:rPr lang="en-US" dirty="0" smtClean="0"/>
+              <a:t>params.dimension</a:t>
+            </a:r>
+            <a:r>
+              <a:rPr lang="en-US" dirty="0"/>
               <a:t> = ‘3D’</a:t>
             </a:r>
           </a:p>
           <a:p>
             <a:pPr lvl="1"/>
             <a:r>
-              <a:rPr lang="en-US" dirty="0" smtClean="0"/>
+              <a:rPr lang="en-US" dirty="0"/>
               <a:t>Dimension defaults to 2D unless otherwise specified</a:t>
             </a:r>
           </a:p>
@@ -7528,15 +7429,15 @@
           </a:p>
           <a:p>
             <a:r>
-              <a:rPr lang="en-US" dirty="0" smtClean="0"/>
+              <a:rPr lang="en-US" dirty="0"/>
               <a:t>Can also use </a:t>
             </a:r>
             <a:r>
-              <a:rPr lang="en-US" dirty="0" err="1" smtClean="0"/>
+              <a:rPr lang="en-US" dirty="0" err="1"/>
               <a:t>Draw_Foci</a:t>
             </a:r>
             <a:r>
-              <a:rPr lang="en-US" dirty="0" smtClean="0"/>
+              <a:rPr lang="en-US" dirty="0"/>
               <a:t> to visualize optode positions</a:t>
             </a:r>
           </a:p>
@@ -7544,60 +7445,52 @@
             <a:pPr lvl="1"/>
             <a:r>
               <a:rPr lang="en-US" dirty="0"/>
-              <a:t>A</a:t>
-            </a:r>
-            <a:r>
-              <a:rPr lang="en-US" dirty="0" smtClean="0"/>
-              <a:t>rray of all SD positions organized as: [source </a:t>
-            </a:r>
-            <a:r>
-              <a:rPr lang="en-US" dirty="0" err="1" smtClean="0"/>
+              <a:t>Array of all SD positions organized as: [source </a:t>
+            </a:r>
+            <a:r>
+              <a:rPr lang="en-US" dirty="0" err="1"/>
               <a:t>pos</a:t>
             </a:r>
             <a:r>
               <a:rPr lang="en-US" dirty="0"/>
-              <a:t>;</a:t>
-            </a:r>
-            <a:r>
-              <a:rPr lang="en-US" dirty="0" smtClean="0"/>
-              <a:t> detector </a:t>
-            </a:r>
-            <a:r>
-              <a:rPr lang="en-US" dirty="0" err="1" smtClean="0"/>
+              <a:t>; detector </a:t>
+            </a:r>
+            <a:r>
+              <a:rPr lang="en-US" dirty="0" err="1"/>
               <a:t>pos</a:t>
             </a:r>
             <a:r>
-              <a:rPr lang="en-US" dirty="0" smtClean="0"/>
+              <a:rPr lang="en-US" dirty="0"/>
               <a:t>]</a:t>
             </a:r>
           </a:p>
           <a:p>
             <a:pPr lvl="1"/>
             <a:r>
-              <a:rPr lang="en-US" dirty="0" smtClean="0"/>
+              <a:rPr lang="en-US" dirty="0"/>
               <a:t>RGB array for all optodes: sources in red, detectors in blue</a:t>
             </a:r>
           </a:p>
           <a:p>
             <a:pPr lvl="1"/>
             <a:r>
-              <a:rPr lang="en-US" dirty="0" smtClean="0"/>
+              <a:rPr lang="en-US" dirty="0"/>
               <a:t>Optional: setting the color of S1 and D1 to a lighter version of the SD colors </a:t>
             </a:r>
           </a:p>
           <a:p>
             <a:pPr lvl="1"/>
-            <a:endParaRPr lang="en-US" dirty="0" smtClean="0"/>
+            <a:endParaRPr lang="en-US" dirty="0"/>
           </a:p>
           <a:p>
             <a:pPr lvl="1"/>
-            <a:endParaRPr lang="en-US" dirty="0" smtClean="0"/>
+            <a:endParaRPr lang="en-US" dirty="0"/>
           </a:p>
           <a:p>
             <a:pPr marL="0" indent="0">
               <a:buNone/>
             </a:pPr>
-            <a:endParaRPr lang="en-US" dirty="0" smtClean="0"/>
+            <a:endParaRPr lang="en-US" dirty="0"/>
           </a:p>
         </p:txBody>
       </p:sp>
@@ -7648,7 +7541,7 @@
           <a:lstStyle/>
           <a:p>
             <a:r>
-              <a:rPr lang="en-US" dirty="0" err="1" smtClean="0"/>
+              <a:rPr lang="en-US" dirty="0" err="1"/>
               <a:t>Draw_Foci</a:t>
             </a:r>
             <a:endParaRPr lang="en-US" dirty="0"/>
@@ -7702,7 +7595,7 @@
           <a:lstStyle/>
           <a:p>
             <a:r>
-              <a:rPr lang="en-US" dirty="0" err="1" smtClean="0"/>
+              <a:rPr lang="en-US" dirty="0" err="1"/>
               <a:t>PlotCap</a:t>
             </a:r>
             <a:endParaRPr lang="en-US" dirty="0"/>
@@ -7783,18 +7676,13 @@
           <a:lstStyle/>
           <a:p>
             <a:r>
-              <a:rPr lang="en-US" dirty="0" smtClean="0">
+              <a:rPr lang="en-US" dirty="0">
                 <a:solidFill>
                   <a:srgbClr val="FF0000"/>
                 </a:solidFill>
               </a:rPr>
               <a:t>Sanity checks, then save</a:t>
             </a:r>
-            <a:endParaRPr lang="en-US" dirty="0">
-              <a:solidFill>
-                <a:srgbClr val="FF0000"/>
-              </a:solidFill>
-            </a:endParaRPr>
           </a:p>
         </p:txBody>
       </p:sp>
@@ -7821,34 +7709,14 @@
           <a:lstStyle/>
           <a:p>
             <a:r>
-              <a:rPr lang="en-US" sz="1200" b="1" dirty="0" smtClean="0">
+              <a:rPr lang="en-US" sz="1200" b="1" dirty="0">
                 <a:solidFill>
                   <a:srgbClr val="228B22"/>
                 </a:solidFill>
                 <a:latin typeface="Courier New" panose="02070309020205020404" pitchFamily="49" charset="0"/>
                 <a:cs typeface="Courier New" panose="02070309020205020404" pitchFamily="49" charset="0"/>
               </a:rPr>
-              <a:t>%% Make </a:t>
-            </a:r>
-            <a:r>
-              <a:rPr lang="en-US" sz="1200" b="1" dirty="0">
-                <a:solidFill>
-                  <a:srgbClr val="228B22"/>
-                </a:solidFill>
-                <a:latin typeface="Courier New" panose="02070309020205020404" pitchFamily="49" charset="0"/>
-                <a:cs typeface="Courier New" panose="02070309020205020404" pitchFamily="49" charset="0"/>
-              </a:rPr>
-              <a:t>s</a:t>
-            </a:r>
-            <a:r>
-              <a:rPr lang="en-US" sz="1200" b="1" dirty="0" smtClean="0">
-                <a:solidFill>
-                  <a:srgbClr val="228B22"/>
-                </a:solidFill>
-                <a:latin typeface="Courier New" panose="02070309020205020404" pitchFamily="49" charset="0"/>
-                <a:cs typeface="Courier New" panose="02070309020205020404" pitchFamily="49" charset="0"/>
-              </a:rPr>
-              <a:t>anity check plots</a:t>
+              <a:t>%% Make sanity check plots</a:t>
             </a:r>
             <a:endParaRPr lang="en-US" sz="1200" b="1" dirty="0">
               <a:latin typeface="Courier New" panose="02070309020205020404" pitchFamily="49" charset="0"/>
@@ -7863,24 +7731,14 @@
           </a:p>
           <a:p>
             <a:r>
-              <a:rPr lang="en-US" sz="1200" b="1" dirty="0" smtClean="0">
+              <a:rPr lang="en-US" sz="1200" b="1" dirty="0">
                 <a:solidFill>
                   <a:srgbClr val="228B22"/>
                 </a:solidFill>
                 <a:latin typeface="Courier New" panose="02070309020205020404" pitchFamily="49" charset="0"/>
                 <a:cs typeface="Courier New" panose="02070309020205020404" pitchFamily="49" charset="0"/>
               </a:rPr>
-              <a:t>% </a:t>
-            </a:r>
-            <a:r>
-              <a:rPr lang="en-US" sz="1200" b="1" dirty="0">
-                <a:solidFill>
-                  <a:srgbClr val="228B22"/>
-                </a:solidFill>
-                <a:latin typeface="Courier New" panose="02070309020205020404" pitchFamily="49" charset="0"/>
-                <a:cs typeface="Courier New" panose="02070309020205020404" pitchFamily="49" charset="0"/>
-              </a:rPr>
-              <a:t>Visualize r2d by itself (</a:t>
+              <a:t>% Visualize r2d by itself (</a:t>
             </a:r>
             <a:r>
               <a:rPr lang="en-US" sz="1200" b="1" dirty="0" err="1">
@@ -8201,19 +8059,6 @@
               </a:rPr>
               <a:t> by NN'], 'interpreter', 'none');</a:t>
             </a:r>
-            <a:endParaRPr lang="en-US" sz="1200" b="1" dirty="0" smtClean="0">
-              <a:latin typeface="Courier New" panose="02070309020205020404" pitchFamily="49" charset="0"/>
-              <a:cs typeface="Courier New" panose="02070309020205020404" pitchFamily="49" charset="0"/>
-            </a:endParaRPr>
-          </a:p>
-          <a:p>
-            <a:endParaRPr lang="en-US" sz="1200" b="1" dirty="0" smtClean="0">
-              <a:solidFill>
-                <a:srgbClr val="228B22"/>
-              </a:solidFill>
-              <a:latin typeface="Courier New" panose="02070309020205020404" pitchFamily="49" charset="0"/>
-              <a:cs typeface="Courier New" panose="02070309020205020404" pitchFamily="49" charset="0"/>
-            </a:endParaRPr>
           </a:p>
           <a:p>
             <a:endParaRPr lang="en-US" sz="1200" b="1" dirty="0">
@@ -8225,25 +8070,24 @@
             </a:endParaRPr>
           </a:p>
           <a:p>
-            <a:r>
-              <a:rPr lang="en-US" sz="1200" b="1" dirty="0" smtClean="0">
+            <a:endParaRPr lang="en-US" sz="1200" b="1" dirty="0">
+              <a:solidFill>
+                <a:srgbClr val="228B22"/>
+              </a:solidFill>
+              <a:latin typeface="Courier New" panose="02070309020205020404" pitchFamily="49" charset="0"/>
+              <a:cs typeface="Courier New" panose="02070309020205020404" pitchFamily="49" charset="0"/>
+            </a:endParaRPr>
+          </a:p>
+          <a:p>
+            <a:r>
+              <a:rPr lang="en-US" sz="1200" b="1" dirty="0">
                 <a:solidFill>
                   <a:srgbClr val="228B22"/>
                 </a:solidFill>
                 <a:latin typeface="Courier New" panose="02070309020205020404" pitchFamily="49" charset="0"/>
                 <a:cs typeface="Courier New" panose="02070309020205020404" pitchFamily="49" charset="0"/>
               </a:rPr>
-              <a:t>%% </a:t>
-            </a:r>
-            <a:r>
-              <a:rPr lang="en-US" sz="1200" b="1" dirty="0">
-                <a:solidFill>
-                  <a:srgbClr val="228B22"/>
-                </a:solidFill>
-                <a:latin typeface="Courier New" panose="02070309020205020404" pitchFamily="49" charset="0"/>
-                <a:cs typeface="Courier New" panose="02070309020205020404" pitchFamily="49" charset="0"/>
-              </a:rPr>
-              <a:t>Save pad file</a:t>
+              <a:t>%% Save pad file</a:t>
             </a:r>
           </a:p>
           <a:p>
@@ -8266,18 +8110,11 @@
                 <a:latin typeface="Courier New" panose="02070309020205020404" pitchFamily="49" charset="0"/>
                 <a:cs typeface="Courier New" panose="02070309020205020404" pitchFamily="49" charset="0"/>
               </a:rPr>
-              <a:t>, '.mat'], 'info</a:t>
-            </a:r>
-            <a:r>
-              <a:rPr lang="en-US" sz="1200" b="1" dirty="0" smtClean="0">
-                <a:latin typeface="Courier New" panose="02070309020205020404" pitchFamily="49" charset="0"/>
-                <a:cs typeface="Courier New" panose="02070309020205020404" pitchFamily="49" charset="0"/>
-              </a:rPr>
-              <a:t>')</a:t>
-            </a:r>
-          </a:p>
-          <a:p>
-            <a:endParaRPr lang="en-US" sz="1200" b="1" dirty="0" smtClean="0">
+              <a:t>, '.mat'], 'info')</a:t>
+            </a:r>
+          </a:p>
+          <a:p>
+            <a:endParaRPr lang="en-US" sz="1200" b="1" dirty="0">
               <a:latin typeface="Courier New" panose="02070309020205020404" pitchFamily="49" charset="0"/>
               <a:cs typeface="Courier New" panose="02070309020205020404" pitchFamily="49" charset="0"/>
             </a:endParaRPr>
@@ -8313,20 +8150,20 @@
           <a:lstStyle/>
           <a:p>
             <a:r>
-              <a:rPr lang="en-US" sz="1700" dirty="0" smtClean="0"/>
+              <a:rPr lang="en-US" sz="1700" dirty="0"/>
               <a:t>Check the source detector separations via histogram</a:t>
             </a:r>
           </a:p>
           <a:p>
             <a:pPr lvl="1"/>
             <a:r>
-              <a:rPr lang="en-US" sz="1500" dirty="0" smtClean="0"/>
+              <a:rPr lang="en-US" sz="1500" dirty="0"/>
               <a:t>Only looking at measurements with a separations &lt;= 60 mm</a:t>
             </a:r>
           </a:p>
           <a:p>
             <a:r>
-              <a:rPr lang="en-US" sz="1700" dirty="0" smtClean="0"/>
+              <a:rPr lang="en-US" sz="1700" dirty="0"/>
               <a:t>Make sure that nearest neighbors increase monotonically as a function of source detector separation: bottom</a:t>
             </a:r>
           </a:p>
@@ -8334,7 +8171,7 @@
             <a:pPr marL="0" indent="0">
               <a:buNone/>
             </a:pPr>
-            <a:endParaRPr lang="en-US" dirty="0" smtClean="0"/>
+            <a:endParaRPr lang="en-US" dirty="0"/>
           </a:p>
         </p:txBody>
       </p:sp>
@@ -8484,49 +8321,28 @@
           <a:lstStyle/>
           <a:p>
             <a:r>
-              <a:rPr lang="en-US" dirty="0" smtClean="0">
+              <a:rPr lang="en-US" dirty="0">
                 <a:solidFill>
                   <a:srgbClr val="FF0000"/>
                 </a:solidFill>
               </a:rPr>
-              <a:t>Cropping measurement </a:t>
-            </a:r>
-            <a:r>
+              <a:t>Cropping measurement list to match data (1)</a:t>
+            </a:r>
+            <a:br>
               <a:rPr lang="en-US" dirty="0">
                 <a:solidFill>
                   <a:srgbClr val="FF0000"/>
                 </a:solidFill>
               </a:rPr>
-              <a:t>l</a:t>
-            </a:r>
-            <a:r>
-              <a:rPr lang="en-US" dirty="0" smtClean="0">
-                <a:solidFill>
-                  <a:srgbClr val="FF0000"/>
-                </a:solidFill>
-              </a:rPr>
-              <a:t>ist to match data (1)</a:t>
-            </a:r>
-            <a:br>
-              <a:rPr lang="en-US" dirty="0" smtClean="0">
-                <a:solidFill>
-                  <a:srgbClr val="FF0000"/>
-                </a:solidFill>
-              </a:rPr>
             </a:br>
             <a:r>
-              <a:rPr lang="en-US" dirty="0" smtClean="0">
+              <a:rPr lang="en-US" dirty="0">
                 <a:solidFill>
                   <a:srgbClr val="FFC000"/>
                 </a:solidFill>
               </a:rPr>
               <a:t>Overview</a:t>
             </a:r>
-            <a:endParaRPr lang="en-US" dirty="0">
-              <a:solidFill>
-                <a:srgbClr val="FFC000"/>
-              </a:solidFill>
-            </a:endParaRPr>
           </a:p>
         </p:txBody>
       </p:sp>
@@ -8553,40 +8369,32 @@
           <a:lstStyle/>
           <a:p>
             <a:r>
-              <a:rPr lang="en-US" sz="1700" dirty="0" err="1" smtClean="0"/>
+              <a:rPr lang="en-US" sz="1700" dirty="0" err="1"/>
               <a:t>NeuroDOT</a:t>
             </a:r>
             <a:r>
-              <a:rPr lang="en-US" sz="1700" dirty="0" smtClean="0"/>
+              <a:rPr lang="en-US" sz="1700" dirty="0"/>
               <a:t> generates an </a:t>
             </a:r>
             <a:r>
-              <a:rPr lang="en-US" sz="1700" dirty="0" err="1" smtClean="0"/>
+              <a:rPr lang="en-US" sz="1700" dirty="0" err="1"/>
               <a:t>info.pairs</a:t>
             </a:r>
             <a:r>
-              <a:rPr lang="en-US" sz="1700" dirty="0" smtClean="0"/>
+              <a:rPr lang="en-US" sz="1700" dirty="0"/>
               <a:t> structure containing all possible measurements with</a:t>
             </a:r>
           </a:p>
           <a:p>
             <a:pPr lvl="1"/>
             <a:r>
-              <a:rPr lang="en-US" sz="1500" dirty="0" smtClean="0"/>
-              <a:t>Monotonically </a:t>
-            </a:r>
-            <a:r>
               <a:rPr lang="en-US" sz="1500" dirty="0"/>
-              <a:t>increasing sources within monotonically increasing </a:t>
-            </a:r>
-            <a:r>
-              <a:rPr lang="en-US" sz="1500" dirty="0" smtClean="0"/>
-              <a:t>detectors</a:t>
-            </a:r>
-          </a:p>
-          <a:p>
-            <a:r>
-              <a:rPr lang="en-US" sz="1900" dirty="0" smtClean="0"/>
+              <a:t>Monotonically increasing sources within monotonically increasing detectors</a:t>
+            </a:r>
+          </a:p>
+          <a:p>
+            <a:r>
+              <a:rPr lang="en-US" sz="1900" dirty="0"/>
               <a:t>Some data use only a subset of the total measurements</a:t>
             </a:r>
           </a:p>
@@ -8594,49 +8402,45 @@
             <a:pPr lvl="1"/>
             <a:r>
               <a:rPr lang="en-US" sz="1500" dirty="0"/>
-              <a:t>O</a:t>
-            </a:r>
-            <a:r>
-              <a:rPr lang="en-US" sz="1500" dirty="0" smtClean="0"/>
-              <a:t>nly NN’s 1, 2, 3, 4 and 5 </a:t>
+              <a:t>Only NN’s 1, 2, 3, 4 and 5 </a:t>
             </a:r>
           </a:p>
           <a:p>
             <a:pPr lvl="1"/>
             <a:r>
-              <a:rPr lang="en-US" sz="1500" dirty="0" smtClean="0"/>
+              <a:rPr lang="en-US" sz="1500" dirty="0"/>
               <a:t>Only measurement pairs with a SD separation &lt;= 30mm</a:t>
             </a:r>
           </a:p>
           <a:p>
             <a:r>
-              <a:rPr lang="en-US" sz="1700" dirty="0" smtClean="0"/>
+              <a:rPr lang="en-US" sz="1700" dirty="0"/>
               <a:t>Some data is ordered differently than we do in </a:t>
             </a:r>
             <a:r>
-              <a:rPr lang="en-US" sz="1700" dirty="0" err="1" smtClean="0"/>
+              <a:rPr lang="en-US" sz="1700" dirty="0" err="1"/>
               <a:t>NeuroDOT</a:t>
             </a:r>
-            <a:endParaRPr lang="en-US" sz="1700" dirty="0" smtClean="0"/>
+            <a:endParaRPr lang="en-US" sz="1700" dirty="0"/>
           </a:p>
           <a:p>
             <a:pPr lvl="1"/>
             <a:r>
-              <a:rPr lang="en-US" sz="1500" dirty="0" smtClean="0"/>
+              <a:rPr lang="en-US" sz="1500" dirty="0"/>
               <a:t>Monotonically increasing detectors within monotonically increasing sources</a:t>
             </a:r>
           </a:p>
           <a:p>
             <a:r>
-              <a:rPr lang="en-US" sz="1700" dirty="0" smtClean="0"/>
+              <a:rPr lang="en-US" sz="1700" dirty="0"/>
               <a:t>The next 3 slides will serve as a mini tutorial for cropping </a:t>
             </a:r>
             <a:r>
-              <a:rPr lang="en-US" sz="1700" dirty="0" err="1" smtClean="0"/>
+              <a:rPr lang="en-US" sz="1700" dirty="0" err="1"/>
               <a:t>info.pairs</a:t>
             </a:r>
             <a:r>
-              <a:rPr lang="en-US" sz="1700" dirty="0" smtClean="0"/>
+              <a:rPr lang="en-US" sz="1700" dirty="0"/>
               <a:t> to match the measurements in the data </a:t>
             </a:r>
           </a:p>
@@ -8646,24 +8450,16 @@
               <a:buAutoNum type="arabicPeriod"/>
             </a:pPr>
             <a:r>
-              <a:rPr lang="en-US" sz="1500" dirty="0" smtClean="0"/>
+              <a:rPr lang="en-US" sz="1500" dirty="0"/>
               <a:t>Load in a </a:t>
             </a:r>
             <a:r>
-              <a:rPr lang="en-US" sz="1500" dirty="0" err="1" smtClean="0"/>
+              <a:rPr lang="en-US" sz="1500" dirty="0" err="1"/>
               <a:t>neuroDOT</a:t>
             </a:r>
             <a:r>
-              <a:rPr lang="en-US" sz="1500" dirty="0" smtClean="0"/>
-              <a:t> data </a:t>
-            </a:r>
-            <a:r>
               <a:rPr lang="en-US" sz="1500" dirty="0"/>
-              <a:t>sample (NeuroDOT_Data_Sample_GV1) </a:t>
-            </a:r>
-            <a:r>
-              <a:rPr lang="en-US" sz="1500" dirty="0" smtClean="0"/>
-              <a:t>that uses a subset of the full measurement list</a:t>
+              <a:t> data sample (NeuroDOT_Data_Sample_GV1) that uses a subset of the full measurement list</a:t>
             </a:r>
           </a:p>
           <a:p>
@@ -8672,7 +8468,7 @@
               <a:buAutoNum type="arabicPeriod"/>
             </a:pPr>
             <a:r>
-              <a:rPr lang="en-US" sz="1500" dirty="0" smtClean="0"/>
+              <a:rPr lang="en-US" sz="1500" dirty="0"/>
               <a:t>Generate a pad file from optode positions given within the data file</a:t>
             </a:r>
           </a:p>
@@ -8682,7 +8478,7 @@
               <a:buAutoNum type="arabicPeriod"/>
             </a:pPr>
             <a:r>
-              <a:rPr lang="en-US" sz="1300" dirty="0" smtClean="0"/>
+              <a:rPr lang="en-US" sz="1300" dirty="0"/>
               <a:t>This will make a full pad file that will need to be trimmed down to match the measurement list in the data</a:t>
             </a:r>
           </a:p>
@@ -8692,7 +8488,7 @@
               <a:buAutoNum type="arabicPeriod"/>
             </a:pPr>
             <a:r>
-              <a:rPr lang="en-US" sz="1500" dirty="0" smtClean="0"/>
+              <a:rPr lang="en-US" sz="1500" dirty="0"/>
               <a:t>Adjust the newly made pad file to match the measurements seen in the data</a:t>
             </a:r>
           </a:p>
@@ -8700,7 +8496,7 @@
             <a:pPr marL="0" indent="0">
               <a:buNone/>
             </a:pPr>
-            <a:endParaRPr lang="en-US" dirty="0" smtClean="0"/>
+            <a:endParaRPr lang="en-US" dirty="0"/>
           </a:p>
         </p:txBody>
       </p:sp>
@@ -8778,36 +8574,12 @@
           <a:lstStyle/>
           <a:p>
             <a:r>
-              <a:rPr lang="en-US" dirty="0" smtClean="0">
+              <a:rPr lang="en-US" dirty="0">
                 <a:solidFill>
                   <a:srgbClr val="FF0000"/>
                 </a:solidFill>
               </a:rPr>
-              <a:t>Cropping measurement </a:t>
-            </a:r>
-            <a:r>
-              <a:rPr lang="en-US" dirty="0">
-                <a:solidFill>
-                  <a:srgbClr val="FF0000"/>
-                </a:solidFill>
-              </a:rPr>
-              <a:t>l</a:t>
-            </a:r>
-            <a:r>
-              <a:rPr lang="en-US" dirty="0" smtClean="0">
-                <a:solidFill>
-                  <a:srgbClr val="FF0000"/>
-                </a:solidFill>
-              </a:rPr>
-              <a:t>ist to match data (2)</a:t>
-            </a:r>
-            <a:r>
-              <a:rPr lang="en-US" dirty="0">
-                <a:solidFill>
-                  <a:srgbClr val="FF0000"/>
-                </a:solidFill>
-              </a:rPr>
-              <a:t/>
+              <a:t>Cropping measurement list to match data (2)</a:t>
             </a:r>
             <a:br>
               <a:rPr lang="en-US" dirty="0">
@@ -8817,18 +8589,13 @@
               </a:rPr>
             </a:br>
             <a:r>
-              <a:rPr lang="en-US" dirty="0" smtClean="0">
+              <a:rPr lang="en-US" dirty="0">
                 <a:solidFill>
                   <a:srgbClr val="FFC000"/>
                 </a:solidFill>
               </a:rPr>
               <a:t>Generate Pad</a:t>
             </a:r>
-            <a:endParaRPr lang="en-US" dirty="0">
-              <a:solidFill>
-                <a:srgbClr val="FFC000"/>
-              </a:solidFill>
-            </a:endParaRPr>
           </a:p>
         </p:txBody>
       </p:sp>
@@ -8889,46 +8656,6 @@
             </a:r>
           </a:p>
           <a:p>
-            <a:endParaRPr lang="en-US" sz="1200" b="1" dirty="0" smtClean="0">
-              <a:solidFill>
-                <a:srgbClr val="228B22"/>
-              </a:solidFill>
-              <a:latin typeface="Courier New" panose="02070309020205020404" pitchFamily="49" charset="0"/>
-              <a:cs typeface="Courier New" panose="02070309020205020404" pitchFamily="49" charset="0"/>
-            </a:endParaRPr>
-          </a:p>
-          <a:p>
-            <a:endParaRPr lang="en-US" sz="1200" b="1" dirty="0" smtClean="0">
-              <a:solidFill>
-                <a:srgbClr val="228B22"/>
-              </a:solidFill>
-              <a:latin typeface="Courier New" panose="02070309020205020404" pitchFamily="49" charset="0"/>
-              <a:cs typeface="Courier New" panose="02070309020205020404" pitchFamily="49" charset="0"/>
-            </a:endParaRPr>
-          </a:p>
-          <a:p>
-            <a:r>
-              <a:rPr lang="en-US" sz="1200" b="1" dirty="0" smtClean="0">
-                <a:solidFill>
-                  <a:srgbClr val="228B22"/>
-                </a:solidFill>
-                <a:latin typeface="Courier New" panose="02070309020205020404" pitchFamily="49" charset="0"/>
-                <a:cs typeface="Courier New" panose="02070309020205020404" pitchFamily="49" charset="0"/>
-              </a:rPr>
-              <a:t>%% Generate and visualize </a:t>
-            </a:r>
-            <a:r>
-              <a:rPr lang="en-US" sz="1200" b="1" dirty="0">
-                <a:solidFill>
-                  <a:srgbClr val="228B22"/>
-                </a:solidFill>
-                <a:latin typeface="Courier New" panose="02070309020205020404" pitchFamily="49" charset="0"/>
-                <a:cs typeface="Courier New" panose="02070309020205020404" pitchFamily="49" charset="0"/>
-              </a:rPr>
-              <a:t>pad file</a:t>
-            </a:r>
-          </a:p>
-          <a:p>
             <a:endParaRPr lang="en-US" sz="1200" b="1" dirty="0">
               <a:solidFill>
                 <a:srgbClr val="228B22"/>
@@ -8938,77 +8665,6 @@
             </a:endParaRPr>
           </a:p>
           <a:p>
-            <a:r>
-              <a:rPr lang="en-US" sz="1200" b="1" dirty="0">
-                <a:solidFill>
-                  <a:srgbClr val="228B22"/>
-                </a:solidFill>
-                <a:latin typeface="Courier New" panose="02070309020205020404" pitchFamily="49" charset="0"/>
-                <a:cs typeface="Courier New" panose="02070309020205020404" pitchFamily="49" charset="0"/>
-              </a:rPr>
-              <a:t>% Optode positions</a:t>
-            </a:r>
-          </a:p>
-          <a:p>
-            <a:r>
-              <a:rPr lang="en-US" sz="1200" b="1" dirty="0">
-                <a:latin typeface="Courier New" panose="02070309020205020404" pitchFamily="49" charset="0"/>
-                <a:cs typeface="Courier New" panose="02070309020205020404" pitchFamily="49" charset="0"/>
-              </a:rPr>
-              <a:t>grid = </a:t>
-            </a:r>
-            <a:r>
-              <a:rPr lang="en-US" sz="1200" b="1" dirty="0" err="1">
-                <a:latin typeface="Courier New" panose="02070309020205020404" pitchFamily="49" charset="0"/>
-                <a:cs typeface="Courier New" panose="02070309020205020404" pitchFamily="49" charset="0"/>
-              </a:rPr>
-              <a:t>struct</a:t>
-            </a:r>
-            <a:r>
-              <a:rPr lang="en-US" sz="1200" b="1" dirty="0">
-                <a:latin typeface="Courier New" panose="02070309020205020404" pitchFamily="49" charset="0"/>
-                <a:cs typeface="Courier New" panose="02070309020205020404" pitchFamily="49" charset="0"/>
-              </a:rPr>
-              <a:t>;</a:t>
-            </a:r>
-          </a:p>
-          <a:p>
-            <a:r>
-              <a:rPr lang="en-US" sz="1200" b="1" dirty="0">
-                <a:latin typeface="Courier New" panose="02070309020205020404" pitchFamily="49" charset="0"/>
-                <a:cs typeface="Courier New" panose="02070309020205020404" pitchFamily="49" charset="0"/>
-              </a:rPr>
-              <a:t>grid.spos3 = Data.info.optodes.spos3;</a:t>
-            </a:r>
-          </a:p>
-          <a:p>
-            <a:r>
-              <a:rPr lang="en-US" sz="1200" b="1" dirty="0">
-                <a:latin typeface="Courier New" panose="02070309020205020404" pitchFamily="49" charset="0"/>
-                <a:cs typeface="Courier New" panose="02070309020205020404" pitchFamily="49" charset="0"/>
-              </a:rPr>
-              <a:t>grid.dpos3 = Data.info.optodes.dpos3; </a:t>
-            </a:r>
-          </a:p>
-          <a:p>
-            <a:r>
-              <a:rPr lang="en-US" sz="1200" b="1" dirty="0">
-                <a:latin typeface="Courier New" panose="02070309020205020404" pitchFamily="49" charset="0"/>
-                <a:cs typeface="Courier New" panose="02070309020205020404" pitchFamily="49" charset="0"/>
-              </a:rPr>
-              <a:t>grid.spos2 = Data.info.optodes.spos2;</a:t>
-            </a:r>
-          </a:p>
-          <a:p>
-            <a:r>
-              <a:rPr lang="en-US" sz="1200" b="1" dirty="0">
-                <a:latin typeface="Courier New" panose="02070309020205020404" pitchFamily="49" charset="0"/>
-                <a:cs typeface="Courier New" panose="02070309020205020404" pitchFamily="49" charset="0"/>
-              </a:rPr>
-              <a:t>grid.dpos2 = Data.info.optodes.dpos2;</a:t>
-            </a:r>
-          </a:p>
-          <a:p>
             <a:endParaRPr lang="en-US" sz="1200" b="1" dirty="0">
               <a:solidFill>
                 <a:srgbClr val="228B22"/>
@@ -9026,18 +8682,10 @@
                 <a:latin typeface="Courier New" panose="02070309020205020404" pitchFamily="49" charset="0"/>
                 <a:cs typeface="Courier New" panose="02070309020205020404" pitchFamily="49" charset="0"/>
               </a:rPr>
-              <a:t>% </a:t>
-            </a:r>
-            <a:r>
-              <a:rPr lang="en-US" sz="1200" b="1" dirty="0" err="1">
-                <a:solidFill>
-                  <a:srgbClr val="228B22"/>
-                </a:solidFill>
-                <a:latin typeface="Courier New" panose="02070309020205020404" pitchFamily="49" charset="0"/>
-                <a:cs typeface="Courier New" panose="02070309020205020404" pitchFamily="49" charset="0"/>
-              </a:rPr>
-              <a:t>Params</a:t>
-            </a:r>
+              <a:t>%% Generate and visualize pad file</a:t>
+            </a:r>
+          </a:p>
+          <a:p>
             <a:endParaRPr lang="en-US" sz="1200" b="1" dirty="0">
               <a:solidFill>
                 <a:srgbClr val="228B22"/>
@@ -9048,125 +8696,73 @@
           </a:p>
           <a:p>
             <a:r>
-              <a:rPr lang="en-US" sz="1200" b="1" dirty="0" err="1" smtClean="0">
-                <a:latin typeface="Courier New" panose="02070309020205020404" pitchFamily="49" charset="0"/>
-                <a:cs typeface="Courier New" panose="02070309020205020404" pitchFamily="49" charset="0"/>
-              </a:rPr>
-              <a:t>params.lambda</a:t>
-            </a:r>
-            <a:r>
-              <a:rPr lang="en-US" sz="1200" b="1" dirty="0" smtClean="0">
-                <a:latin typeface="Courier New" panose="02070309020205020404" pitchFamily="49" charset="0"/>
-                <a:cs typeface="Courier New" panose="02070309020205020404" pitchFamily="49" charset="0"/>
-              </a:rPr>
-              <a:t> = unique(</a:t>
-            </a:r>
-            <a:r>
-              <a:rPr lang="en-US" sz="1200" b="1" dirty="0" err="1" smtClean="0">
-                <a:latin typeface="Courier New" panose="02070309020205020404" pitchFamily="49" charset="0"/>
-                <a:cs typeface="Courier New" panose="02070309020205020404" pitchFamily="49" charset="0"/>
-              </a:rPr>
-              <a:t>Data.info.pairs.lambda</a:t>
-            </a:r>
-            <a:r>
-              <a:rPr lang="en-US" sz="1200" b="1" dirty="0" smtClean="0">
-                <a:latin typeface="Courier New" panose="02070309020205020404" pitchFamily="49" charset="0"/>
-                <a:cs typeface="Courier New" panose="02070309020205020404" pitchFamily="49" charset="0"/>
-              </a:rPr>
-              <a:t>); </a:t>
-            </a:r>
-            <a:r>
-              <a:rPr lang="en-US" sz="1200" b="1" dirty="0" smtClean="0">
+              <a:rPr lang="en-US" sz="1200" b="1" dirty="0">
                 <a:solidFill>
                   <a:srgbClr val="228B22"/>
                 </a:solidFill>
                 <a:latin typeface="Courier New" panose="02070309020205020404" pitchFamily="49" charset="0"/>
                 <a:cs typeface="Courier New" panose="02070309020205020404" pitchFamily="49" charset="0"/>
               </a:rPr>
-              <a:t>% </a:t>
-            </a:r>
-            <a:r>
-              <a:rPr lang="en-US" sz="1200" b="1" dirty="0">
-                <a:solidFill>
-                  <a:srgbClr val="228B22"/>
-                </a:solidFill>
-                <a:latin typeface="Courier New" panose="02070309020205020404" pitchFamily="49" charset="0"/>
-                <a:cs typeface="Courier New" panose="02070309020205020404" pitchFamily="49" charset="0"/>
-              </a:rPr>
-              <a:t>Ex: [750, 850]</a:t>
-            </a:r>
-          </a:p>
-          <a:p>
-            <a:r>
-              <a:rPr lang="en-US" sz="1200" b="1" dirty="0">
-                <a:latin typeface="Courier New" panose="02070309020205020404" pitchFamily="49" charset="0"/>
-                <a:cs typeface="Courier New" panose="02070309020205020404" pitchFamily="49" charset="0"/>
-              </a:rPr>
-              <a:t>params.mod = 'CW</a:t>
-            </a:r>
-            <a:r>
-              <a:rPr lang="en-US" sz="1200" b="1" dirty="0" smtClean="0">
-                <a:latin typeface="Courier New" panose="02070309020205020404" pitchFamily="49" charset="0"/>
-                <a:cs typeface="Courier New" panose="02070309020205020404" pitchFamily="49" charset="0"/>
-              </a:rPr>
-              <a:t>'; </a:t>
-            </a:r>
-            <a:r>
-              <a:rPr lang="en-US" sz="1200" b="1" dirty="0">
-                <a:solidFill>
-                  <a:srgbClr val="228B22"/>
-                </a:solidFill>
-                <a:latin typeface="Courier New" panose="02070309020205020404" pitchFamily="49" charset="0"/>
-                <a:cs typeface="Courier New" panose="02070309020205020404" pitchFamily="49" charset="0"/>
-              </a:rPr>
-              <a:t>% Modulation type or frequency</a:t>
-            </a:r>
-          </a:p>
-          <a:p>
+              <a:t>% Optode positions</a:t>
+            </a:r>
+          </a:p>
+          <a:p>
+            <a:r>
+              <a:rPr lang="en-US" sz="1200" b="1" dirty="0">
+                <a:latin typeface="Courier New" panose="02070309020205020404" pitchFamily="49" charset="0"/>
+                <a:cs typeface="Courier New" panose="02070309020205020404" pitchFamily="49" charset="0"/>
+              </a:rPr>
+              <a:t>grid = </a:t>
+            </a:r>
             <a:r>
               <a:rPr lang="en-US" sz="1200" b="1" dirty="0" err="1">
                 <a:latin typeface="Courier New" panose="02070309020205020404" pitchFamily="49" charset="0"/>
                 <a:cs typeface="Courier New" panose="02070309020205020404" pitchFamily="49" charset="0"/>
               </a:rPr>
-              <a:t>params.CapName</a:t>
-            </a:r>
-            <a:r>
-              <a:rPr lang="en-US" sz="1200" b="1" dirty="0">
-                <a:latin typeface="Courier New" panose="02070309020205020404" pitchFamily="49" charset="0"/>
-                <a:cs typeface="Courier New" panose="02070309020205020404" pitchFamily="49" charset="0"/>
-              </a:rPr>
-              <a:t> = </a:t>
-            </a:r>
-            <a:r>
-              <a:rPr lang="en-US" sz="1200" b="1" dirty="0" smtClean="0">
-                <a:latin typeface="Courier New" panose="02070309020205020404" pitchFamily="49" charset="0"/>
-                <a:cs typeface="Courier New" panose="02070309020205020404" pitchFamily="49" charset="0"/>
-              </a:rPr>
-              <a:t>'</a:t>
-            </a:r>
-            <a:r>
-              <a:rPr lang="en-US" sz="1200" b="1" dirty="0" err="1" smtClean="0">
-                <a:latin typeface="Courier New" panose="02070309020205020404" pitchFamily="49" charset="0"/>
-                <a:cs typeface="Courier New" panose="02070309020205020404" pitchFamily="49" charset="0"/>
-              </a:rPr>
-              <a:t>ND_tutorial_pad_cropSection</a:t>
-            </a:r>
-            <a:r>
-              <a:rPr lang="en-US" sz="1200" b="1" dirty="0" smtClean="0">
-                <a:latin typeface="Courier New" panose="02070309020205020404" pitchFamily="49" charset="0"/>
-                <a:cs typeface="Courier New" panose="02070309020205020404" pitchFamily="49" charset="0"/>
-              </a:rPr>
-              <a:t>'; </a:t>
-            </a:r>
-            <a:r>
-              <a:rPr lang="en-US" sz="1200" b="1" dirty="0">
-                <a:solidFill>
-                  <a:srgbClr val="228B22"/>
-                </a:solidFill>
-                <a:latin typeface="Courier New" panose="02070309020205020404" pitchFamily="49" charset="0"/>
-                <a:cs typeface="Courier New" panose="02070309020205020404" pitchFamily="49" charset="0"/>
-              </a:rPr>
-              <a:t>% Create this yourself</a:t>
+              <a:t>struct</a:t>
+            </a:r>
+            <a:r>
+              <a:rPr lang="en-US" sz="1200" b="1" dirty="0">
+                <a:latin typeface="Courier New" panose="02070309020205020404" pitchFamily="49" charset="0"/>
+                <a:cs typeface="Courier New" panose="02070309020205020404" pitchFamily="49" charset="0"/>
+              </a:rPr>
+              <a:t>;</a:t>
+            </a:r>
+          </a:p>
+          <a:p>
+            <a:r>
+              <a:rPr lang="en-US" sz="1200" b="1" dirty="0">
+                <a:latin typeface="Courier New" panose="02070309020205020404" pitchFamily="49" charset="0"/>
+                <a:cs typeface="Courier New" panose="02070309020205020404" pitchFamily="49" charset="0"/>
+              </a:rPr>
+              <a:t>grid.spos3 = Data.info.optodes.spos3;</a:t>
+            </a:r>
+          </a:p>
+          <a:p>
+            <a:r>
+              <a:rPr lang="en-US" sz="1200" b="1" dirty="0">
+                <a:latin typeface="Courier New" panose="02070309020205020404" pitchFamily="49" charset="0"/>
+                <a:cs typeface="Courier New" panose="02070309020205020404" pitchFamily="49" charset="0"/>
+              </a:rPr>
+              <a:t>grid.dpos3 = Data.info.optodes.dpos3; </a:t>
+            </a:r>
+          </a:p>
+          <a:p>
+            <a:r>
+              <a:rPr lang="en-US" sz="1200" b="1" dirty="0">
+                <a:latin typeface="Courier New" panose="02070309020205020404" pitchFamily="49" charset="0"/>
+                <a:cs typeface="Courier New" panose="02070309020205020404" pitchFamily="49" charset="0"/>
+              </a:rPr>
+              <a:t>grid.spos2 = Data.info.optodes.spos2;</a:t>
+            </a:r>
+          </a:p>
+          <a:p>
+            <a:r>
+              <a:rPr lang="en-US" sz="1200" b="1" dirty="0">
+                <a:latin typeface="Courier New" panose="02070309020205020404" pitchFamily="49" charset="0"/>
+                <a:cs typeface="Courier New" panose="02070309020205020404" pitchFamily="49" charset="0"/>
+              </a:rPr>
+              <a:t>grid.dpos2 = Data.info.optodes.dpos2;</a:t>
             </a:r>
           </a:p>
           <a:p>
@@ -9187,6 +8783,143 @@
                 <a:latin typeface="Courier New" panose="02070309020205020404" pitchFamily="49" charset="0"/>
                 <a:cs typeface="Courier New" panose="02070309020205020404" pitchFamily="49" charset="0"/>
               </a:rPr>
+              <a:t>% </a:t>
+            </a:r>
+            <a:r>
+              <a:rPr lang="en-US" sz="1200" b="1" dirty="0" err="1">
+                <a:solidFill>
+                  <a:srgbClr val="228B22"/>
+                </a:solidFill>
+                <a:latin typeface="Courier New" panose="02070309020205020404" pitchFamily="49" charset="0"/>
+                <a:cs typeface="Courier New" panose="02070309020205020404" pitchFamily="49" charset="0"/>
+              </a:rPr>
+              <a:t>Params</a:t>
+            </a:r>
+            <a:endParaRPr lang="en-US" sz="1200" b="1" dirty="0">
+              <a:solidFill>
+                <a:srgbClr val="228B22"/>
+              </a:solidFill>
+              <a:latin typeface="Courier New" panose="02070309020205020404" pitchFamily="49" charset="0"/>
+              <a:cs typeface="Courier New" panose="02070309020205020404" pitchFamily="49" charset="0"/>
+            </a:endParaRPr>
+          </a:p>
+          <a:p>
+            <a:r>
+              <a:rPr lang="en-US" sz="1200" b="1" dirty="0" err="1">
+                <a:latin typeface="Courier New" panose="02070309020205020404" pitchFamily="49" charset="0"/>
+                <a:cs typeface="Courier New" panose="02070309020205020404" pitchFamily="49" charset="0"/>
+              </a:rPr>
+              <a:t>params.lambda</a:t>
+            </a:r>
+            <a:r>
+              <a:rPr lang="en-US" sz="1200" b="1" dirty="0">
+                <a:latin typeface="Courier New" panose="02070309020205020404" pitchFamily="49" charset="0"/>
+                <a:cs typeface="Courier New" panose="02070309020205020404" pitchFamily="49" charset="0"/>
+              </a:rPr>
+              <a:t> = unique(</a:t>
+            </a:r>
+            <a:r>
+              <a:rPr lang="en-US" sz="1200" b="1" dirty="0" err="1">
+                <a:latin typeface="Courier New" panose="02070309020205020404" pitchFamily="49" charset="0"/>
+                <a:cs typeface="Courier New" panose="02070309020205020404" pitchFamily="49" charset="0"/>
+              </a:rPr>
+              <a:t>Data.info.pairs.lambda</a:t>
+            </a:r>
+            <a:r>
+              <a:rPr lang="en-US" sz="1200" b="1" dirty="0">
+                <a:latin typeface="Courier New" panose="02070309020205020404" pitchFamily="49" charset="0"/>
+                <a:cs typeface="Courier New" panose="02070309020205020404" pitchFamily="49" charset="0"/>
+              </a:rPr>
+              <a:t>); </a:t>
+            </a:r>
+            <a:r>
+              <a:rPr lang="en-US" sz="1200" b="1" dirty="0">
+                <a:solidFill>
+                  <a:srgbClr val="228B22"/>
+                </a:solidFill>
+                <a:latin typeface="Courier New" panose="02070309020205020404" pitchFamily="49" charset="0"/>
+                <a:cs typeface="Courier New" panose="02070309020205020404" pitchFamily="49" charset="0"/>
+              </a:rPr>
+              <a:t>% Ex: [750, 850]</a:t>
+            </a:r>
+          </a:p>
+          <a:p>
+            <a:r>
+              <a:rPr lang="en-US" sz="1200" b="1" dirty="0">
+                <a:latin typeface="Courier New" panose="02070309020205020404" pitchFamily="49" charset="0"/>
+                <a:cs typeface="Courier New" panose="02070309020205020404" pitchFamily="49" charset="0"/>
+              </a:rPr>
+              <a:t>params.mod = 'CW'; </a:t>
+            </a:r>
+            <a:r>
+              <a:rPr lang="en-US" sz="1200" b="1" dirty="0">
+                <a:solidFill>
+                  <a:srgbClr val="228B22"/>
+                </a:solidFill>
+                <a:latin typeface="Courier New" panose="02070309020205020404" pitchFamily="49" charset="0"/>
+                <a:cs typeface="Courier New" panose="02070309020205020404" pitchFamily="49" charset="0"/>
+              </a:rPr>
+              <a:t>% Modulation type or frequency</a:t>
+            </a:r>
+          </a:p>
+          <a:p>
+            <a:r>
+              <a:rPr lang="en-US" sz="1200" b="1" dirty="0" err="1">
+                <a:latin typeface="Courier New" panose="02070309020205020404" pitchFamily="49" charset="0"/>
+                <a:cs typeface="Courier New" panose="02070309020205020404" pitchFamily="49" charset="0"/>
+              </a:rPr>
+              <a:t>params.CapName</a:t>
+            </a:r>
+            <a:r>
+              <a:rPr lang="en-US" sz="1200" b="1" dirty="0">
+                <a:latin typeface="Courier New" panose="02070309020205020404" pitchFamily="49" charset="0"/>
+                <a:cs typeface="Courier New" panose="02070309020205020404" pitchFamily="49" charset="0"/>
+              </a:rPr>
+              <a:t> = '</a:t>
+            </a:r>
+            <a:r>
+              <a:rPr lang="en-US" sz="1200" b="1" dirty="0" err="1">
+                <a:latin typeface="Courier New" panose="02070309020205020404" pitchFamily="49" charset="0"/>
+                <a:cs typeface="Courier New" panose="02070309020205020404" pitchFamily="49" charset="0"/>
+              </a:rPr>
+              <a:t>ND_tutorial_pad_cropSection</a:t>
+            </a:r>
+            <a:r>
+              <a:rPr lang="en-US" sz="1200" b="1" dirty="0">
+                <a:latin typeface="Courier New" panose="02070309020205020404" pitchFamily="49" charset="0"/>
+                <a:cs typeface="Courier New" panose="02070309020205020404" pitchFamily="49" charset="0"/>
+              </a:rPr>
+              <a:t>'; </a:t>
+            </a:r>
+            <a:r>
+              <a:rPr lang="en-US" sz="1200" b="1" dirty="0">
+                <a:solidFill>
+                  <a:srgbClr val="228B22"/>
+                </a:solidFill>
+                <a:latin typeface="Courier New" panose="02070309020205020404" pitchFamily="49" charset="0"/>
+                <a:cs typeface="Courier New" panose="02070309020205020404" pitchFamily="49" charset="0"/>
+              </a:rPr>
+              <a:t>% Create this yourself</a:t>
+            </a:r>
+          </a:p>
+          <a:p>
+            <a:endParaRPr lang="en-US" sz="1200" b="1" dirty="0">
+              <a:solidFill>
+                <a:srgbClr val="228B22"/>
+              </a:solidFill>
+              <a:latin typeface="Courier New" panose="02070309020205020404" pitchFamily="49" charset="0"/>
+              <a:cs typeface="Courier New" panose="02070309020205020404" pitchFamily="49" charset="0"/>
+            </a:endParaRPr>
+          </a:p>
+          <a:p>
+            <a:r>
+              <a:rPr lang="en-US" sz="1200" b="1" dirty="0">
+                <a:solidFill>
+                  <a:srgbClr val="228B22"/>
+                </a:solidFill>
+                <a:latin typeface="Courier New" panose="02070309020205020404" pitchFamily="49" charset="0"/>
+                <a:cs typeface="Courier New" panose="02070309020205020404" pitchFamily="49" charset="0"/>
+              </a:rPr>
               <a:t>% Generate</a:t>
             </a:r>
           </a:p>
@@ -9199,28 +8932,28 @@
               <a:t>info = </a:t>
             </a:r>
             <a:r>
-              <a:rPr lang="en-US" sz="1200" b="1" dirty="0" err="1" smtClean="0">
+              <a:rPr lang="en-US" sz="1200" b="1" dirty="0" err="1">
                 <a:latin typeface="Courier New" panose="02070309020205020404" pitchFamily="49" charset="0"/>
                 <a:cs typeface="Courier New" panose="02070309020205020404" pitchFamily="49" charset="0"/>
               </a:rPr>
               <a:t>Generate_pad_from_grid</a:t>
             </a:r>
             <a:r>
-              <a:rPr lang="en-US" sz="1200" b="1" dirty="0" smtClean="0">
+              <a:rPr lang="en-US" sz="1200" b="1" dirty="0">
                 <a:latin typeface="Courier New" panose="02070309020205020404" pitchFamily="49" charset="0"/>
                 <a:cs typeface="Courier New" panose="02070309020205020404" pitchFamily="49" charset="0"/>
               </a:rPr>
               <a:t>(</a:t>
             </a:r>
             <a:r>
-              <a:rPr lang="en-US" sz="1200" b="1" dirty="0" err="1" smtClean="0">
+              <a:rPr lang="en-US" sz="1200" b="1" dirty="0" err="1">
                 <a:latin typeface="Courier New" panose="02070309020205020404" pitchFamily="49" charset="0"/>
                 <a:cs typeface="Courier New" panose="02070309020205020404" pitchFamily="49" charset="0"/>
               </a:rPr>
               <a:t>grid,params</a:t>
             </a:r>
             <a:r>
-              <a:rPr lang="en-US" sz="1200" b="1" dirty="0" smtClean="0">
+              <a:rPr lang="en-US" sz="1200" b="1" dirty="0">
                 <a:latin typeface="Courier New" panose="02070309020205020404" pitchFamily="49" charset="0"/>
                 <a:cs typeface="Courier New" panose="02070309020205020404" pitchFamily="49" charset="0"/>
               </a:rPr>
@@ -9235,7 +8968,7 @@
           </a:p>
           <a:p>
             <a:r>
-              <a:rPr lang="en-US" sz="1200" b="1" dirty="0" smtClean="0">
+              <a:rPr lang="en-US" sz="1200" b="1" dirty="0">
                 <a:solidFill>
                   <a:srgbClr val="228B22"/>
                 </a:solidFill>
@@ -9260,10 +8993,6 @@
               </a:rPr>
               <a:t>(info)</a:t>
             </a:r>
-            <a:endParaRPr lang="en-US" sz="1200" b="1" dirty="0" smtClean="0">
-              <a:latin typeface="Courier New" panose="02070309020205020404" pitchFamily="49" charset="0"/>
-              <a:cs typeface="Courier New" panose="02070309020205020404" pitchFamily="49" charset="0"/>
-            </a:endParaRPr>
           </a:p>
           <a:p>
             <a:endParaRPr lang="en-US" sz="1200" b="1" dirty="0">
@@ -9296,13 +9025,13 @@
           <a:lstStyle/>
           <a:p>
             <a:r>
-              <a:rPr lang="en-US" sz="1700" dirty="0" smtClean="0"/>
+              <a:rPr lang="en-US" sz="1700" dirty="0"/>
               <a:t>Load the data and generate the pad file</a:t>
             </a:r>
           </a:p>
           <a:p>
             <a:r>
-              <a:rPr lang="en-US" sz="1700" dirty="0" smtClean="0"/>
+              <a:rPr lang="en-US" sz="1700" dirty="0"/>
               <a:t>Then, visualize the pad in 2D</a:t>
             </a:r>
           </a:p>
@@ -9406,36 +9135,12 @@
           <a:lstStyle/>
           <a:p>
             <a:r>
-              <a:rPr lang="en-US" dirty="0" smtClean="0">
+              <a:rPr lang="en-US" dirty="0">
                 <a:solidFill>
                   <a:srgbClr val="FF0000"/>
                 </a:solidFill>
               </a:rPr>
-              <a:t>Cropping measurement </a:t>
-            </a:r>
-            <a:r>
-              <a:rPr lang="en-US" dirty="0">
-                <a:solidFill>
-                  <a:srgbClr val="FF0000"/>
-                </a:solidFill>
-              </a:rPr>
-              <a:t>l</a:t>
-            </a:r>
-            <a:r>
-              <a:rPr lang="en-US" dirty="0" smtClean="0">
-                <a:solidFill>
-                  <a:srgbClr val="FF0000"/>
-                </a:solidFill>
-              </a:rPr>
-              <a:t>ist to match data (3)</a:t>
-            </a:r>
-            <a:r>
-              <a:rPr lang="en-US" dirty="0">
-                <a:solidFill>
-                  <a:srgbClr val="FF0000"/>
-                </a:solidFill>
-              </a:rPr>
-              <a:t/>
+              <a:t>Cropping measurement list to match data (3)</a:t>
             </a:r>
             <a:br>
               <a:rPr lang="en-US" dirty="0">
@@ -9445,18 +9150,13 @@
               </a:rPr>
             </a:br>
             <a:r>
-              <a:rPr lang="en-US" dirty="0" smtClean="0">
+              <a:rPr lang="en-US" dirty="0">
                 <a:solidFill>
                   <a:srgbClr val="FFC000"/>
                 </a:solidFill>
               </a:rPr>
               <a:t>Get measurement lists</a:t>
             </a:r>
-            <a:endParaRPr lang="en-US" dirty="0">
-              <a:solidFill>
-                <a:srgbClr val="FFC000"/>
-              </a:solidFill>
-            </a:endParaRPr>
           </a:p>
         </p:txBody>
       </p:sp>
@@ -9555,27 +9255,7 @@
                 <a:latin typeface="Courier New" panose="02070309020205020404" pitchFamily="49" charset="0"/>
                 <a:cs typeface="Courier New" panose="02070309020205020404" pitchFamily="49" charset="0"/>
               </a:rPr>
-              <a:t>% Make </a:t>
-            </a:r>
-            <a:r>
-              <a:rPr lang="en-US" sz="1200" b="1" dirty="0" smtClean="0">
-                <a:solidFill>
-                  <a:srgbClr val="228B22"/>
-                </a:solidFill>
-                <a:latin typeface="Courier New" panose="02070309020205020404" pitchFamily="49" charset="0"/>
-                <a:cs typeface="Courier New" panose="02070309020205020404" pitchFamily="49" charset="0"/>
-              </a:rPr>
-              <a:t>measurement list </a:t>
-            </a:r>
-            <a:r>
-              <a:rPr lang="en-US" sz="1200" b="1" dirty="0">
-                <a:solidFill>
-                  <a:srgbClr val="228B22"/>
-                </a:solidFill>
-                <a:latin typeface="Courier New" panose="02070309020205020404" pitchFamily="49" charset="0"/>
-                <a:cs typeface="Courier New" panose="02070309020205020404" pitchFamily="49" charset="0"/>
-              </a:rPr>
-              <a:t>from pad</a:t>
+              <a:t>% Make measurement list from pad</a:t>
             </a:r>
           </a:p>
           <a:p>
@@ -9654,27 +9334,7 @@
                 <a:latin typeface="Courier New" panose="02070309020205020404" pitchFamily="49" charset="0"/>
                 <a:cs typeface="Courier New" panose="02070309020205020404" pitchFamily="49" charset="0"/>
               </a:rPr>
-              <a:t>% Make </a:t>
-            </a:r>
-            <a:r>
-              <a:rPr lang="en-US" sz="1200" b="1" dirty="0" smtClean="0">
-                <a:solidFill>
-                  <a:srgbClr val="228B22"/>
-                </a:solidFill>
-                <a:latin typeface="Courier New" panose="02070309020205020404" pitchFamily="49" charset="0"/>
-                <a:cs typeface="Courier New" panose="02070309020205020404" pitchFamily="49" charset="0"/>
-              </a:rPr>
-              <a:t>measurement list </a:t>
-            </a:r>
-            <a:r>
-              <a:rPr lang="en-US" sz="1200" b="1" dirty="0">
-                <a:solidFill>
-                  <a:srgbClr val="228B22"/>
-                </a:solidFill>
-                <a:latin typeface="Courier New" panose="02070309020205020404" pitchFamily="49" charset="0"/>
-                <a:cs typeface="Courier New" panose="02070309020205020404" pitchFamily="49" charset="0"/>
-              </a:rPr>
-              <a:t>from data</a:t>
+              <a:t>% Make measurement list from data</a:t>
             </a:r>
           </a:p>
           <a:p>
@@ -9762,27 +9422,7 @@
                 <a:latin typeface="Courier New" panose="02070309020205020404" pitchFamily="49" charset="0"/>
                 <a:cs typeface="Courier New" panose="02070309020205020404" pitchFamily="49" charset="0"/>
               </a:rPr>
-              <a:t>% Are </a:t>
-            </a:r>
-            <a:r>
-              <a:rPr lang="en-US" sz="1200" b="1" dirty="0" smtClean="0">
-                <a:solidFill>
-                  <a:srgbClr val="228B22"/>
-                </a:solidFill>
-                <a:latin typeface="Courier New" panose="02070309020205020404" pitchFamily="49" charset="0"/>
-                <a:cs typeface="Courier New" panose="02070309020205020404" pitchFamily="49" charset="0"/>
-              </a:rPr>
-              <a:t>measurement lists </a:t>
-            </a:r>
-            <a:r>
-              <a:rPr lang="en-US" sz="1200" b="1" dirty="0">
-                <a:solidFill>
-                  <a:srgbClr val="228B22"/>
-                </a:solidFill>
-                <a:latin typeface="Courier New" panose="02070309020205020404" pitchFamily="49" charset="0"/>
-                <a:cs typeface="Courier New" panose="02070309020205020404" pitchFamily="49" charset="0"/>
-              </a:rPr>
-              <a:t>in the same order?</a:t>
+              <a:t>% Are measurement lists in the same order?</a:t>
             </a:r>
           </a:p>
           <a:p>
@@ -9868,51 +9508,51 @@
           <a:lstStyle/>
           <a:p>
             <a:r>
-              <a:rPr lang="en-US" sz="1700" dirty="0" smtClean="0"/>
+              <a:rPr lang="en-US" sz="1700" dirty="0"/>
               <a:t>Next, create a temporary structure that’s a copy of </a:t>
             </a:r>
             <a:r>
-              <a:rPr lang="en-US" sz="1700" dirty="0" err="1" smtClean="0"/>
+              <a:rPr lang="en-US" sz="1700" dirty="0" err="1"/>
               <a:t>info.pairs</a:t>
             </a:r>
-            <a:endParaRPr lang="en-US" sz="1700" dirty="0" smtClean="0"/>
+            <a:endParaRPr lang="en-US" sz="1700" dirty="0"/>
           </a:p>
           <a:p>
             <a:pPr lvl="1"/>
             <a:r>
-              <a:rPr lang="en-US" sz="1500" dirty="0" smtClean="0"/>
+              <a:rPr lang="en-US" sz="1500" dirty="0"/>
               <a:t>We’ll crop this structure, then place it back in the pad file</a:t>
             </a:r>
           </a:p>
           <a:p>
             <a:r>
-              <a:rPr lang="en-US" sz="1700" dirty="0" smtClean="0"/>
+              <a:rPr lang="en-US" sz="1700" dirty="0"/>
               <a:t>Make measurement lists from the pad and the data</a:t>
             </a:r>
           </a:p>
           <a:p>
             <a:r>
-              <a:rPr lang="en-US" sz="1700" dirty="0" smtClean="0"/>
+              <a:rPr lang="en-US" sz="1700" dirty="0"/>
               <a:t>Measurement lists contain the following info for each pair:</a:t>
             </a:r>
           </a:p>
           <a:p>
             <a:pPr lvl="1"/>
             <a:r>
-              <a:rPr lang="en-US" sz="1500" dirty="0" smtClean="0"/>
+              <a:rPr lang="en-US" sz="1500" dirty="0"/>
               <a:t>Source number, Detector number, Wavelength</a:t>
             </a:r>
           </a:p>
           <a:p>
             <a:r>
-              <a:rPr lang="en-US" sz="1700" dirty="0" smtClean="0"/>
+              <a:rPr lang="en-US" sz="1700" dirty="0"/>
               <a:t>We’ll also check if the measurement lists are identical</a:t>
             </a:r>
           </a:p>
           <a:p>
             <a:pPr lvl="1"/>
             <a:r>
-              <a:rPr lang="en-US" sz="1500" dirty="0" smtClean="0"/>
+              <a:rPr lang="en-US" sz="1500" dirty="0"/>
               <a:t>They shouldn’t be at this point</a:t>
             </a:r>
           </a:p>
@@ -9990,13 +9630,8 @@
           <a:p>
             <a:r>
               <a:rPr lang="en-US" dirty="0"/>
-              <a:t>D</a:t>
-            </a:r>
-            <a:r>
-              <a:rPr lang="en-US" dirty="0" smtClean="0"/>
-              <a:t>ata</a:t>
-            </a:r>
-            <a:endParaRPr lang="en-US" dirty="0"/>
+              <a:t>Data</a:t>
+            </a:r>
           </a:p>
         </p:txBody>
       </p:sp>
@@ -10023,10 +9658,9 @@
           <a:lstStyle/>
           <a:p>
             <a:r>
-              <a:rPr lang="en-US" dirty="0" smtClean="0"/>
+              <a:rPr lang="en-US" dirty="0"/>
               <a:t>Pad</a:t>
             </a:r>
-            <a:endParaRPr lang="en-US" dirty="0"/>
           </a:p>
         </p:txBody>
       </p:sp>
@@ -10104,36 +9738,12 @@
           <a:lstStyle/>
           <a:p>
             <a:r>
-              <a:rPr lang="en-US" dirty="0" smtClean="0">
+              <a:rPr lang="en-US" dirty="0">
                 <a:solidFill>
                   <a:srgbClr val="FF0000"/>
                 </a:solidFill>
               </a:rPr>
-              <a:t>Cropping measurement </a:t>
-            </a:r>
-            <a:r>
-              <a:rPr lang="en-US" dirty="0">
-                <a:solidFill>
-                  <a:srgbClr val="FF0000"/>
-                </a:solidFill>
-              </a:rPr>
-              <a:t>l</a:t>
-            </a:r>
-            <a:r>
-              <a:rPr lang="en-US" dirty="0" smtClean="0">
-                <a:solidFill>
-                  <a:srgbClr val="FF0000"/>
-                </a:solidFill>
-              </a:rPr>
-              <a:t>ist to match data (4)</a:t>
-            </a:r>
-            <a:r>
-              <a:rPr lang="en-US" dirty="0">
-                <a:solidFill>
-                  <a:srgbClr val="FF0000"/>
-                </a:solidFill>
-              </a:rPr>
-              <a:t/>
+              <a:t>Cropping measurement list to match data (4)</a:t>
             </a:r>
             <a:br>
               <a:rPr lang="en-US" dirty="0">
@@ -10143,18 +9753,13 @@
               </a:rPr>
             </a:br>
             <a:r>
-              <a:rPr lang="en-US" dirty="0" smtClean="0">
+              <a:rPr lang="en-US" dirty="0">
                 <a:solidFill>
                   <a:srgbClr val="FFC000"/>
                 </a:solidFill>
               </a:rPr>
               <a:t>Crop pad</a:t>
             </a:r>
-            <a:endParaRPr lang="en-US" dirty="0">
-              <a:solidFill>
-                <a:srgbClr val="FFC000"/>
-              </a:solidFill>
-            </a:endParaRPr>
           </a:p>
         </p:txBody>
       </p:sp>
@@ -10200,27 +9805,7 @@
                 <a:latin typeface="Courier New" panose="02070309020205020404" pitchFamily="49" charset="0"/>
                 <a:cs typeface="Courier New" panose="02070309020205020404" pitchFamily="49" charset="0"/>
               </a:rPr>
-              <a:t>% Get order of </a:t>
-            </a:r>
-            <a:r>
-              <a:rPr lang="en-US" sz="1200" b="1" dirty="0" smtClean="0">
-                <a:solidFill>
-                  <a:srgbClr val="228B22"/>
-                </a:solidFill>
-                <a:latin typeface="Courier New" panose="02070309020205020404" pitchFamily="49" charset="0"/>
-                <a:cs typeface="Courier New" panose="02070309020205020404" pitchFamily="49" charset="0"/>
-              </a:rPr>
-              <a:t>measurements </a:t>
-            </a:r>
-            <a:r>
-              <a:rPr lang="en-US" sz="1200" b="1" dirty="0">
-                <a:solidFill>
-                  <a:srgbClr val="228B22"/>
-                </a:solidFill>
-                <a:latin typeface="Courier New" panose="02070309020205020404" pitchFamily="49" charset="0"/>
-                <a:cs typeface="Courier New" panose="02070309020205020404" pitchFamily="49" charset="0"/>
-              </a:rPr>
-              <a:t>in data</a:t>
+              <a:t>% Get order of measurements in data</a:t>
             </a:r>
           </a:p>
           <a:p>
@@ -10787,7 +10372,7 @@
               <a:t>pad_measList_after</a:t>
             </a:r>
             <a:r>
-              <a:rPr lang="en-US" sz="1200" b="1" dirty="0" smtClean="0">
+              <a:rPr lang="en-US" sz="1200" b="1" dirty="0">
                 <a:latin typeface="Courier New" panose="02070309020205020404" pitchFamily="49" charset="0"/>
                 <a:cs typeface="Courier New" panose="02070309020205020404" pitchFamily="49" charset="0"/>
               </a:rPr>
@@ -10795,7 +10380,7 @@
             </a:r>
           </a:p>
           <a:p>
-            <a:endParaRPr lang="en-US" sz="1200" b="1" dirty="0" smtClean="0">
+            <a:endParaRPr lang="en-US" sz="1200" b="1" dirty="0">
               <a:solidFill>
                 <a:srgbClr val="228B22"/>
               </a:solidFill>
@@ -10805,24 +10390,14 @@
           </a:p>
           <a:p>
             <a:r>
-              <a:rPr lang="en-US" sz="1200" b="1" dirty="0" smtClean="0">
+              <a:rPr lang="en-US" sz="1200" b="1" dirty="0">
                 <a:solidFill>
                   <a:srgbClr val="228B22"/>
                 </a:solidFill>
                 <a:latin typeface="Courier New" panose="02070309020205020404" pitchFamily="49" charset="0"/>
                 <a:cs typeface="Courier New" panose="02070309020205020404" pitchFamily="49" charset="0"/>
               </a:rPr>
-              <a:t>% </a:t>
-            </a:r>
-            <a:r>
-              <a:rPr lang="en-US" sz="1200" b="1" dirty="0">
-                <a:solidFill>
-                  <a:srgbClr val="228B22"/>
-                </a:solidFill>
-                <a:latin typeface="Courier New" panose="02070309020205020404" pitchFamily="49" charset="0"/>
-                <a:cs typeface="Courier New" panose="02070309020205020404" pitchFamily="49" charset="0"/>
-              </a:rPr>
-              <a:t>Sanity Check</a:t>
+              <a:t>% Sanity Check</a:t>
             </a:r>
           </a:p>
           <a:p>
@@ -10963,13 +10538,13 @@
           <a:lstStyle/>
           <a:p>
             <a:r>
-              <a:rPr lang="en-US" sz="1700" dirty="0" smtClean="0"/>
+              <a:rPr lang="en-US" sz="1700" dirty="0"/>
               <a:t>Now, get the correct order and measurements for the cropped pad and reorder the temp pairs structure</a:t>
             </a:r>
           </a:p>
           <a:p>
             <a:r>
-              <a:rPr lang="en-US" sz="1700" dirty="0" smtClean="0"/>
+              <a:rPr lang="en-US" sz="1700" dirty="0"/>
               <a:t>Validate that both measurement lists are identical and perform a final sanity check</a:t>
             </a:r>
           </a:p>
@@ -11097,36 +10672,12 @@
           <a:lstStyle/>
           <a:p>
             <a:r>
-              <a:rPr lang="en-US" dirty="0" smtClean="0">
+              <a:rPr lang="en-US" dirty="0">
                 <a:solidFill>
                   <a:srgbClr val="FF0000"/>
                 </a:solidFill>
               </a:rPr>
-              <a:t>Cropping measurement </a:t>
-            </a:r>
-            <a:r>
-              <a:rPr lang="en-US" dirty="0">
-                <a:solidFill>
-                  <a:srgbClr val="FF0000"/>
-                </a:solidFill>
-              </a:rPr>
-              <a:t>l</a:t>
-            </a:r>
-            <a:r>
-              <a:rPr lang="en-US" dirty="0" smtClean="0">
-                <a:solidFill>
-                  <a:srgbClr val="FF0000"/>
-                </a:solidFill>
-              </a:rPr>
-              <a:t>ist to match data (4)</a:t>
-            </a:r>
-            <a:r>
-              <a:rPr lang="en-US" dirty="0">
-                <a:solidFill>
-                  <a:srgbClr val="FF0000"/>
-                </a:solidFill>
-              </a:rPr>
-              <a:t/>
+              <a:t>Cropping measurement list to match data (4)</a:t>
             </a:r>
             <a:br>
               <a:rPr lang="en-US" dirty="0">
@@ -11136,18 +10687,13 @@
               </a:rPr>
             </a:br>
             <a:r>
-              <a:rPr lang="en-US" dirty="0" smtClean="0">
+              <a:rPr lang="en-US" dirty="0">
                 <a:solidFill>
                   <a:srgbClr val="FF0000"/>
                 </a:solidFill>
               </a:rPr>
               <a:t>Save the cropped pad</a:t>
             </a:r>
-            <a:endParaRPr lang="en-US" dirty="0">
-              <a:solidFill>
-                <a:srgbClr val="FF0000"/>
-              </a:solidFill>
-            </a:endParaRPr>
           </a:p>
         </p:txBody>
       </p:sp>
@@ -11268,26 +10814,26 @@
           <a:lstStyle/>
           <a:p>
             <a:r>
-              <a:rPr lang="en-US" sz="1700" dirty="0" smtClean="0"/>
+              <a:rPr lang="en-US" sz="1700" dirty="0"/>
               <a:t>Finally, replace </a:t>
             </a:r>
             <a:r>
-              <a:rPr lang="en-US" sz="1700" dirty="0" err="1" smtClean="0"/>
+              <a:rPr lang="en-US" sz="1700" dirty="0" err="1"/>
               <a:t>info.pairs</a:t>
             </a:r>
             <a:r>
-              <a:rPr lang="en-US" sz="1700" dirty="0" smtClean="0"/>
+              <a:rPr lang="en-US" sz="1700" dirty="0"/>
               <a:t> with the cropped temp pairs structure</a:t>
             </a:r>
           </a:p>
           <a:p>
             <a:r>
-              <a:rPr lang="en-US" sz="1700" dirty="0" smtClean="0"/>
+              <a:rPr lang="en-US" sz="1700" dirty="0"/>
               <a:t>Then save your pad file</a:t>
             </a:r>
           </a:p>
           <a:p>
-            <a:endParaRPr lang="en-US" sz="1700" dirty="0" smtClean="0"/>
+            <a:endParaRPr lang="en-US" sz="1700" dirty="0"/>
           </a:p>
         </p:txBody>
       </p:sp>
@@ -11365,18 +10911,13 @@
           <a:lstStyle/>
           <a:p>
             <a:r>
-              <a:rPr lang="en-US" dirty="0" smtClean="0">
+              <a:rPr lang="en-US" dirty="0">
                 <a:solidFill>
                   <a:srgbClr val="FF0000"/>
                 </a:solidFill>
               </a:rPr>
               <a:t>Appendix: Explaining NN’s</a:t>
             </a:r>
-            <a:endParaRPr lang="en-US" dirty="0">
-              <a:solidFill>
-                <a:srgbClr val="FF0000"/>
-              </a:solidFill>
-            </a:endParaRPr>
           </a:p>
         </p:txBody>
       </p:sp>
@@ -11403,45 +10944,44 @@
           <a:lstStyle/>
           <a:p>
             <a:r>
-              <a:rPr lang="en-US" sz="1800" dirty="0" smtClean="0"/>
+              <a:rPr lang="en-US" sz="1800" dirty="0"/>
               <a:t>Nearest Neighbors (NN’s) are an ordinal classification denoting how close a Source-Detector (SD) pair are to each other</a:t>
             </a:r>
           </a:p>
           <a:p>
             <a:pPr lvl="1"/>
             <a:r>
-              <a:rPr lang="en-US" sz="1600" dirty="0" smtClean="0"/>
+              <a:rPr lang="en-US" sz="1600" dirty="0"/>
               <a:t>NN’s are stored within </a:t>
             </a:r>
             <a:r>
-              <a:rPr lang="en-US" sz="1600" dirty="0" err="1" smtClean="0"/>
+              <a:rPr lang="en-US" sz="1600" dirty="0" err="1"/>
               <a:t>info.pairs.NN</a:t>
             </a:r>
-            <a:endParaRPr lang="en-US" sz="1600" dirty="0" smtClean="0"/>
-          </a:p>
-          <a:p>
-            <a:r>
-              <a:rPr lang="en-US" dirty="0" smtClean="0"/>
+            <a:endParaRPr lang="en-US" sz="1600" dirty="0"/>
+          </a:p>
+          <a:p>
+            <a:r>
+              <a:rPr lang="en-US" dirty="0"/>
               <a:t>NN’s can be used to threshold the data</a:t>
             </a:r>
           </a:p>
           <a:p>
             <a:pPr lvl="1"/>
             <a:r>
-              <a:rPr lang="en-US" dirty="0" smtClean="0"/>
+              <a:rPr lang="en-US" dirty="0"/>
               <a:t>i.e. only use measurements from NN1’s, 2’s, etc.</a:t>
             </a:r>
-            <a:endParaRPr lang="en-US" dirty="0"/>
-          </a:p>
-          <a:p>
-            <a:r>
-              <a:rPr lang="en-US" sz="1800" dirty="0" smtClean="0"/>
+          </a:p>
+          <a:p>
+            <a:r>
+              <a:rPr lang="en-US" sz="1800" dirty="0"/>
               <a:t>Top right: NN’s organized by SD separation distance</a:t>
             </a:r>
           </a:p>
           <a:p>
             <a:r>
-              <a:rPr lang="en-US" sz="1800" dirty="0" smtClean="0"/>
+              <a:rPr lang="en-US" sz="1800" dirty="0"/>
               <a:t>Bottom : example NN classifications on 2D layout</a:t>
             </a:r>
           </a:p>
@@ -11581,18 +11121,13 @@
           <a:lstStyle/>
           <a:p>
             <a:r>
-              <a:rPr lang="en-US" dirty="0" smtClean="0">
+              <a:rPr lang="en-US" dirty="0">
                 <a:solidFill>
                   <a:srgbClr val="FF0000"/>
                 </a:solidFill>
               </a:rPr>
               <a:t>Appendix: Visualizing 2D layout in EEG style</a:t>
             </a:r>
-            <a:endParaRPr lang="en-US" dirty="0">
-              <a:solidFill>
-                <a:srgbClr val="FF0000"/>
-              </a:solidFill>
-            </a:endParaRPr>
           </a:p>
         </p:txBody>
       </p:sp>
@@ -11666,27 +11201,7 @@
                 <a:latin typeface="Courier New" panose="02070309020205020404" pitchFamily="49" charset="0"/>
                 <a:cs typeface="Courier New" panose="02070309020205020404" pitchFamily="49" charset="0"/>
               </a:rPr>
-              <a:t> pad used in sparse </a:t>
-            </a:r>
-            <a:r>
-              <a:rPr lang="en-US" sz="1200" b="1" dirty="0" smtClean="0">
-                <a:solidFill>
-                  <a:srgbClr val="228B22"/>
-                </a:solidFill>
-                <a:latin typeface="Courier New" panose="02070309020205020404" pitchFamily="49" charset="0"/>
-                <a:cs typeface="Courier New" panose="02070309020205020404" pitchFamily="49" charset="0"/>
-              </a:rPr>
-              <a:t>pad light modeling </a:t>
-            </a:r>
-            <a:r>
-              <a:rPr lang="en-US" sz="1200" b="1" dirty="0">
-                <a:solidFill>
-                  <a:srgbClr val="228B22"/>
-                </a:solidFill>
-                <a:latin typeface="Courier New" panose="02070309020205020404" pitchFamily="49" charset="0"/>
-                <a:cs typeface="Courier New" panose="02070309020205020404" pitchFamily="49" charset="0"/>
-              </a:rPr>
-              <a:t>tutorials</a:t>
+              <a:t> pad used in sparse pad light modeling tutorials</a:t>
             </a:r>
           </a:p>
           <a:p>
@@ -11840,47 +11355,47 @@
           <a:lstStyle/>
           <a:p>
             <a:r>
-              <a:rPr lang="en-US" sz="1700" dirty="0" smtClean="0"/>
+              <a:rPr lang="en-US" sz="1700" dirty="0"/>
               <a:t>Some arrays from commercial companies, such as </a:t>
             </a:r>
             <a:r>
-              <a:rPr lang="en-US" sz="1700" dirty="0" err="1" smtClean="0"/>
+              <a:rPr lang="en-US" sz="1700" dirty="0" err="1"/>
               <a:t>NIRx</a:t>
             </a:r>
             <a:r>
-              <a:rPr lang="en-US" sz="1700" dirty="0" smtClean="0"/>
+              <a:rPr lang="en-US" sz="1700" dirty="0"/>
               <a:t> utilize an EEG style layout for their 2D visualizations</a:t>
             </a:r>
           </a:p>
           <a:p>
             <a:r>
-              <a:rPr lang="en-US" sz="1700" dirty="0" err="1" smtClean="0"/>
+              <a:rPr lang="en-US" sz="1700" dirty="0" err="1"/>
               <a:t>NeuroDOT</a:t>
             </a:r>
             <a:r>
-              <a:rPr lang="en-US" sz="1700" dirty="0" smtClean="0"/>
+              <a:rPr lang="en-US" sz="1700" dirty="0"/>
               <a:t> is equipped to visualize arrays in both EEG style and grid style</a:t>
             </a:r>
           </a:p>
           <a:p>
             <a:r>
-              <a:rPr lang="en-US" sz="1700" dirty="0" smtClean="0"/>
+              <a:rPr lang="en-US" sz="1700" dirty="0"/>
               <a:t>Set </a:t>
             </a:r>
             <a:r>
-              <a:rPr lang="en-US" sz="1700" dirty="0" err="1" smtClean="0"/>
+              <a:rPr lang="en-US" sz="1700" dirty="0" err="1"/>
               <a:t>params.eeg_style</a:t>
             </a:r>
             <a:r>
-              <a:rPr lang="en-US" sz="1700" dirty="0" smtClean="0"/>
+              <a:rPr lang="en-US" sz="1700" dirty="0"/>
               <a:t> = 1 when using </a:t>
             </a:r>
             <a:r>
-              <a:rPr lang="en-US" sz="1700" dirty="0" err="1" smtClean="0"/>
+              <a:rPr lang="en-US" sz="1700" dirty="0" err="1"/>
               <a:t>PlotCap</a:t>
             </a:r>
             <a:r>
-              <a:rPr lang="en-US" sz="1700" dirty="0" smtClean="0"/>
+              <a:rPr lang="en-US" sz="1700" dirty="0"/>
               <a:t> to visualize the 2D layout</a:t>
             </a:r>
           </a:p>
@@ -11888,25 +11403,17 @@
             <a:pPr lvl="1"/>
             <a:r>
               <a:rPr lang="en-US" sz="1500" dirty="0" err="1"/>
-              <a:t>p</a:t>
-            </a:r>
-            <a:r>
-              <a:rPr lang="en-US" sz="1500" dirty="0" err="1" smtClean="0"/>
-              <a:t>arams.eeg_style</a:t>
-            </a:r>
-            <a:r>
-              <a:rPr lang="en-US" sz="1500" dirty="0" smtClean="0"/>
+              <a:t>params.eeg_style</a:t>
+            </a:r>
+            <a:r>
+              <a:rPr lang="en-US" sz="1500" dirty="0"/>
               <a:t> defaults to 0 in </a:t>
             </a:r>
             <a:r>
               <a:rPr lang="en-US" sz="1500" dirty="0" err="1"/>
-              <a:t>P</a:t>
-            </a:r>
-            <a:r>
-              <a:rPr lang="en-US" sz="1500" dirty="0" err="1" smtClean="0"/>
-              <a:t>lotCap</a:t>
-            </a:r>
-            <a:endParaRPr lang="en-US" sz="1500" dirty="0" smtClean="0"/>
+              <a:t>PlotCap</a:t>
+            </a:r>
+            <a:endParaRPr lang="en-US" sz="1500" dirty="0"/>
           </a:p>
         </p:txBody>
       </p:sp>
@@ -12045,26 +11552,13 @@
               <a:t>Congratulations! You have finished the </a:t>
             </a:r>
             <a:r>
-              <a:rPr lang="en-US" sz="2000" dirty="0" err="1" smtClean="0"/>
+              <a:rPr lang="en-US" sz="2000" dirty="0" err="1"/>
               <a:t>NeuroDOT</a:t>
             </a:r>
             <a:r>
               <a:rPr lang="en-US" sz="2000" dirty="0"/>
-              <a:t> T</a:t>
-            </a:r>
-            <a:r>
-              <a:rPr lang="en-US" sz="2000" dirty="0" smtClean="0"/>
-              <a:t>utorial for Pad File Generation. Continue on to </a:t>
-            </a:r>
-            <a:r>
-              <a:rPr lang="en-US" sz="2000" dirty="0"/>
-              <a:t>the </a:t>
-            </a:r>
-            <a:r>
-              <a:rPr lang="en-US" sz="2000" dirty="0" smtClean="0"/>
-              <a:t>NeuroDOT_Tutorial_Generating_a_Light_Model_Pad_24x28_With_AlignMe next to build the corresponding light model with your pad file.</a:t>
-            </a:r>
-            <a:endParaRPr lang="en-US" sz="2000" dirty="0"/>
+              <a:t> Tutorial for Pad File Generation. Continue on to the NeuroDOT_Tutorial_Generating_a_Light_Model_Pad_24x28_With_AlignMe next to build the corresponding light model with your pad file.</a:t>
+            </a:r>
           </a:p>
           <a:p>
             <a:endParaRPr lang="en-US" sz="2000" dirty="0"/>
@@ -12199,35 +11693,30 @@
               <a:t>abigail.magee@wustl.edu</a:t>
             </a:r>
             <a:r>
-              <a:rPr lang="en-US" b="1" dirty="0" smtClean="0"/>
+              <a:rPr lang="en-US" b="1" dirty="0"/>
               <a:t>)</a:t>
             </a:r>
           </a:p>
           <a:p>
             <a:pPr lvl="1"/>
             <a:r>
-              <a:rPr lang="en-US" b="1" dirty="0" err="1" smtClean="0"/>
+              <a:rPr lang="en-US" b="1" dirty="0" err="1"/>
               <a:t>Weihao</a:t>
             </a:r>
             <a:r>
-              <a:rPr lang="en-US" b="1" dirty="0" smtClean="0"/>
-              <a:t> </a:t>
-            </a:r>
-            <a:r>
               <a:rPr lang="en-US" b="1" dirty="0"/>
-              <a:t>Fan (</a:t>
-            </a:r>
-            <a:r>
-              <a:rPr lang="en-US" b="1" dirty="0" smtClean="0">
+              <a:t> Fan (</a:t>
+            </a:r>
+            <a:r>
+              <a:rPr lang="en-US" b="1" dirty="0">
                 <a:hlinkClick r:id="rId6"/>
               </a:rPr>
               <a:t>weihao.f@wustl.edu</a:t>
             </a:r>
             <a:r>
-              <a:rPr lang="en-US" b="1" dirty="0" smtClean="0"/>
+              <a:rPr lang="en-US" b="1" dirty="0"/>
               <a:t>) </a:t>
             </a:r>
-            <a:endParaRPr lang="en-US" b="1" dirty="0"/>
           </a:p>
         </p:txBody>
       </p:sp>
@@ -12236,7 +11725,7 @@
           <p:cNvPr id="5" name="Slide Number Placeholder 4">
             <a:extLst>
               <a:ext uri="{FF2B5EF4-FFF2-40B4-BE49-F238E27FC236}">
-                <a16:creationId xmlns="" xmlns:a16="http://schemas.microsoft.com/office/drawing/2014/main" id="{A90CD681-95B1-0F09-B405-F838B7211A28}"/>
+                <a16:creationId xmlns:a16="http://schemas.microsoft.com/office/drawing/2014/main" id="{A90CD681-95B1-0F09-B405-F838B7211A28}"/>
               </a:ext>
             </a:extLst>
           </p:cNvPr>
@@ -12270,13 +11759,6 @@
   <p:clrMapOvr>
     <a:masterClrMapping/>
   </p:clrMapOvr>
-  <p:timing>
-    <p:tnLst>
-      <p:par>
-        <p:cTn id="1" dur="indefinite" restart="never" nodeType="tmRoot"/>
-      </p:par>
-    </p:tnLst>
-  </p:timing>
 </p:sld>
 </file>
 
@@ -12407,7 +11889,7 @@
               <a:defRPr/>
             </a:pPr>
             <a:r>
-              <a:rPr kumimoji="0" lang="en-US" sz="3600" b="0" i="0" u="none" strike="noStrike" kern="1200" cap="none" spc="0" normalizeH="0" baseline="0" noProof="0" dirty="0" smtClean="0">
+              <a:rPr kumimoji="0" lang="en-US" sz="3600" b="0" i="0" u="none" strike="noStrike" kern="1200" cap="none" spc="0" normalizeH="0" baseline="0" noProof="0" dirty="0">
                 <a:ln>
                   <a:noFill/>
                 </a:ln>
@@ -12423,20 +11905,6 @@
               </a:rPr>
               <a:t>Pad File Tutorial Overview</a:t>
             </a:r>
-            <a:endParaRPr kumimoji="0" lang="en-US" sz="3600" b="0" i="0" u="none" strike="noStrike" kern="1200" cap="none" spc="0" normalizeH="0" baseline="0" noProof="0" dirty="0">
-              <a:ln>
-                <a:noFill/>
-              </a:ln>
-              <a:solidFill>
-                <a:srgbClr val="FF0000"/>
-              </a:solidFill>
-              <a:effectLst/>
-              <a:uLnTx/>
-              <a:uFillTx/>
-              <a:latin typeface="Trebuchet MS" panose="020B0603020202020204"/>
-              <a:ea typeface="+mj-ea"/>
-              <a:cs typeface="+mj-cs"/>
-            </a:endParaRPr>
           </a:p>
         </p:txBody>
       </p:sp>
@@ -12445,7 +11913,7 @@
           <p:cNvPr id="4" name="TextBox 3">
             <a:extLst>
               <a:ext uri="{FF2B5EF4-FFF2-40B4-BE49-F238E27FC236}">
-                <a16:creationId xmlns="" xmlns:a16="http://schemas.microsoft.com/office/drawing/2014/main" id="{7ED052B0-28A5-4061-94ED-651940373CF3}"/>
+                <a16:creationId xmlns:a16="http://schemas.microsoft.com/office/drawing/2014/main" id="{7ED052B0-28A5-4061-94ED-651940373CF3}"/>
               </a:ext>
             </a:extLst>
           </p:cNvPr>
@@ -12488,7 +11956,7 @@
               <a:defRPr/>
             </a:pPr>
             <a:r>
-              <a:rPr lang="en-US" dirty="0" smtClean="0">
+              <a:rPr lang="en-US" dirty="0">
                 <a:solidFill>
                   <a:prstClr val="white">
                     <a:lumMod val="75000"/>
@@ -12514,7 +11982,7 @@
               <a:defRPr/>
             </a:pPr>
             <a:r>
-              <a:rPr lang="en-US" dirty="0" err="1" smtClean="0">
+              <a:rPr lang="en-US" dirty="0" err="1">
                 <a:solidFill>
                   <a:prstClr val="white">
                     <a:lumMod val="75000"/>
@@ -12526,7 +11994,7 @@
               <a:t>NeuroDOT</a:t>
             </a:r>
             <a:r>
-              <a:rPr lang="en-US" dirty="0" smtClean="0">
+              <a:rPr lang="en-US" dirty="0">
                 <a:solidFill>
                   <a:prstClr val="white">
                     <a:lumMod val="75000"/>
@@ -12552,7 +12020,7 @@
               <a:defRPr/>
             </a:pPr>
             <a:r>
-              <a:rPr lang="en-US" dirty="0" smtClean="0">
+              <a:rPr lang="en-US" dirty="0">
                 <a:solidFill>
                   <a:prstClr val="white">
                     <a:lumMod val="75000"/>
@@ -12578,7 +12046,7 @@
               <a:defRPr/>
             </a:pPr>
             <a:r>
-              <a:rPr lang="en-US" dirty="0" smtClean="0">
+              <a:rPr lang="en-US" dirty="0">
                 <a:solidFill>
                   <a:prstClr val="white">
                     <a:lumMod val="75000"/>
@@ -12604,7 +12072,7 @@
               <a:defRPr/>
             </a:pPr>
             <a:r>
-              <a:rPr lang="en-US" dirty="0" smtClean="0">
+              <a:rPr lang="en-US" dirty="0">
                 <a:solidFill>
                   <a:prstClr val="white">
                     <a:lumMod val="75000"/>
@@ -12630,7 +12098,7 @@
               <a:defRPr/>
             </a:pPr>
             <a:r>
-              <a:rPr lang="en-US" dirty="0" smtClean="0">
+              <a:rPr lang="en-US" dirty="0">
                 <a:solidFill>
                   <a:prstClr val="white">
                     <a:lumMod val="75000"/>
@@ -12656,7 +12124,7 @@
               <a:defRPr/>
             </a:pPr>
             <a:r>
-              <a:rPr lang="en-US" dirty="0" smtClean="0">
+              <a:rPr lang="en-US" dirty="0">
                 <a:solidFill>
                   <a:prstClr val="white">
                     <a:lumMod val="75000"/>
@@ -12682,7 +12150,7 @@
               <a:defRPr/>
             </a:pPr>
             <a:r>
-              <a:rPr lang="en-US" dirty="0" smtClean="0">
+              <a:rPr lang="en-US" dirty="0">
                 <a:solidFill>
                   <a:prstClr val="white">
                     <a:lumMod val="75000"/>
@@ -12708,7 +12176,7 @@
               <a:defRPr/>
             </a:pPr>
             <a:r>
-              <a:rPr lang="en-US" dirty="0" err="1" smtClean="0">
+              <a:rPr lang="en-US" dirty="0" err="1">
                 <a:solidFill>
                   <a:prstClr val="white">
                     <a:lumMod val="75000"/>
@@ -12719,7 +12187,7 @@
               </a:rPr>
               <a:t>Postprocessing</a:t>
             </a:r>
-            <a:endParaRPr lang="en-US" dirty="0" smtClean="0">
+            <a:endParaRPr lang="en-US" dirty="0">
               <a:solidFill>
                 <a:prstClr val="white">
                   <a:lumMod val="75000"/>
@@ -12743,7 +12211,7 @@
               <a:defRPr/>
             </a:pPr>
             <a:r>
-              <a:rPr lang="en-US" dirty="0" smtClean="0">
+              <a:rPr lang="en-US" dirty="0">
                 <a:solidFill>
                   <a:prstClr val="white">
                     <a:lumMod val="75000"/>
@@ -12769,7 +12237,7 @@
               <a:defRPr/>
             </a:pPr>
             <a:r>
-              <a:rPr lang="en-US" dirty="0" smtClean="0">
+              <a:rPr lang="en-US" dirty="0">
                 <a:solidFill>
                   <a:prstClr val="white">
                     <a:lumMod val="75000"/>
@@ -12795,7 +12263,7 @@
               <a:defRPr/>
             </a:pPr>
             <a:r>
-              <a:rPr lang="en-US" dirty="0" smtClean="0">
+              <a:rPr lang="en-US" dirty="0">
                 <a:solidFill>
                   <a:prstClr val="white">
                     <a:lumMod val="75000"/>
@@ -12821,7 +12289,7 @@
               <a:defRPr/>
             </a:pPr>
             <a:r>
-              <a:rPr lang="en-US" dirty="0" smtClean="0">
+              <a:rPr lang="en-US" dirty="0">
                 <a:solidFill>
                   <a:prstClr val="white">
                     <a:lumMod val="75000"/>
@@ -12847,7 +12315,7 @@
               <a:defRPr/>
             </a:pPr>
             <a:r>
-              <a:rPr lang="en-US" dirty="0" smtClean="0">
+              <a:rPr lang="en-US" dirty="0">
                 <a:solidFill>
                   <a:prstClr val="white">
                     <a:lumMod val="75000"/>
@@ -12872,7 +12340,7 @@
               <a:buChar char=""/>
               <a:defRPr/>
             </a:pPr>
-            <a:endParaRPr lang="en-US" dirty="0" smtClean="0">
+            <a:endParaRPr lang="en-US" dirty="0">
               <a:solidFill>
                 <a:prstClr val="white">
                   <a:lumMod val="75000"/>
@@ -12889,7 +12357,7 @@
           <p:cNvPr id="2" name="Slide Number Placeholder 1">
             <a:extLst>
               <a:ext uri="{FF2B5EF4-FFF2-40B4-BE49-F238E27FC236}">
-                <a16:creationId xmlns="" xmlns:a16="http://schemas.microsoft.com/office/drawing/2014/main" id="{00EA7E2B-C6D0-E367-5C39-4BFE761B1059}"/>
+                <a16:creationId xmlns:a16="http://schemas.microsoft.com/office/drawing/2014/main" id="{00EA7E2B-C6D0-E367-5C39-4BFE761B1059}"/>
               </a:ext>
             </a:extLst>
           </p:cNvPr>
@@ -12923,13 +12391,6 @@
   <p:clrMapOvr>
     <a:masterClrMapping/>
   </p:clrMapOvr>
-  <p:timing>
-    <p:tnLst>
-      <p:par>
-        <p:cTn id="1" dur="indefinite" restart="never" nodeType="tmRoot"/>
-      </p:par>
-    </p:tnLst>
-  </p:timing>
 </p:sld>
 </file>
 
@@ -13099,7 +12560,7 @@
           <p:cNvPr id="19" name="TextBox 18">
             <a:extLst>
               <a:ext uri="{FF2B5EF4-FFF2-40B4-BE49-F238E27FC236}">
-                <a16:creationId xmlns:a16="http://schemas.microsoft.com/office/drawing/2014/main" xmlns="" id="{F7E1B133-1AB9-408F-AC8A-6C76715E8DEB}"/>
+                <a16:creationId xmlns:a16="http://schemas.microsoft.com/office/drawing/2014/main" id="{F7E1B133-1AB9-408F-AC8A-6C76715E8DEB}"/>
               </a:ext>
             </a:extLst>
           </p:cNvPr>
@@ -13367,19 +12828,7 @@
                 </a:solidFill>
                 <a:latin typeface="Trebuchet MS" panose="020B0603020202020204"/>
               </a:rPr>
-              <a:t>The following line of code will change your current directory to the output directory that you just specified							   </a:t>
-            </a:r>
-            <a:r>
-              <a:rPr lang="en-US" sz="1700" dirty="0" smtClean="0">
-                <a:solidFill>
-                  <a:prstClr val="white">
-                    <a:lumMod val="75000"/>
-                    <a:lumOff val="25000"/>
-                  </a:prstClr>
-                </a:solidFill>
-                <a:latin typeface="Trebuchet MS" panose="020B0603020202020204"/>
-              </a:rPr>
-              <a:t>                                         </a:t>
+              <a:t>The following line of code will change your current directory to the output directory that you just specified							                                            </a:t>
             </a:r>
             <a:r>
               <a:rPr lang="en-US" sz="1700" dirty="0">
@@ -13434,19 +12883,7 @@
                 </a:solidFill>
                 <a:latin typeface="Trebuchet MS" panose="020B0603020202020204"/>
               </a:rPr>
-              <a:t>Now you can save outputs directly to your output </a:t>
-            </a:r>
-            <a:r>
-              <a:rPr lang="en-US" sz="1700" dirty="0" smtClean="0">
-                <a:solidFill>
-                  <a:prstClr val="white">
-                    <a:lumMod val="75000"/>
-                    <a:lumOff val="25000"/>
-                  </a:prstClr>
-                </a:solidFill>
-                <a:latin typeface="Trebuchet MS" panose="020B0603020202020204"/>
-              </a:rPr>
-              <a:t>directory</a:t>
+              <a:t>Now you can save outputs directly to your output directory</a:t>
             </a:r>
           </a:p>
           <a:p>
@@ -13469,7 +12906,7 @@
               <a:tabLst/>
               <a:defRPr/>
             </a:pPr>
-            <a:endParaRPr kumimoji="0" lang="en-US" sz="1700" b="0" i="0" u="none" strike="noStrike" kern="1200" cap="none" spc="0" normalizeH="0" baseline="0" noProof="0" dirty="0" smtClean="0">
+            <a:endParaRPr kumimoji="0" lang="en-US" sz="1700" b="0" i="0" u="none" strike="noStrike" kern="1200" cap="none" spc="0" normalizeH="0" baseline="0" noProof="0" dirty="0">
               <a:ln>
                 <a:noFill/>
               </a:ln>
@@ -13506,7 +12943,7 @@
               <a:defRPr/>
             </a:pPr>
             <a:r>
-              <a:rPr kumimoji="0" lang="en-US" sz="1700" b="0" i="0" u="none" strike="noStrike" kern="1200" cap="none" spc="0" normalizeH="0" baseline="0" noProof="0" dirty="0" smtClean="0">
+              <a:rPr kumimoji="0" lang="en-US" sz="1700" b="0" i="0" u="none" strike="noStrike" kern="1200" cap="none" spc="0" normalizeH="0" baseline="0" noProof="0" dirty="0">
                 <a:ln>
                   <a:noFill/>
                 </a:ln>
@@ -13524,7 +12961,7 @@
               <a:t>Full example</a:t>
             </a:r>
             <a:r>
-              <a:rPr kumimoji="0" lang="en-US" sz="1700" b="0" i="0" u="none" strike="noStrike" kern="1200" cap="none" spc="0" normalizeH="0" noProof="0" dirty="0" smtClean="0">
+              <a:rPr kumimoji="0" lang="en-US" sz="1700" b="0" i="0" u="none" strike="noStrike" kern="1200" cap="none" spc="0" normalizeH="0" noProof="0" dirty="0">
                 <a:ln>
                   <a:noFill/>
                 </a:ln>
@@ -13542,7 +12979,7 @@
               <a:t> code section </a:t>
             </a:r>
             <a:r>
-              <a:rPr kumimoji="0" lang="en-US" sz="1700" b="0" i="0" u="none" strike="noStrike" kern="1200" cap="none" spc="0" normalizeH="0" noProof="0" dirty="0" smtClean="0">
+              <a:rPr kumimoji="0" lang="en-US" sz="1700" b="0" i="0" u="none" strike="noStrike" kern="1200" cap="none" spc="0" normalizeH="0" noProof="0" dirty="0">
                 <a:ln>
                   <a:noFill/>
                 </a:ln>
@@ -13586,7 +13023,7 @@
           <p:cNvPr id="3" name="Picture 2">
             <a:extLst>
               <a:ext uri="{FF2B5EF4-FFF2-40B4-BE49-F238E27FC236}">
-                <a16:creationId xmlns:a16="http://schemas.microsoft.com/office/drawing/2014/main" xmlns="" id="{C484C641-C861-4689-B9AB-ADB3F91D4BEE}"/>
+                <a16:creationId xmlns:a16="http://schemas.microsoft.com/office/drawing/2014/main" id="{C484C641-C861-4689-B9AB-ADB3F91D4BEE}"/>
               </a:ext>
             </a:extLst>
           </p:cNvPr>
@@ -13622,7 +13059,7 @@
           <p:cNvPr id="2" name="TextBox 1">
             <a:extLst>
               <a:ext uri="{FF2B5EF4-FFF2-40B4-BE49-F238E27FC236}">
-                <a16:creationId xmlns:a16="http://schemas.microsoft.com/office/drawing/2014/main" xmlns="" id="{011DDFF4-4946-9746-A15C-9721CAA3FAB6}"/>
+                <a16:creationId xmlns:a16="http://schemas.microsoft.com/office/drawing/2014/main" id="{011DDFF4-4946-9746-A15C-9721CAA3FAB6}"/>
               </a:ext>
             </a:extLst>
           </p:cNvPr>
@@ -13657,7 +13094,7 @@
           <p:cNvPr id="4" name="Slide Number Placeholder 3">
             <a:extLst>
               <a:ext uri="{FF2B5EF4-FFF2-40B4-BE49-F238E27FC236}">
-                <a16:creationId xmlns:a16="http://schemas.microsoft.com/office/drawing/2014/main" xmlns="" id="{3615D712-68C2-517E-3192-33F7730B9B54}"/>
+                <a16:creationId xmlns:a16="http://schemas.microsoft.com/office/drawing/2014/main" id="{3615D712-68C2-517E-3192-33F7730B9B54}"/>
               </a:ext>
             </a:extLst>
           </p:cNvPr>
@@ -14380,7 +13817,7 @@
           <p:cNvPr id="3" name="Slide Number Placeholder 2">
             <a:extLst>
               <a:ext uri="{FF2B5EF4-FFF2-40B4-BE49-F238E27FC236}">
-                <a16:creationId xmlns:a16="http://schemas.microsoft.com/office/drawing/2014/main" xmlns="" id="{ECD007DF-F439-B5C7-D7DC-991E60D3793A}"/>
+                <a16:creationId xmlns:a16="http://schemas.microsoft.com/office/drawing/2014/main" id="{ECD007DF-F439-B5C7-D7DC-991E60D3793A}"/>
               </a:ext>
             </a:extLst>
           </p:cNvPr>
@@ -14460,21 +13897,8 @@
                   <a:srgbClr val="FF0000"/>
                 </a:solidFill>
               </a:rPr>
-              <a:t>Generating a </a:t>
-            </a:r>
-            <a:r>
-              <a:rPr lang="en-US" dirty="0" smtClean="0">
-                <a:solidFill>
-                  <a:srgbClr val="FF0000"/>
-                </a:solidFill>
-              </a:rPr>
-              <a:t>Pad File</a:t>
-            </a:r>
-            <a:endParaRPr lang="en-US" dirty="0">
-              <a:solidFill>
-                <a:srgbClr val="FF0000"/>
-              </a:solidFill>
-            </a:endParaRPr>
+              <a:t>Generating a Pad File</a:t>
+            </a:r>
           </a:p>
         </p:txBody>
       </p:sp>
@@ -14766,7 +14190,7 @@
               <a:t>This tutorial will follow the </a:t>
             </a:r>
             <a:r>
-              <a:rPr kumimoji="0" lang="en-US" sz="1700" b="1" i="0" u="none" strike="noStrike" kern="1200" cap="none" spc="0" normalizeH="0" baseline="0" noProof="0" dirty="0" err="1" smtClean="0">
+              <a:rPr kumimoji="0" lang="en-US" sz="1700" b="1" i="0" u="none" strike="noStrike" kern="1200" cap="none" spc="0" normalizeH="0" baseline="0" noProof="0" dirty="0" err="1">
                 <a:ln>
                   <a:noFill/>
                 </a:ln>
@@ -14783,7 +14207,7 @@
               <a:t>Generating_a_pad_file_tutorial.m</a:t>
             </a:r>
             <a:r>
-              <a:rPr kumimoji="0" lang="en-US" sz="1700" b="1" i="0" u="none" strike="noStrike" kern="1200" cap="none" spc="0" normalizeH="0" baseline="0" noProof="0" dirty="0" smtClean="0">
+              <a:rPr kumimoji="0" lang="en-US" sz="1700" b="1" i="0" u="none" strike="noStrike" kern="1200" cap="none" spc="0" normalizeH="0" baseline="0" noProof="0" dirty="0">
                 <a:ln>
                   <a:noFill/>
                 </a:ln>
@@ -14899,7 +14323,7 @@
               <a:defRPr/>
             </a:pPr>
             <a:r>
-              <a:rPr kumimoji="0" lang="en-US" sz="1500" b="0" i="0" u="none" strike="noStrike" kern="1200" cap="none" spc="0" normalizeH="0" baseline="0" noProof="0" dirty="0" smtClean="0">
+              <a:rPr kumimoji="0" lang="en-US" sz="1500" b="0" i="0" u="none" strike="noStrike" kern="1200" cap="none" spc="0" normalizeH="0" baseline="0" noProof="0" dirty="0">
                 <a:ln>
                   <a:noFill/>
                 </a:ln>
@@ -14917,7 +14341,7 @@
               <a:t>Create an array of sources and detectors based </a:t>
             </a:r>
             <a:r>
-              <a:rPr kumimoji="0" lang="en-US" sz="1500" b="0" i="0" u="none" strike="noStrike" kern="1200" cap="none" spc="0" normalizeH="0" noProof="0" dirty="0" smtClean="0">
+              <a:rPr kumimoji="0" lang="en-US" sz="1500" b="0" i="0" u="none" strike="noStrike" kern="1200" cap="none" spc="0" normalizeH="0" noProof="0" dirty="0">
                 <a:ln>
                   <a:noFill/>
                 </a:ln>
@@ -14935,7 +14359,7 @@
               <a:t>a set of </a:t>
             </a:r>
             <a:r>
-              <a:rPr kumimoji="0" lang="en-US" sz="1500" b="0" i="0" u="none" strike="noStrike" kern="1200" cap="none" spc="0" normalizeH="0" noProof="0" dirty="0" err="1" smtClean="0">
+              <a:rPr kumimoji="0" lang="en-US" sz="1500" b="0" i="0" u="none" strike="noStrike" kern="1200" cap="none" spc="0" normalizeH="0" noProof="0" dirty="0" err="1">
                 <a:ln>
                   <a:noFill/>
                 </a:ln>
@@ -14953,7 +14377,7 @@
               <a:t>NeuroDOT</a:t>
             </a:r>
             <a:r>
-              <a:rPr kumimoji="0" lang="en-US" sz="1500" b="0" i="0" u="none" strike="noStrike" kern="1200" cap="none" spc="0" normalizeH="0" noProof="0" dirty="0" smtClean="0">
+              <a:rPr kumimoji="0" lang="en-US" sz="1500" b="0" i="0" u="none" strike="noStrike" kern="1200" cap="none" spc="0" normalizeH="0" noProof="0" dirty="0">
                 <a:ln>
                   <a:noFill/>
                 </a:ln>
@@ -14992,7 +14416,7 @@
               <a:defRPr/>
             </a:pPr>
             <a:r>
-              <a:rPr lang="en-US" sz="1500" baseline="0" dirty="0" smtClean="0">
+              <a:rPr lang="en-US" sz="1500" baseline="0" dirty="0">
                 <a:solidFill>
                   <a:prstClr val="white">
                     <a:lumMod val="75000"/>
@@ -15004,7 +14428,7 @@
               <a:t>Populate an info structure</a:t>
             </a:r>
             <a:r>
-              <a:rPr lang="en-US" sz="1500" dirty="0" smtClean="0">
+              <a:rPr lang="en-US" sz="1500" dirty="0">
                 <a:solidFill>
                   <a:prstClr val="white">
                     <a:lumMod val="75000"/>
@@ -15037,7 +14461,7 @@
               <a:defRPr/>
             </a:pPr>
             <a:r>
-              <a:rPr kumimoji="0" lang="en-US" sz="1500" b="0" i="0" u="none" strike="noStrike" kern="1200" cap="none" spc="0" normalizeH="0" baseline="0" noProof="0" dirty="0" smtClean="0">
+              <a:rPr kumimoji="0" lang="en-US" sz="1500" b="0" i="0" u="none" strike="noStrike" kern="1200" cap="none" spc="0" normalizeH="0" baseline="0" noProof="0" dirty="0">
                 <a:ln>
                   <a:noFill/>
                 </a:ln>
@@ -15055,7 +14479,7 @@
               <a:t>Visualize</a:t>
             </a:r>
             <a:r>
-              <a:rPr kumimoji="0" lang="en-US" sz="1500" b="0" i="0" u="none" strike="noStrike" kern="1200" cap="none" spc="0" normalizeH="0" noProof="0" dirty="0" smtClean="0">
+              <a:rPr kumimoji="0" lang="en-US" sz="1500" b="0" i="0" u="none" strike="noStrike" kern="1200" cap="none" spc="0" normalizeH="0" noProof="0" dirty="0">
                 <a:ln>
                   <a:noFill/>
                 </a:ln>
@@ -15094,7 +14518,7 @@
               <a:defRPr/>
             </a:pPr>
             <a:r>
-              <a:rPr lang="en-US" sz="1500" baseline="0" dirty="0" smtClean="0">
+              <a:rPr lang="en-US" sz="1500" baseline="0" dirty="0">
                 <a:solidFill>
                   <a:prstClr val="white">
                     <a:lumMod val="75000"/>
@@ -15106,7 +14530,7 @@
               <a:t>Demonstrate</a:t>
             </a:r>
             <a:r>
-              <a:rPr lang="en-US" sz="1500" dirty="0" smtClean="0">
+              <a:rPr lang="en-US" sz="1500" dirty="0">
                 <a:solidFill>
                   <a:prstClr val="white">
                     <a:lumMod val="75000"/>
@@ -15170,7 +14594,7 @@
           <p:cNvPr id="3" name="Slide Number Placeholder 2">
             <a:extLst>
               <a:ext uri="{FF2B5EF4-FFF2-40B4-BE49-F238E27FC236}">
-                <a16:creationId xmlns="" xmlns:a16="http://schemas.microsoft.com/office/drawing/2014/main" id="{CA945477-5A92-9588-3A64-023473E9A1C4}"/>
+                <a16:creationId xmlns:a16="http://schemas.microsoft.com/office/drawing/2014/main" id="{CA945477-5A92-9588-3A64-023473E9A1C4}"/>
               </a:ext>
             </a:extLst>
           </p:cNvPr>
@@ -15259,7 +14683,7 @@
           <p:cNvPr id="5" name="Rectangle 4">
             <a:extLst>
               <a:ext uri="{FF2B5EF4-FFF2-40B4-BE49-F238E27FC236}">
-                <a16:creationId xmlns="" xmlns:a16="http://schemas.microsoft.com/office/drawing/2014/main" id="{80C270D9-9B1E-54AA-359E-876DC8FF124C}"/>
+                <a16:creationId xmlns:a16="http://schemas.microsoft.com/office/drawing/2014/main" id="{80C270D9-9B1E-54AA-359E-876DC8FF124C}"/>
               </a:ext>
             </a:extLst>
           </p:cNvPr>
@@ -15345,13 +14769,6 @@
   <p:clrMapOvr>
     <a:masterClrMapping/>
   </p:clrMapOvr>
-  <p:timing>
-    <p:tnLst>
-      <p:par>
-        <p:cTn id="1" dur="indefinite" restart="never" nodeType="tmRoot"/>
-      </p:par>
-    </p:tnLst>
-  </p:timing>
 </p:sld>
 </file>
 
@@ -15506,7 +14923,7 @@
           <p:cNvPr id="19" name="TextBox 18">
             <a:extLst>
               <a:ext uri="{FF2B5EF4-FFF2-40B4-BE49-F238E27FC236}">
-                <a16:creationId xmlns="" xmlns:a16="http://schemas.microsoft.com/office/drawing/2014/main" id="{F7E1B133-1AB9-408F-AC8A-6C76715E8DEB}"/>
+                <a16:creationId xmlns:a16="http://schemas.microsoft.com/office/drawing/2014/main" id="{F7E1B133-1AB9-408F-AC8A-6C76715E8DEB}"/>
               </a:ext>
             </a:extLst>
           </p:cNvPr>
@@ -15607,47 +15024,7 @@
                 <a:ea typeface="+mn-ea"/>
                 <a:cs typeface="+mn-cs"/>
               </a:rPr>
-              <a:t>Highlight and execute each </a:t>
-            </a:r>
-            <a:r>
-              <a:rPr kumimoji="0" lang="en-US" sz="1500" b="0" i="0" u="none" strike="noStrike" kern="1200" cap="none" spc="0" normalizeH="0" baseline="0" noProof="0" dirty="0" smtClean="0">
-                <a:ln>
-                  <a:noFill/>
-                </a:ln>
-                <a:solidFill>
-                  <a:prstClr val="white">
-                    <a:lumMod val="75000"/>
-                    <a:lumOff val="25000"/>
-                  </a:prstClr>
-                </a:solidFill>
-                <a:effectLst/>
-                <a:uLnTx/>
-                <a:uFillTx/>
-                <a:latin typeface="Trebuchet MS" panose="020B0603020202020204"/>
-                <a:ea typeface="+mn-ea"/>
-                <a:cs typeface="+mn-cs"/>
-              </a:rPr>
-              <a:t>section </a:t>
-            </a:r>
-            <a:r>
-              <a:rPr kumimoji="0" lang="en-US" sz="1500" b="0" i="0" u="none" strike="noStrike" kern="1200" cap="none" spc="0" normalizeH="0" baseline="0" noProof="0" dirty="0">
-                <a:ln>
-                  <a:noFill/>
-                </a:ln>
-                <a:solidFill>
-                  <a:prstClr val="white">
-                    <a:lumMod val="75000"/>
-                    <a:lumOff val="25000"/>
-                  </a:prstClr>
-                </a:solidFill>
-                <a:effectLst/>
-                <a:uLnTx/>
-                <a:uFillTx/>
-                <a:latin typeface="Trebuchet MS" panose="020B0603020202020204"/>
-                <a:ea typeface="+mn-ea"/>
-                <a:cs typeface="+mn-cs"/>
-              </a:rPr>
-              <a:t>of code</a:t>
+              <a:t>Highlight and execute each section of code</a:t>
             </a:r>
           </a:p>
           <a:p>
@@ -15691,7 +15068,7 @@
               <a:t>Ex: highlight lines </a:t>
             </a:r>
             <a:r>
-              <a:rPr lang="en-US" sz="1500" dirty="0" smtClean="0">
+              <a:rPr lang="en-US" sz="1500" dirty="0">
                 <a:solidFill>
                   <a:prstClr val="white">
                     <a:lumMod val="75000"/>
@@ -15703,7 +15080,7 @@
               <a:t>24</a:t>
             </a:r>
             <a:r>
-              <a:rPr kumimoji="0" lang="en-US" sz="1500" b="0" i="0" u="none" strike="noStrike" kern="1200" cap="none" spc="0" normalizeH="0" baseline="0" noProof="0" dirty="0" smtClean="0">
+              <a:rPr kumimoji="0" lang="en-US" sz="1500" b="0" i="0" u="none" strike="noStrike" kern="1200" cap="none" spc="0" normalizeH="0" baseline="0" noProof="0" dirty="0">
                 <a:ln>
                   <a:noFill/>
                 </a:ln>
@@ -15929,7 +15306,7 @@
               <a:defRPr/>
             </a:pPr>
             <a:r>
-              <a:rPr kumimoji="0" lang="en-US" sz="1700" b="0" i="0" u="none" strike="noStrike" kern="1200" cap="none" spc="0" normalizeH="0" baseline="0" noProof="0" dirty="0" smtClean="0">
+              <a:rPr kumimoji="0" lang="en-US" sz="1700" b="0" i="0" u="none" strike="noStrike" kern="1200" cap="none" spc="0" normalizeH="0" baseline="0" noProof="0" dirty="0">
                 <a:ln>
                   <a:noFill/>
                 </a:ln>
@@ -15947,49 +15324,7 @@
                 <a:cs typeface="+mn-cs"/>
                 <a:sym typeface="Wingdings" panose="05000000000000000000" pitchFamily="2" charset="2"/>
               </a:rPr>
-              <a:t>Note</a:t>
-            </a:r>
-            <a:r>
-              <a:rPr kumimoji="0" lang="en-US" sz="1700" b="0" i="0" u="none" strike="noStrike" kern="1200" cap="none" spc="0" normalizeH="0" baseline="0" noProof="0" dirty="0">
-                <a:ln>
-                  <a:noFill/>
-                </a:ln>
-                <a:solidFill>
-                  <a:prstClr val="white">
-                    <a:lumMod val="75000"/>
-                    <a:lumOff val="25000"/>
-                  </a:prstClr>
-                </a:solidFill>
-                <a:effectLst/>
-                <a:uLnTx/>
-                <a:uFillTx/>
-                <a:latin typeface="Trebuchet MS" panose="020B0603020202020204"/>
-                <a:ea typeface="+mn-ea"/>
-                <a:cs typeface="+mn-cs"/>
-                <a:sym typeface="Wingdings" panose="05000000000000000000" pitchFamily="2" charset="2"/>
-              </a:rPr>
-              <a:t>: DO NOT HIT THE GREEN “RUN” BUTTON to run this </a:t>
-            </a:r>
-            <a:r>
-              <a:rPr kumimoji="0" lang="en-US" sz="1700" b="0" i="0" u="none" strike="noStrike" kern="1200" cap="none" spc="0" normalizeH="0" baseline="0" noProof="0" dirty="0" smtClean="0">
-                <a:ln>
-                  <a:noFill/>
-                </a:ln>
-                <a:solidFill>
-                  <a:prstClr val="white">
-                    <a:lumMod val="75000"/>
-                    <a:lumOff val="25000"/>
-                  </a:prstClr>
-                </a:solidFill>
-                <a:effectLst/>
-                <a:uLnTx/>
-                <a:uFillTx/>
-                <a:latin typeface="Trebuchet MS" panose="020B0603020202020204"/>
-                <a:ea typeface="+mn-ea"/>
-                <a:cs typeface="+mn-cs"/>
-                <a:sym typeface="Wingdings" panose="05000000000000000000" pitchFamily="2" charset="2"/>
-              </a:rPr>
-              <a:t>script</a:t>
+              <a:t>Note: DO NOT HIT THE GREEN “RUN” BUTTON to run this script</a:t>
             </a:r>
             <a:endParaRPr kumimoji="0" lang="en-US" sz="1400" b="0" i="0" u="none" strike="noStrike" kern="1200" cap="none" spc="0" normalizeH="0" baseline="0" noProof="0" dirty="0">
               <a:ln>
@@ -16091,47 +15426,8 @@
                 <a:cs typeface="+mn-cs"/>
                 <a:sym typeface="Wingdings" panose="05000000000000000000" pitchFamily="2" charset="2"/>
               </a:rPr>
-              <a:t>Optimal version: MATLAB </a:t>
-            </a:r>
-            <a:r>
-              <a:rPr kumimoji="0" lang="en-US" sz="1500" b="0" i="0" u="none" strike="noStrike" kern="1200" cap="none" spc="0" normalizeH="0" baseline="0" noProof="0" dirty="0" smtClean="0">
-                <a:ln>
-                  <a:noFill/>
-                </a:ln>
-                <a:solidFill>
-                  <a:prstClr val="white">
-                    <a:lumMod val="75000"/>
-                    <a:lumOff val="25000"/>
-                  </a:prstClr>
-                </a:solidFill>
-                <a:effectLst/>
-                <a:uLnTx/>
-                <a:uFillTx/>
-                <a:latin typeface="Trebuchet MS" panose="020B0603020202020204"/>
-                <a:ea typeface="+mn-ea"/>
-                <a:cs typeface="+mn-cs"/>
-                <a:sym typeface="Wingdings" panose="05000000000000000000" pitchFamily="2" charset="2"/>
-              </a:rPr>
-              <a:t>2020b</a:t>
-            </a:r>
-            <a:endParaRPr kumimoji="0" lang="en-US" sz="1500" b="0" i="0" u="none" strike="noStrike" kern="1200" cap="none" spc="0" normalizeH="0" baseline="0" noProof="0" dirty="0">
-              <a:ln>
-                <a:noFill/>
-              </a:ln>
-              <a:solidFill>
-                <a:prstClr val="white">
-                  <a:lumMod val="75000"/>
-                  <a:lumOff val="25000"/>
-                </a:prstClr>
-              </a:solidFill>
-              <a:effectLst/>
-              <a:uLnTx/>
-              <a:uFillTx/>
-              <a:latin typeface="Trebuchet MS" panose="020B0603020202020204"/>
-              <a:ea typeface="+mn-ea"/>
-              <a:cs typeface="+mn-cs"/>
-              <a:sym typeface="Wingdings" panose="05000000000000000000" pitchFamily="2" charset="2"/>
-            </a:endParaRPr>
+              <a:t>Optimal version: MATLAB 2020b</a:t>
+            </a:r>
           </a:p>
         </p:txBody>
       </p:sp>
@@ -16306,7 +15602,7 @@
           <p:cNvPr id="4" name="Slide Number Placeholder 3">
             <a:extLst>
               <a:ext uri="{FF2B5EF4-FFF2-40B4-BE49-F238E27FC236}">
-                <a16:creationId xmlns="" xmlns:a16="http://schemas.microsoft.com/office/drawing/2014/main" id="{599B29CF-B339-BF83-9D34-D6A8AAD631B4}"/>
+                <a16:creationId xmlns:a16="http://schemas.microsoft.com/office/drawing/2014/main" id="{599B29CF-B339-BF83-9D34-D6A8AAD631B4}"/>
               </a:ext>
             </a:extLst>
           </p:cNvPr>
@@ -16424,13 +15720,6 @@
   <p:clrMapOvr>
     <a:masterClrMapping/>
   </p:clrMapOvr>
-  <p:timing>
-    <p:tnLst>
-      <p:par>
-        <p:cTn id="1" dur="indefinite" restart="never" nodeType="tmRoot"/>
-      </p:par>
-    </p:tnLst>
-  </p:timing>
 </p:sld>
 </file>
 
@@ -16472,18 +15761,13 @@
           <a:lstStyle/>
           <a:p>
             <a:r>
-              <a:rPr lang="en-US" dirty="0" smtClean="0">
+              <a:rPr lang="en-US" dirty="0">
                 <a:solidFill>
                   <a:srgbClr val="FF0000"/>
                 </a:solidFill>
               </a:rPr>
               <a:t>What information goes into a pad file?</a:t>
             </a:r>
-            <a:endParaRPr lang="en-US" dirty="0">
-              <a:solidFill>
-                <a:srgbClr val="FF0000"/>
-              </a:solidFill>
-            </a:endParaRPr>
           </a:p>
         </p:txBody>
       </p:sp>
@@ -16719,7 +16003,7 @@
               </a:spcBef>
             </a:pPr>
             <a:r>
-              <a:rPr lang="en-US" sz="1200" dirty="0" smtClean="0">
+              <a:rPr lang="en-US" sz="1200" dirty="0">
                 <a:solidFill>
                   <a:schemeClr val="tx1"/>
                 </a:solidFill>
@@ -16734,7 +16018,7 @@
               </a:spcBef>
             </a:pPr>
             <a:r>
-              <a:rPr lang="en-US" sz="1200" dirty="0" smtClean="0">
+              <a:rPr lang="en-US" sz="1200" dirty="0">
                 <a:solidFill>
                   <a:schemeClr val="tx1"/>
                 </a:solidFill>
@@ -16742,7 +16026,7 @@
               <a:t>Each row of the subfields in </a:t>
             </a:r>
             <a:r>
-              <a:rPr lang="en-US" sz="1200" dirty="0" err="1" smtClean="0">
+              <a:rPr lang="en-US" sz="1200" dirty="0" err="1">
                 <a:solidFill>
                   <a:schemeClr val="tx1"/>
                 </a:solidFill>
@@ -16750,7 +16034,7 @@
               <a:t>info.pairs</a:t>
             </a:r>
             <a:r>
-              <a:rPr lang="en-US" sz="1200" dirty="0" smtClean="0">
+              <a:rPr lang="en-US" sz="1200" dirty="0">
                 <a:solidFill>
                   <a:schemeClr val="tx1"/>
                 </a:solidFill>
@@ -16765,20 +16049,12 @@
               </a:spcBef>
             </a:pPr>
             <a:r>
-              <a:rPr lang="en-US" sz="1200" dirty="0" smtClean="0">
+              <a:rPr lang="en-US" sz="1200" dirty="0">
                 <a:solidFill>
                   <a:schemeClr val="tx1"/>
                 </a:solidFill>
               </a:rPr>
-              <a:t>Generally</a:t>
-            </a:r>
-            <a:r>
-              <a:rPr lang="en-US" sz="1200" dirty="0">
-                <a:solidFill>
-                  <a:schemeClr val="tx1"/>
-                </a:solidFill>
-              </a:rPr>
-              <a:t>, full list of sources and detectors is repeated for each wavelength/lambda.</a:t>
+              <a:t>Generally, full list of sources and detectors is repeated for each wavelength/lambda.</a:t>
             </a:r>
           </a:p>
           <a:p>
@@ -16922,7 +16198,7 @@
               <a:t> – actual wavelength of measurement (e.g., </a:t>
             </a:r>
             <a:r>
-              <a:rPr lang="en-US" sz="1200" dirty="0" err="1" smtClean="0">
+              <a:rPr lang="en-US" sz="1200" dirty="0" err="1">
                 <a:solidFill>
                   <a:schemeClr val="tx1"/>
                 </a:solidFill>
@@ -16930,20 +16206,12 @@
               <a:t>info.pairs.lambda</a:t>
             </a:r>
             <a:r>
-              <a:rPr lang="en-US" sz="1200" dirty="0" smtClean="0">
+              <a:rPr lang="en-US" sz="1200" dirty="0">
                 <a:solidFill>
                   <a:schemeClr val="tx1"/>
                 </a:solidFill>
               </a:rPr>
-              <a:t>=750 </a:t>
-            </a:r>
-            <a:r>
-              <a:rPr lang="en-US" sz="1200" dirty="0">
-                <a:solidFill>
-                  <a:schemeClr val="tx1"/>
-                </a:solidFill>
-              </a:rPr>
-              <a:t>is a 750 nm measurement)</a:t>
+              <a:t>=750 is a 750 nm measurement)</a:t>
             </a:r>
           </a:p>
           <a:p>
@@ -17064,7 +16332,7 @@
           <p:cNvPr id="5" name="Slide Number Placeholder 4">
             <a:extLst>
               <a:ext uri="{FF2B5EF4-FFF2-40B4-BE49-F238E27FC236}">
-                <a16:creationId xmlns:a16="http://schemas.microsoft.com/office/drawing/2014/main" xmlns="" id="{D2677399-50BC-B2E4-B396-F2C7A1BC15C0}"/>
+                <a16:creationId xmlns:a16="http://schemas.microsoft.com/office/drawing/2014/main" id="{D2677399-50BC-B2E4-B396-F2C7A1BC15C0}"/>
               </a:ext>
             </a:extLst>
           </p:cNvPr>
@@ -17139,7 +16407,7 @@
           <a:lstStyle/>
           <a:p>
             <a:r>
-              <a:rPr lang="en-US" dirty="0" smtClean="0">
+              <a:rPr lang="en-US" dirty="0">
                 <a:solidFill>
                   <a:srgbClr val="FF0000"/>
                 </a:solidFill>
@@ -17147,7 +16415,7 @@
               <a:t>Load </a:t>
             </a:r>
             <a:r>
-              <a:rPr lang="en-US" dirty="0" err="1" smtClean="0">
+              <a:rPr lang="en-US" dirty="0" err="1">
                 <a:solidFill>
                   <a:srgbClr val="FF0000"/>
                 </a:solidFill>
@@ -17155,18 +16423,13 @@
               <a:t>nirs</a:t>
             </a:r>
             <a:r>
-              <a:rPr lang="en-US" dirty="0" smtClean="0">
+              <a:rPr lang="en-US" dirty="0">
                 <a:solidFill>
                   <a:srgbClr val="FF0000"/>
                 </a:solidFill>
               </a:rPr>
               <a:t> data and create grid</a:t>
             </a:r>
-            <a:endParaRPr lang="en-US" dirty="0">
-              <a:solidFill>
-                <a:srgbClr val="FF0000"/>
-              </a:solidFill>
-            </a:endParaRPr>
           </a:p>
         </p:txBody>
       </p:sp>
@@ -17182,38 +16445,77 @@
         </p:nvSpPr>
         <p:spPr>
           <a:xfrm>
-            <a:off x="126104" y="1210914"/>
-            <a:ext cx="10515600" cy="1410905"/>
+            <a:off x="126104" y="1010888"/>
+            <a:ext cx="10515600" cy="2418111"/>
           </a:xfrm>
         </p:spPr>
         <p:txBody>
-          <a:bodyPr/>
+          <a:bodyPr>
+            <a:normAutofit fontScale="92500" lnSpcReduction="20000"/>
+          </a:bodyPr>
           <a:lstStyle/>
           <a:p>
             <a:r>
-              <a:rPr lang="en-US" sz="1700" dirty="0" smtClean="0"/>
+              <a:rPr lang="en-US" sz="1700" dirty="0"/>
               <a:t>First, we’ll need to populate a grid with 2D and 3D optode locations</a:t>
             </a:r>
           </a:p>
           <a:p>
             <a:pPr lvl="1"/>
             <a:r>
-              <a:rPr lang="en-US" sz="1500" dirty="0" smtClean="0"/>
+              <a:rPr lang="en-US" sz="1500" dirty="0"/>
               <a:t>3D optode locations are mandatory, the pad file cannot be created without these</a:t>
             </a:r>
           </a:p>
           <a:p>
             <a:pPr lvl="1"/>
             <a:r>
-              <a:rPr lang="en-US" sz="1500" dirty="0" smtClean="0"/>
+              <a:rPr lang="en-US" sz="1500" dirty="0"/>
               <a:t>2D optode locations are ideal, but not necessary to generate the pad file</a:t>
             </a:r>
+          </a:p>
+          <a:p>
+            <a:pPr marL="457200" lvl="1" indent="0">
+              <a:buNone/>
+            </a:pPr>
+            <a:endParaRPr lang="en-US" sz="1500" dirty="0"/>
+          </a:p>
+          <a:p>
+            <a:r>
+              <a:rPr lang="en-US" sz="1800" dirty="0"/>
+              <a:t>NeuroDOT is compatible with various raw data file formats including  *.mat (shown in this tutorial), *.snirf, and *.nirs. </a:t>
+            </a:r>
+          </a:p>
+          <a:p>
+            <a:r>
+              <a:rPr lang="en-US" sz="1800" dirty="0"/>
+              <a:t>The PowerPoint “</a:t>
+            </a:r>
+            <a:r>
+              <a:rPr lang="en-US" sz="1800" dirty="0" err="1"/>
+              <a:t>Tutorial_for_Loading_Raw_Data</a:t>
+            </a:r>
+            <a:r>
+              <a:rPr lang="en-US" sz="1800" dirty="0"/>
+              <a:t>” and corresponding script “</a:t>
+            </a:r>
+            <a:r>
+              <a:rPr lang="en-US" sz="1800" dirty="0" err="1"/>
+              <a:t>Script_for_Loading_Raw_Data</a:t>
+            </a:r>
+            <a:r>
+              <a:rPr lang="en-US" sz="1800" dirty="0"/>
+              <a:t>” provide details on how to load raw data in these formats.</a:t>
+            </a:r>
+          </a:p>
+          <a:p>
+            <a:endParaRPr lang="en-US" sz="1700" dirty="0"/>
           </a:p>
           <a:p>
             <a:pPr marL="0" indent="0">
               <a:buNone/>
             </a:pPr>
-            <a:endParaRPr lang="en-US" dirty="0" smtClean="0"/>
+            <a:endParaRPr lang="en-US" dirty="0"/>
           </a:p>
         </p:txBody>
       </p:sp>
@@ -17225,7 +16527,7 @@
         </p:nvSpPr>
         <p:spPr>
           <a:xfrm>
-            <a:off x="270675" y="3110558"/>
+            <a:off x="299250" y="3558233"/>
             <a:ext cx="6599884" cy="3046988"/>
           </a:xfrm>
           <a:prstGeom prst="rect">
@@ -17265,64 +16567,30 @@
                 <a:latin typeface="Courier New" panose="02070309020205020404" pitchFamily="49" charset="0"/>
                 <a:cs typeface="Courier New" panose="02070309020205020404" pitchFamily="49" charset="0"/>
               </a:rPr>
-              <a:t>% </a:t>
-            </a:r>
-            <a:r>
-              <a:rPr lang="en-US" sz="1200" b="1" dirty="0" smtClean="0">
-                <a:solidFill>
-                  <a:srgbClr val="228B22"/>
-                </a:solidFill>
-                <a:latin typeface="Courier New" panose="02070309020205020404" pitchFamily="49" charset="0"/>
-                <a:cs typeface="Courier New" panose="02070309020205020404" pitchFamily="49" charset="0"/>
-              </a:rPr>
-              <a:t>Load </a:t>
-            </a:r>
-            <a:r>
-              <a:rPr lang="en-US" sz="1200" b="1" dirty="0">
-                <a:solidFill>
-                  <a:srgbClr val="228B22"/>
-                </a:solidFill>
-                <a:latin typeface="Courier New" panose="02070309020205020404" pitchFamily="49" charset="0"/>
-                <a:cs typeface="Courier New" panose="02070309020205020404" pitchFamily="49" charset="0"/>
-              </a:rPr>
-              <a:t>data that contains optode locations and wavelengths</a:t>
-            </a:r>
-          </a:p>
-          <a:p>
-            <a:r>
-              <a:rPr lang="en-US" sz="1200" b="1" dirty="0">
-                <a:latin typeface="Courier New" panose="02070309020205020404" pitchFamily="49" charset="0"/>
-                <a:cs typeface="Courier New" panose="02070309020205020404" pitchFamily="49" charset="0"/>
-              </a:rPr>
-              <a:t>Data = load</a:t>
-            </a:r>
-            <a:r>
-              <a:rPr lang="en-US" sz="1200" b="1" dirty="0" smtClean="0">
-                <a:latin typeface="Courier New" panose="02070309020205020404" pitchFamily="49" charset="0"/>
-                <a:cs typeface="Courier New" panose="02070309020205020404" pitchFamily="49" charset="0"/>
-              </a:rPr>
-              <a:t>('</a:t>
-            </a:r>
-            <a:r>
-              <a:rPr lang="en-US" sz="1200" b="1" dirty="0" err="1" smtClean="0">
+              <a:t>% Load data that contains optode locations and wavelengths</a:t>
+            </a:r>
+          </a:p>
+          <a:p>
+            <a:r>
+              <a:rPr lang="en-US" sz="1200" b="1" dirty="0">
+                <a:latin typeface="Courier New" panose="02070309020205020404" pitchFamily="49" charset="0"/>
+                <a:cs typeface="Courier New" panose="02070309020205020404" pitchFamily="49" charset="0"/>
+              </a:rPr>
+              <a:t>Data = load('</a:t>
+            </a:r>
+            <a:r>
+              <a:rPr lang="en-US" sz="1200" b="1" dirty="0" err="1">
                 <a:latin typeface="Courier New" panose="02070309020205020404" pitchFamily="49" charset="0"/>
                 <a:cs typeface="Courier New" panose="02070309020205020404" pitchFamily="49" charset="0"/>
               </a:rPr>
               <a:t>NeuroDOT</a:t>
             </a:r>
             <a:r>
-              <a:rPr lang="en-US" sz="1200" b="1" dirty="0" smtClean="0">
-                <a:latin typeface="Courier New" panose="02070309020205020404" pitchFamily="49" charset="0"/>
-                <a:cs typeface="Courier New" panose="02070309020205020404" pitchFamily="49" charset="0"/>
-              </a:rPr>
-              <a:t>/Data/NeuroDOT_Data_Sample_CCW1</a:t>
-            </a:r>
-            <a:r>
-              <a:rPr lang="en-US" sz="1200" b="1" dirty="0">
-                <a:latin typeface="Courier New" panose="02070309020205020404" pitchFamily="49" charset="0"/>
-                <a:cs typeface="Courier New" panose="02070309020205020404" pitchFamily="49" charset="0"/>
-              </a:rPr>
-              <a:t>');</a:t>
+              <a:rPr lang="en-US" sz="1200" b="1" dirty="0">
+                <a:latin typeface="Courier New" panose="02070309020205020404" pitchFamily="49" charset="0"/>
+                <a:cs typeface="Courier New" panose="02070309020205020404" pitchFamily="49" charset="0"/>
+              </a:rPr>
+              <a:t>/Data/NeuroDOT_Data_Sample_CCW1');</a:t>
             </a:r>
           </a:p>
           <a:p>
@@ -17340,27 +16608,7 @@
                 <a:latin typeface="Courier New" panose="02070309020205020404" pitchFamily="49" charset="0"/>
                 <a:cs typeface="Courier New" panose="02070309020205020404" pitchFamily="49" charset="0"/>
               </a:rPr>
-              <a:t>% </a:t>
-            </a:r>
-            <a:r>
-              <a:rPr lang="en-US" sz="1200" b="1" dirty="0" smtClean="0">
-                <a:solidFill>
-                  <a:srgbClr val="228B22"/>
-                </a:solidFill>
-                <a:latin typeface="Courier New" panose="02070309020205020404" pitchFamily="49" charset="0"/>
-                <a:cs typeface="Courier New" panose="02070309020205020404" pitchFamily="49" charset="0"/>
-              </a:rPr>
-              <a:t>Create </a:t>
-            </a:r>
-            <a:r>
-              <a:rPr lang="en-US" sz="1200" b="1" dirty="0">
-                <a:solidFill>
-                  <a:srgbClr val="228B22"/>
-                </a:solidFill>
-                <a:latin typeface="Courier New" panose="02070309020205020404" pitchFamily="49" charset="0"/>
-                <a:cs typeface="Courier New" panose="02070309020205020404" pitchFamily="49" charset="0"/>
-              </a:rPr>
-              <a:t>grid structure and place optode locations inside</a:t>
+              <a:t>% Create grid structure and place optode locations inside</a:t>
             </a:r>
           </a:p>
           <a:p>
@@ -17552,18 +16800,13 @@
           <a:lstStyle/>
           <a:p>
             <a:r>
-              <a:rPr lang="en-US" dirty="0" smtClean="0">
+              <a:rPr lang="en-US" dirty="0">
                 <a:solidFill>
                   <a:srgbClr val="FF0000"/>
                 </a:solidFill>
               </a:rPr>
               <a:t>Create info structure, visualize layout in 2D</a:t>
             </a:r>
-            <a:endParaRPr lang="en-US" dirty="0">
-              <a:solidFill>
-                <a:srgbClr val="FF0000"/>
-              </a:solidFill>
-            </a:endParaRPr>
           </a:p>
         </p:txBody>
       </p:sp>
@@ -17590,14 +16833,44 @@
           <a:lstStyle/>
           <a:p>
             <a:r>
-              <a:rPr lang="en-US" sz="1200" b="1" dirty="0" smtClean="0">
+              <a:rPr lang="en-US" sz="1200" b="1" dirty="0">
                 <a:solidFill>
                   <a:srgbClr val="228B22"/>
                 </a:solidFill>
                 <a:latin typeface="Courier New" panose="02070309020205020404" pitchFamily="49" charset="0"/>
                 <a:cs typeface="Courier New" panose="02070309020205020404" pitchFamily="49" charset="0"/>
               </a:rPr>
-              <a:t>%% </a:t>
+              <a:t>%% Create info structure (this is the pad file)</a:t>
+            </a:r>
+          </a:p>
+          <a:p>
+            <a:r>
+              <a:rPr lang="en-US" sz="1200" b="1" dirty="0" err="1">
+                <a:latin typeface="Courier New" panose="02070309020205020404" pitchFamily="49" charset="0"/>
+                <a:cs typeface="Courier New" panose="02070309020205020404" pitchFamily="49" charset="0"/>
+              </a:rPr>
+              <a:t>params.lambda</a:t>
+            </a:r>
+            <a:r>
+              <a:rPr lang="en-US" sz="1200" b="1" dirty="0">
+                <a:latin typeface="Courier New" panose="02070309020205020404" pitchFamily="49" charset="0"/>
+                <a:cs typeface="Courier New" panose="02070309020205020404" pitchFamily="49" charset="0"/>
+              </a:rPr>
+              <a:t> = unique(</a:t>
+            </a:r>
+            <a:r>
+              <a:rPr lang="en-US" sz="1200" b="1" dirty="0" err="1">
+                <a:latin typeface="Courier New" panose="02070309020205020404" pitchFamily="49" charset="0"/>
+                <a:cs typeface="Courier New" panose="02070309020205020404" pitchFamily="49" charset="0"/>
+              </a:rPr>
+              <a:t>Data.info.pairs.lambda</a:t>
+            </a:r>
+            <a:r>
+              <a:rPr lang="en-US" sz="1200" b="1" dirty="0">
+                <a:latin typeface="Courier New" panose="02070309020205020404" pitchFamily="49" charset="0"/>
+                <a:cs typeface="Courier New" panose="02070309020205020404" pitchFamily="49" charset="0"/>
+              </a:rPr>
+              <a:t>); </a:t>
             </a:r>
             <a:r>
               <a:rPr lang="en-US" sz="1200" b="1" dirty="0">
@@ -17607,25 +16880,27 @@
                 <a:latin typeface="Courier New" panose="02070309020205020404" pitchFamily="49" charset="0"/>
                 <a:cs typeface="Courier New" panose="02070309020205020404" pitchFamily="49" charset="0"/>
               </a:rPr>
-              <a:t>Create info structure (this is the pad file</a:t>
-            </a:r>
-            <a:r>
-              <a:rPr lang="en-US" sz="1200" b="1" dirty="0" smtClean="0">
+              <a:t>%Ex: [750, 850]</a:t>
+            </a:r>
+          </a:p>
+          <a:p>
+            <a:r>
+              <a:rPr lang="en-US" sz="1200" b="1" dirty="0">
+                <a:latin typeface="Courier New" panose="02070309020205020404" pitchFamily="49" charset="0"/>
+                <a:cs typeface="Courier New" panose="02070309020205020404" pitchFamily="49" charset="0"/>
+              </a:rPr>
+              <a:t>params.mod = 'CW'; </a:t>
+            </a:r>
+            <a:r>
+              <a:rPr lang="en-US" sz="1200" b="1" dirty="0">
                 <a:solidFill>
                   <a:srgbClr val="228B22"/>
                 </a:solidFill>
                 <a:latin typeface="Courier New" panose="02070309020205020404" pitchFamily="49" charset="0"/>
                 <a:cs typeface="Courier New" panose="02070309020205020404" pitchFamily="49" charset="0"/>
               </a:rPr>
-              <a:t>)</a:t>
-            </a:r>
-            <a:endParaRPr lang="en-US" sz="1200" b="1" dirty="0">
-              <a:solidFill>
-                <a:srgbClr val="228B22"/>
-              </a:solidFill>
-              <a:latin typeface="Courier New" panose="02070309020205020404" pitchFamily="49" charset="0"/>
-              <a:cs typeface="Courier New" panose="02070309020205020404" pitchFamily="49" charset="0"/>
-            </a:endParaRPr>
+              <a:t>%Modulation type or frequency</a:t>
+            </a:r>
           </a:p>
           <a:p>
             <a:r>
@@ -17633,160 +16908,71 @@
                 <a:latin typeface="Courier New" panose="02070309020205020404" pitchFamily="49" charset="0"/>
                 <a:cs typeface="Courier New" panose="02070309020205020404" pitchFamily="49" charset="0"/>
               </a:rPr>
-              <a:t>params.lambda</a:t>
-            </a:r>
-            <a:r>
-              <a:rPr lang="en-US" sz="1200" b="1" dirty="0">
-                <a:latin typeface="Courier New" panose="02070309020205020404" pitchFamily="49" charset="0"/>
-                <a:cs typeface="Courier New" panose="02070309020205020404" pitchFamily="49" charset="0"/>
-              </a:rPr>
-              <a:t> = unique(</a:t>
+              <a:t>params.CapName</a:t>
+            </a:r>
+            <a:r>
+              <a:rPr lang="en-US" sz="1200" b="1" dirty="0">
+                <a:latin typeface="Courier New" panose="02070309020205020404" pitchFamily="49" charset="0"/>
+                <a:cs typeface="Courier New" panose="02070309020205020404" pitchFamily="49" charset="0"/>
+              </a:rPr>
+              <a:t> = '</a:t>
             </a:r>
             <a:r>
               <a:rPr lang="en-US" sz="1200" b="1" dirty="0" err="1">
                 <a:latin typeface="Courier New" panose="02070309020205020404" pitchFamily="49" charset="0"/>
                 <a:cs typeface="Courier New" panose="02070309020205020404" pitchFamily="49" charset="0"/>
               </a:rPr>
-              <a:t>Data.info.pairs.lambda</a:t>
-            </a:r>
-            <a:r>
-              <a:rPr lang="en-US" sz="1200" b="1" dirty="0" smtClean="0">
-                <a:latin typeface="Courier New" panose="02070309020205020404" pitchFamily="49" charset="0"/>
-                <a:cs typeface="Courier New" panose="02070309020205020404" pitchFamily="49" charset="0"/>
-              </a:rPr>
-              <a:t>); </a:t>
-            </a:r>
-            <a:r>
-              <a:rPr lang="en-US" sz="1200" b="1" dirty="0" smtClean="0">
+              <a:t>ND_tutorial_pad</a:t>
+            </a:r>
+            <a:r>
+              <a:rPr lang="en-US" sz="1200" b="1" dirty="0">
+                <a:latin typeface="Courier New" panose="02070309020205020404" pitchFamily="49" charset="0"/>
+                <a:cs typeface="Courier New" panose="02070309020205020404" pitchFamily="49" charset="0"/>
+              </a:rPr>
+              <a:t>'; </a:t>
+            </a:r>
+            <a:r>
+              <a:rPr lang="en-US" sz="1200" b="1" dirty="0">
                 <a:solidFill>
                   <a:srgbClr val="228B22"/>
                 </a:solidFill>
                 <a:latin typeface="Courier New" panose="02070309020205020404" pitchFamily="49" charset="0"/>
                 <a:cs typeface="Courier New" panose="02070309020205020404" pitchFamily="49" charset="0"/>
               </a:rPr>
-              <a:t>%Ex</a:t>
-            </a:r>
-            <a:r>
-              <a:rPr lang="en-US" sz="1200" b="1" dirty="0">
-                <a:solidFill>
-                  <a:srgbClr val="228B22"/>
-                </a:solidFill>
-                <a:latin typeface="Courier New" panose="02070309020205020404" pitchFamily="49" charset="0"/>
-                <a:cs typeface="Courier New" panose="02070309020205020404" pitchFamily="49" charset="0"/>
-              </a:rPr>
-              <a:t>: [750, 850]</a:t>
-            </a:r>
-          </a:p>
-          <a:p>
-            <a:r>
-              <a:rPr lang="en-US" sz="1200" b="1" dirty="0">
-                <a:latin typeface="Courier New" panose="02070309020205020404" pitchFamily="49" charset="0"/>
-                <a:cs typeface="Courier New" panose="02070309020205020404" pitchFamily="49" charset="0"/>
-              </a:rPr>
-              <a:t>params.mod = 'CW'; </a:t>
-            </a:r>
-            <a:r>
-              <a:rPr lang="en-US" sz="1200" b="1" dirty="0" smtClean="0">
-                <a:solidFill>
-                  <a:srgbClr val="228B22"/>
-                </a:solidFill>
-                <a:latin typeface="Courier New" panose="02070309020205020404" pitchFamily="49" charset="0"/>
-                <a:cs typeface="Courier New" panose="02070309020205020404" pitchFamily="49" charset="0"/>
-              </a:rPr>
-              <a:t>%Modulation </a:t>
-            </a:r>
-            <a:r>
-              <a:rPr lang="en-US" sz="1200" b="1" dirty="0">
-                <a:solidFill>
-                  <a:srgbClr val="228B22"/>
-                </a:solidFill>
-                <a:latin typeface="Courier New" panose="02070309020205020404" pitchFamily="49" charset="0"/>
-                <a:cs typeface="Courier New" panose="02070309020205020404" pitchFamily="49" charset="0"/>
-              </a:rPr>
-              <a:t>type or frequency</a:t>
-            </a:r>
-          </a:p>
-          <a:p>
+              <a:t>%Create this yourself</a:t>
+            </a:r>
+          </a:p>
+          <a:p>
+            <a:r>
+              <a:rPr lang="en-US" sz="1200" b="1" dirty="0">
+                <a:latin typeface="Courier New" panose="02070309020205020404" pitchFamily="49" charset="0"/>
+                <a:cs typeface="Courier New" panose="02070309020205020404" pitchFamily="49" charset="0"/>
+              </a:rPr>
+              <a:t>info = </a:t>
+            </a:r>
             <a:r>
               <a:rPr lang="en-US" sz="1200" b="1" dirty="0" err="1">
                 <a:latin typeface="Courier New" panose="02070309020205020404" pitchFamily="49" charset="0"/>
                 <a:cs typeface="Courier New" panose="02070309020205020404" pitchFamily="49" charset="0"/>
               </a:rPr>
-              <a:t>params.CapName</a:t>
-            </a:r>
-            <a:r>
-              <a:rPr lang="en-US" sz="1200" b="1" dirty="0">
-                <a:latin typeface="Courier New" panose="02070309020205020404" pitchFamily="49" charset="0"/>
-                <a:cs typeface="Courier New" panose="02070309020205020404" pitchFamily="49" charset="0"/>
-              </a:rPr>
-              <a:t> = '</a:t>
+              <a:t>Generate_pad_from_grid</a:t>
+            </a:r>
+            <a:r>
+              <a:rPr lang="en-US" sz="1200" b="1" dirty="0">
+                <a:latin typeface="Courier New" panose="02070309020205020404" pitchFamily="49" charset="0"/>
+                <a:cs typeface="Courier New" panose="02070309020205020404" pitchFamily="49" charset="0"/>
+              </a:rPr>
+              <a:t> (</a:t>
             </a:r>
             <a:r>
               <a:rPr lang="en-US" sz="1200" b="1" dirty="0" err="1">
                 <a:latin typeface="Courier New" panose="02070309020205020404" pitchFamily="49" charset="0"/>
                 <a:cs typeface="Courier New" panose="02070309020205020404" pitchFamily="49" charset="0"/>
               </a:rPr>
-              <a:t>ND_tutorial_pad</a:t>
-            </a:r>
-            <a:r>
-              <a:rPr lang="en-US" sz="1200" b="1" dirty="0">
-                <a:latin typeface="Courier New" panose="02070309020205020404" pitchFamily="49" charset="0"/>
-                <a:cs typeface="Courier New" panose="02070309020205020404" pitchFamily="49" charset="0"/>
-              </a:rPr>
-              <a:t>'; </a:t>
-            </a:r>
-            <a:r>
-              <a:rPr lang="en-US" sz="1200" b="1" dirty="0" smtClean="0">
-                <a:solidFill>
-                  <a:srgbClr val="228B22"/>
-                </a:solidFill>
-                <a:latin typeface="Courier New" panose="02070309020205020404" pitchFamily="49" charset="0"/>
-                <a:cs typeface="Courier New" panose="02070309020205020404" pitchFamily="49" charset="0"/>
-              </a:rPr>
-              <a:t>%Create </a:t>
-            </a:r>
-            <a:r>
-              <a:rPr lang="en-US" sz="1200" b="1" dirty="0">
-                <a:solidFill>
-                  <a:srgbClr val="228B22"/>
-                </a:solidFill>
-                <a:latin typeface="Courier New" panose="02070309020205020404" pitchFamily="49" charset="0"/>
-                <a:cs typeface="Courier New" panose="02070309020205020404" pitchFamily="49" charset="0"/>
-              </a:rPr>
-              <a:t>this yourself</a:t>
-            </a:r>
-          </a:p>
-          <a:p>
-            <a:r>
-              <a:rPr lang="en-US" sz="1200" b="1" dirty="0">
-                <a:latin typeface="Courier New" panose="02070309020205020404" pitchFamily="49" charset="0"/>
-                <a:cs typeface="Courier New" panose="02070309020205020404" pitchFamily="49" charset="0"/>
-              </a:rPr>
-              <a:t>info = </a:t>
-            </a:r>
-            <a:r>
-              <a:rPr lang="en-US" sz="1200" b="1" dirty="0" err="1" smtClean="0">
-                <a:latin typeface="Courier New" panose="02070309020205020404" pitchFamily="49" charset="0"/>
-                <a:cs typeface="Courier New" panose="02070309020205020404" pitchFamily="49" charset="0"/>
-              </a:rPr>
-              <a:t>Generate_pad_from_grid</a:t>
-            </a:r>
-            <a:r>
-              <a:rPr lang="en-US" sz="1200" b="1" dirty="0" smtClean="0">
-                <a:latin typeface="Courier New" panose="02070309020205020404" pitchFamily="49" charset="0"/>
-                <a:cs typeface="Courier New" panose="02070309020205020404" pitchFamily="49" charset="0"/>
-              </a:rPr>
-              <a:t> (</a:t>
-            </a:r>
-            <a:r>
-              <a:rPr lang="en-US" sz="1200" b="1" dirty="0" err="1">
-                <a:latin typeface="Courier New" panose="02070309020205020404" pitchFamily="49" charset="0"/>
-                <a:cs typeface="Courier New" panose="02070309020205020404" pitchFamily="49" charset="0"/>
-              </a:rPr>
               <a:t>grid,params</a:t>
             </a:r>
             <a:r>
-              <a:rPr lang="en-US" sz="1200" b="1" dirty="0" smtClean="0">
+              <a:rPr lang="en-US" sz="1200" b="1" dirty="0">
                 <a:latin typeface="Courier New" panose="02070309020205020404" pitchFamily="49" charset="0"/>
                 <a:cs typeface="Courier New" panose="02070309020205020404" pitchFamily="49" charset="0"/>
               </a:rPr>
@@ -17800,7 +16986,7 @@
             </a:endParaRPr>
           </a:p>
           <a:p>
-            <a:endParaRPr lang="en-US" sz="1200" b="1" dirty="0" smtClean="0">
+            <a:endParaRPr lang="en-US" sz="1200" b="1" dirty="0">
               <a:latin typeface="Courier New" panose="02070309020205020404" pitchFamily="49" charset="0"/>
               <a:cs typeface="Courier New" panose="02070309020205020404" pitchFamily="49" charset="0"/>
             </a:endParaRPr>
@@ -17814,105 +17000,51 @@
                 <a:latin typeface="Courier New" panose="02070309020205020404" pitchFamily="49" charset="0"/>
                 <a:cs typeface="Courier New" panose="02070309020205020404" pitchFamily="49" charset="0"/>
               </a:rPr>
-              <a:t>%% Visualize pad </a:t>
-            </a:r>
-            <a:r>
-              <a:rPr lang="en-US" sz="1200" b="1" dirty="0" smtClean="0">
+              <a:t>%% Visualize pad file</a:t>
+            </a:r>
+          </a:p>
+          <a:p>
+            <a:r>
+              <a:rPr lang="en-US" sz="1200" b="1" dirty="0">
                 <a:solidFill>
                   <a:srgbClr val="228B22"/>
                 </a:solidFill>
                 <a:latin typeface="Courier New" panose="02070309020205020404" pitchFamily="49" charset="0"/>
                 <a:cs typeface="Courier New" panose="02070309020205020404" pitchFamily="49" charset="0"/>
               </a:rPr>
-              <a:t>file</a:t>
-            </a:r>
-            <a:endParaRPr lang="en-US" sz="1200" b="1" dirty="0">
-              <a:solidFill>
-                <a:srgbClr val="228B22"/>
-              </a:solidFill>
-              <a:latin typeface="Courier New" panose="02070309020205020404" pitchFamily="49" charset="0"/>
-              <a:cs typeface="Courier New" panose="02070309020205020404" pitchFamily="49" charset="0"/>
-            </a:endParaRPr>
-          </a:p>
-          <a:p>
-            <a:r>
-              <a:rPr lang="en-US" sz="1200" b="1" dirty="0">
+              <a:t>% 2D layout - </a:t>
+            </a:r>
+            <a:r>
+              <a:rPr lang="en-US" sz="1200" b="1" dirty="0" err="1">
                 <a:solidFill>
                   <a:srgbClr val="228B22"/>
                 </a:solidFill>
                 <a:latin typeface="Courier New" panose="02070309020205020404" pitchFamily="49" charset="0"/>
                 <a:cs typeface="Courier New" panose="02070309020205020404" pitchFamily="49" charset="0"/>
               </a:rPr>
-              <a:t>% 2D </a:t>
-            </a:r>
-            <a:r>
-              <a:rPr lang="en-US" sz="1200" b="1" dirty="0" smtClean="0">
+              <a:t>PlotCap</a:t>
+            </a:r>
+            <a:r>
+              <a:rPr lang="en-US" sz="1200" b="1" dirty="0">
                 <a:solidFill>
                   <a:srgbClr val="228B22"/>
                 </a:solidFill>
                 <a:latin typeface="Courier New" panose="02070309020205020404" pitchFamily="49" charset="0"/>
                 <a:cs typeface="Courier New" panose="02070309020205020404" pitchFamily="49" charset="0"/>
               </a:rPr>
-              <a:t>layout - </a:t>
-            </a:r>
-            <a:r>
-              <a:rPr lang="en-US" sz="1200" b="1" dirty="0" err="1" smtClean="0">
-                <a:solidFill>
-                  <a:srgbClr val="228B22"/>
-                </a:solidFill>
+              <a:t> (sources in red, detectors in blue)</a:t>
+            </a:r>
+          </a:p>
+          <a:p>
+            <a:r>
+              <a:rPr lang="en-US" sz="1200" b="1" dirty="0" err="1">
                 <a:latin typeface="Courier New" panose="02070309020205020404" pitchFamily="49" charset="0"/>
                 <a:cs typeface="Courier New" panose="02070309020205020404" pitchFamily="49" charset="0"/>
               </a:rPr>
               <a:t>PlotCap</a:t>
             </a:r>
             <a:r>
-              <a:rPr lang="en-US" sz="1200" b="1" dirty="0" smtClean="0">
-                <a:solidFill>
-                  <a:srgbClr val="228B22"/>
-                </a:solidFill>
-                <a:latin typeface="Courier New" panose="02070309020205020404" pitchFamily="49" charset="0"/>
-                <a:cs typeface="Courier New" panose="02070309020205020404" pitchFamily="49" charset="0"/>
-              </a:rPr>
-              <a:t> </a:t>
-            </a:r>
-            <a:r>
-              <a:rPr lang="en-US" sz="1200" b="1" dirty="0">
-                <a:solidFill>
-                  <a:srgbClr val="228B22"/>
-                </a:solidFill>
-                <a:latin typeface="Courier New" panose="02070309020205020404" pitchFamily="49" charset="0"/>
-                <a:cs typeface="Courier New" panose="02070309020205020404" pitchFamily="49" charset="0"/>
-              </a:rPr>
-              <a:t>(sources in red, detectors in blue</a:t>
-            </a:r>
-            <a:r>
-              <a:rPr lang="en-US" sz="1200" b="1" dirty="0" smtClean="0">
-                <a:solidFill>
-                  <a:srgbClr val="228B22"/>
-                </a:solidFill>
-                <a:latin typeface="Courier New" panose="02070309020205020404" pitchFamily="49" charset="0"/>
-                <a:cs typeface="Courier New" panose="02070309020205020404" pitchFamily="49" charset="0"/>
-              </a:rPr>
-              <a:t>)</a:t>
-            </a:r>
-            <a:endParaRPr lang="en-US" sz="1200" b="1" dirty="0">
-              <a:solidFill>
-                <a:srgbClr val="228B22"/>
-              </a:solidFill>
-              <a:latin typeface="Courier New" panose="02070309020205020404" pitchFamily="49" charset="0"/>
-              <a:cs typeface="Courier New" panose="02070309020205020404" pitchFamily="49" charset="0"/>
-            </a:endParaRPr>
-          </a:p>
-          <a:p>
-            <a:r>
-              <a:rPr lang="en-US" sz="1200" b="1" dirty="0" err="1" smtClean="0">
-                <a:latin typeface="Courier New" panose="02070309020205020404" pitchFamily="49" charset="0"/>
-                <a:cs typeface="Courier New" panose="02070309020205020404" pitchFamily="49" charset="0"/>
-              </a:rPr>
-              <a:t>PlotCap</a:t>
-            </a:r>
-            <a:r>
-              <a:rPr lang="en-US" sz="1200" b="1" dirty="0" smtClean="0">
+              <a:rPr lang="en-US" sz="1200" b="1" dirty="0">
                 <a:latin typeface="Courier New" panose="02070309020205020404" pitchFamily="49" charset="0"/>
                 <a:cs typeface="Courier New" panose="02070309020205020404" pitchFamily="49" charset="0"/>
               </a:rPr>
@@ -17974,57 +17106,57 @@
           <a:lstStyle/>
           <a:p>
             <a:r>
-              <a:rPr lang="en-US" dirty="0" smtClean="0"/>
+              <a:rPr lang="en-US" dirty="0"/>
               <a:t>First, set parameters for pad file generation</a:t>
             </a:r>
           </a:p>
           <a:p>
             <a:pPr lvl="1"/>
             <a:r>
-              <a:rPr lang="en-US" dirty="0" smtClean="0"/>
+              <a:rPr lang="en-US" dirty="0"/>
               <a:t>Lambda: wavelengths used by the </a:t>
             </a:r>
             <a:r>
-              <a:rPr lang="en-US" dirty="0" err="1" smtClean="0"/>
+              <a:rPr lang="en-US" dirty="0" err="1"/>
               <a:t>nirs</a:t>
             </a:r>
             <a:r>
-              <a:rPr lang="en-US" dirty="0" smtClean="0"/>
+              <a:rPr lang="en-US" dirty="0"/>
               <a:t>/DOT system</a:t>
             </a:r>
           </a:p>
           <a:p>
             <a:pPr lvl="1"/>
             <a:r>
-              <a:rPr lang="en-US" dirty="0" smtClean="0"/>
+              <a:rPr lang="en-US" dirty="0"/>
               <a:t>Mod: modulation type or frequency</a:t>
             </a:r>
           </a:p>
           <a:p>
             <a:pPr lvl="2"/>
             <a:r>
-              <a:rPr lang="en-US" dirty="0" smtClean="0"/>
+              <a:rPr lang="en-US" dirty="0"/>
               <a:t>Can be a string or frequency in Hz</a:t>
             </a:r>
           </a:p>
           <a:p>
             <a:pPr lvl="1"/>
             <a:r>
-              <a:rPr lang="en-US" dirty="0" smtClean="0"/>
+              <a:rPr lang="en-US" dirty="0"/>
               <a:t>Cap name: name for the </a:t>
             </a:r>
             <a:r>
-              <a:rPr lang="en-US" dirty="0" err="1" smtClean="0"/>
+              <a:rPr lang="en-US" dirty="0" err="1"/>
               <a:t>nirs</a:t>
             </a:r>
             <a:r>
-              <a:rPr lang="en-US" dirty="0" smtClean="0"/>
+              <a:rPr lang="en-US" dirty="0"/>
               <a:t>/DOT system used in data collection</a:t>
             </a:r>
           </a:p>
           <a:p>
             <a:r>
-              <a:rPr lang="en-US" dirty="0" smtClean="0"/>
+              <a:rPr lang="en-US" dirty="0"/>
               <a:t>After that, visualize the pad in 2D and 3D</a:t>
             </a:r>
           </a:p>
@@ -18032,7 +17164,7 @@
             <a:pPr marL="0" indent="0">
               <a:buNone/>
             </a:pPr>
-            <a:endParaRPr lang="en-US" dirty="0" smtClean="0"/>
+            <a:endParaRPr lang="en-US" dirty="0"/>
           </a:p>
         </p:txBody>
       </p:sp>

--- a/Documentation/Tutorials/NeuroDOT_Tutorial_PadFile_Generation.pptx
+++ b/Documentation/Tutorials/NeuroDOT_Tutorial_PadFile_Generation.pptx
@@ -226,7 +226,7 @@
           <a:p>
             <a:fld id="{59435505-D4AB-4F36-857A-9B945E75E4E8}" type="datetimeFigureOut">
               <a:rPr lang="en-US" smtClean="0"/>
-              <a:t>7/20/2023</a:t>
+              <a:t>2/19/2024</a:t>
             </a:fld>
             <a:endParaRPr lang="en-US"/>
           </a:p>
@@ -1805,7 +1805,7 @@
           <a:p>
             <a:fld id="{B24EC942-9D3D-4E3D-AFA6-C12922E7F676}" type="datetime1">
               <a:rPr lang="en-US" smtClean="0"/>
-              <a:t>7/20/2023</a:t>
+              <a:t>2/19/2024</a:t>
             </a:fld>
             <a:endParaRPr lang="en-US"/>
           </a:p>
@@ -2061,7 +2061,7 @@
           <a:p>
             <a:fld id="{D3AD315F-DC33-43E4-9956-9EC48EDF351E}" type="datetime1">
               <a:rPr lang="en-US" smtClean="0"/>
-              <a:t>7/20/2023</a:t>
+              <a:t>2/19/2024</a:t>
             </a:fld>
             <a:endParaRPr lang="en-US"/>
           </a:p>
@@ -2380,7 +2380,7 @@
           <a:p>
             <a:fld id="{67A3C724-2918-41FD-9066-7E8405064EF2}" type="datetime1">
               <a:rPr lang="en-US" smtClean="0"/>
-              <a:t>7/20/2023</a:t>
+              <a:t>2/19/2024</a:t>
             </a:fld>
             <a:endParaRPr lang="en-US"/>
           </a:p>
@@ -2707,7 +2707,7 @@
           <a:p>
             <a:fld id="{C195695A-308E-405A-AB98-D0C60FA1CB15}" type="datetime1">
               <a:rPr lang="en-US" smtClean="0"/>
-              <a:t>7/20/2023</a:t>
+              <a:t>2/19/2024</a:t>
             </a:fld>
             <a:endParaRPr lang="en-US"/>
           </a:p>
@@ -3026,7 +3026,7 @@
           <a:p>
             <a:fld id="{3CE41F68-8135-4BDE-B08E-3BFD855E251C}" type="datetime1">
               <a:rPr lang="en-US" smtClean="0"/>
-              <a:t>7/20/2023</a:t>
+              <a:t>2/19/2024</a:t>
             </a:fld>
             <a:endParaRPr lang="en-US"/>
           </a:p>
@@ -3418,7 +3418,7 @@
           <a:p>
             <a:fld id="{FFE19BF7-4907-4DF4-AF52-56236340CD7A}" type="datetime1">
               <a:rPr lang="en-US" smtClean="0"/>
-              <a:t>7/20/2023</a:t>
+              <a:t>2/19/2024</a:t>
             </a:fld>
             <a:endParaRPr lang="en-US"/>
           </a:p>
@@ -3593,7 +3593,7 @@
           <a:p>
             <a:fld id="{D8D1AB6F-19BA-4E97-A0DC-F421C2C8646F}" type="datetime1">
               <a:rPr lang="en-US" smtClean="0"/>
-              <a:t>7/20/2023</a:t>
+              <a:t>2/19/2024</a:t>
             </a:fld>
             <a:endParaRPr lang="en-US"/>
           </a:p>
@@ -3778,7 +3778,7 @@
           <a:p>
             <a:fld id="{7A4DA2C9-5F26-43AD-B29B-8405DC66E004}" type="datetime1">
               <a:rPr lang="en-US" smtClean="0"/>
-              <a:t>7/20/2023</a:t>
+              <a:t>2/19/2024</a:t>
             </a:fld>
             <a:endParaRPr lang="en-US"/>
           </a:p>
@@ -3959,7 +3959,7 @@
           <a:p>
             <a:fld id="{CF533A0A-37D0-4E2F-AA2C-F4961D5A6999}" type="datetime1">
               <a:rPr lang="en-US" smtClean="0"/>
-              <a:t>7/20/2023</a:t>
+              <a:t>2/19/2024</a:t>
             </a:fld>
             <a:endParaRPr lang="en-US"/>
           </a:p>
@@ -4211,7 +4211,7 @@
           <a:p>
             <a:fld id="{9B413CA8-A179-49E3-BF20-879547C583C0}" type="datetime1">
               <a:rPr lang="en-US" smtClean="0"/>
-              <a:t>7/20/2023</a:t>
+              <a:t>2/19/2024</a:t>
             </a:fld>
             <a:endParaRPr lang="en-US"/>
           </a:p>
@@ -4448,7 +4448,7 @@
           <a:p>
             <a:fld id="{EA66A245-AFAB-446C-AC81-545BACE2A8BC}" type="datetime1">
               <a:rPr lang="en-US" smtClean="0"/>
-              <a:t>7/20/2023</a:t>
+              <a:t>2/19/2024</a:t>
             </a:fld>
             <a:endParaRPr lang="en-US"/>
           </a:p>
@@ -4827,7 +4827,7 @@
           <a:p>
             <a:fld id="{E637ECFF-A7AE-4A88-B9D3-EF0D1BC013AB}" type="datetime1">
               <a:rPr lang="en-US" smtClean="0"/>
-              <a:t>7/20/2023</a:t>
+              <a:t>2/19/2024</a:t>
             </a:fld>
             <a:endParaRPr lang="en-US"/>
           </a:p>
@@ -4955,7 +4955,7 @@
           <a:p>
             <a:fld id="{342BFEBD-C17A-4F13-9076-D856ECCD5175}" type="datetime1">
               <a:rPr lang="en-US" smtClean="0"/>
-              <a:t>7/20/2023</a:t>
+              <a:t>2/19/2024</a:t>
             </a:fld>
             <a:endParaRPr lang="en-US"/>
           </a:p>
@@ -5055,7 +5055,7 @@
           <a:p>
             <a:fld id="{13571E8D-8673-4B38-8496-42BF67588D42}" type="datetime1">
               <a:rPr lang="en-US" smtClean="0"/>
-              <a:t>7/20/2023</a:t>
+              <a:t>2/19/2024</a:t>
             </a:fld>
             <a:endParaRPr lang="en-US"/>
           </a:p>
@@ -5315,7 +5315,7 @@
           <a:p>
             <a:fld id="{E4511E22-127C-4757-AF70-45A01185A661}" type="datetime1">
               <a:rPr lang="en-US" smtClean="0"/>
-              <a:t>7/20/2023</a:t>
+              <a:t>2/19/2024</a:t>
             </a:fld>
             <a:endParaRPr lang="en-US"/>
           </a:p>
@@ -5583,7 +5583,7 @@
           <a:p>
             <a:fld id="{30899290-1EF5-4360-AE93-39E54CE1B864}" type="datetime1">
               <a:rPr lang="en-US" smtClean="0"/>
-              <a:t>7/20/2023</a:t>
+              <a:t>2/19/2024</a:t>
             </a:fld>
             <a:endParaRPr lang="en-US"/>
           </a:p>
@@ -6336,7 +6336,7 @@
           <a:p>
             <a:fld id="{22E4C9AF-211C-4F78-90DB-166FB2A2B067}" type="datetime1">
               <a:rPr lang="en-US" smtClean="0"/>
-              <a:t>7/20/2023</a:t>
+              <a:t>2/19/2024</a:t>
             </a:fld>
             <a:endParaRPr lang="en-US"/>
           </a:p>
@@ -11543,7 +11543,7 @@
         </p:spPr>
         <p:txBody>
           <a:bodyPr>
-            <a:normAutofit fontScale="77500" lnSpcReduction="20000"/>
+            <a:normAutofit fontScale="92500" lnSpcReduction="20000"/>
           </a:bodyPr>
           <a:lstStyle/>
           <a:p>
@@ -11587,23 +11587,9 @@
             </a:r>
           </a:p>
           <a:p>
-            <a:endParaRPr lang="en-US" sz="2000" dirty="0"/>
-          </a:p>
-          <a:p>
-            <a:r>
-              <a:rPr lang="en-US" sz="2000" dirty="0"/>
-              <a:t>For further questions or more information, please consult the </a:t>
-            </a:r>
-            <a:r>
-              <a:rPr lang="en-US" sz="2000" dirty="0" err="1"/>
-              <a:t>NeuroDOT</a:t>
-            </a:r>
-            <a:r>
-              <a:rPr lang="en-US" sz="2000" dirty="0"/>
-              <a:t> User Manual and the various Appendices.</a:t>
-            </a:r>
-          </a:p>
-          <a:p>
+            <a:pPr marL="0" indent="0">
+              <a:buNone/>
+            </a:pPr>
             <a:endParaRPr lang="en-US" sz="2000" dirty="0"/>
           </a:p>
           <a:p>

--- a/Documentation/Tutorials/NeuroDOT_Tutorial_PadFile_Generation.pptx
+++ b/Documentation/Tutorials/NeuroDOT_Tutorial_PadFile_Generation.pptx
@@ -226,7 +226,7 @@
           <a:p>
             <a:fld id="{59435505-D4AB-4F36-857A-9B945E75E4E8}" type="datetimeFigureOut">
               <a:rPr lang="en-US" smtClean="0"/>
-              <a:t>2/19/2024</a:t>
+              <a:t>3/6/2024</a:t>
             </a:fld>
             <a:endParaRPr lang="en-US"/>
           </a:p>
@@ -1805,7 +1805,7 @@
           <a:p>
             <a:fld id="{B24EC942-9D3D-4E3D-AFA6-C12922E7F676}" type="datetime1">
               <a:rPr lang="en-US" smtClean="0"/>
-              <a:t>2/19/2024</a:t>
+              <a:t>3/6/2024</a:t>
             </a:fld>
             <a:endParaRPr lang="en-US"/>
           </a:p>
@@ -2061,7 +2061,7 @@
           <a:p>
             <a:fld id="{D3AD315F-DC33-43E4-9956-9EC48EDF351E}" type="datetime1">
               <a:rPr lang="en-US" smtClean="0"/>
-              <a:t>2/19/2024</a:t>
+              <a:t>3/6/2024</a:t>
             </a:fld>
             <a:endParaRPr lang="en-US"/>
           </a:p>
@@ -2380,7 +2380,7 @@
           <a:p>
             <a:fld id="{67A3C724-2918-41FD-9066-7E8405064EF2}" type="datetime1">
               <a:rPr lang="en-US" smtClean="0"/>
-              <a:t>2/19/2024</a:t>
+              <a:t>3/6/2024</a:t>
             </a:fld>
             <a:endParaRPr lang="en-US"/>
           </a:p>
@@ -2707,7 +2707,7 @@
           <a:p>
             <a:fld id="{C195695A-308E-405A-AB98-D0C60FA1CB15}" type="datetime1">
               <a:rPr lang="en-US" smtClean="0"/>
-              <a:t>2/19/2024</a:t>
+              <a:t>3/6/2024</a:t>
             </a:fld>
             <a:endParaRPr lang="en-US"/>
           </a:p>
@@ -3026,7 +3026,7 @@
           <a:p>
             <a:fld id="{3CE41F68-8135-4BDE-B08E-3BFD855E251C}" type="datetime1">
               <a:rPr lang="en-US" smtClean="0"/>
-              <a:t>2/19/2024</a:t>
+              <a:t>3/6/2024</a:t>
             </a:fld>
             <a:endParaRPr lang="en-US"/>
           </a:p>
@@ -3418,7 +3418,7 @@
           <a:p>
             <a:fld id="{FFE19BF7-4907-4DF4-AF52-56236340CD7A}" type="datetime1">
               <a:rPr lang="en-US" smtClean="0"/>
-              <a:t>2/19/2024</a:t>
+              <a:t>3/6/2024</a:t>
             </a:fld>
             <a:endParaRPr lang="en-US"/>
           </a:p>
@@ -3593,7 +3593,7 @@
           <a:p>
             <a:fld id="{D8D1AB6F-19BA-4E97-A0DC-F421C2C8646F}" type="datetime1">
               <a:rPr lang="en-US" smtClean="0"/>
-              <a:t>2/19/2024</a:t>
+              <a:t>3/6/2024</a:t>
             </a:fld>
             <a:endParaRPr lang="en-US"/>
           </a:p>
@@ -3778,7 +3778,7 @@
           <a:p>
             <a:fld id="{7A4DA2C9-5F26-43AD-B29B-8405DC66E004}" type="datetime1">
               <a:rPr lang="en-US" smtClean="0"/>
-              <a:t>2/19/2024</a:t>
+              <a:t>3/6/2024</a:t>
             </a:fld>
             <a:endParaRPr lang="en-US"/>
           </a:p>
@@ -3959,7 +3959,7 @@
           <a:p>
             <a:fld id="{CF533A0A-37D0-4E2F-AA2C-F4961D5A6999}" type="datetime1">
               <a:rPr lang="en-US" smtClean="0"/>
-              <a:t>2/19/2024</a:t>
+              <a:t>3/6/2024</a:t>
             </a:fld>
             <a:endParaRPr lang="en-US"/>
           </a:p>
@@ -4211,7 +4211,7 @@
           <a:p>
             <a:fld id="{9B413CA8-A179-49E3-BF20-879547C583C0}" type="datetime1">
               <a:rPr lang="en-US" smtClean="0"/>
-              <a:t>2/19/2024</a:t>
+              <a:t>3/6/2024</a:t>
             </a:fld>
             <a:endParaRPr lang="en-US"/>
           </a:p>
@@ -4448,7 +4448,7 @@
           <a:p>
             <a:fld id="{EA66A245-AFAB-446C-AC81-545BACE2A8BC}" type="datetime1">
               <a:rPr lang="en-US" smtClean="0"/>
-              <a:t>2/19/2024</a:t>
+              <a:t>3/6/2024</a:t>
             </a:fld>
             <a:endParaRPr lang="en-US"/>
           </a:p>
@@ -4827,7 +4827,7 @@
           <a:p>
             <a:fld id="{E637ECFF-A7AE-4A88-B9D3-EF0D1BC013AB}" type="datetime1">
               <a:rPr lang="en-US" smtClean="0"/>
-              <a:t>2/19/2024</a:t>
+              <a:t>3/6/2024</a:t>
             </a:fld>
             <a:endParaRPr lang="en-US"/>
           </a:p>
@@ -4955,7 +4955,7 @@
           <a:p>
             <a:fld id="{342BFEBD-C17A-4F13-9076-D856ECCD5175}" type="datetime1">
               <a:rPr lang="en-US" smtClean="0"/>
-              <a:t>2/19/2024</a:t>
+              <a:t>3/6/2024</a:t>
             </a:fld>
             <a:endParaRPr lang="en-US"/>
           </a:p>
@@ -5055,7 +5055,7 @@
           <a:p>
             <a:fld id="{13571E8D-8673-4B38-8496-42BF67588D42}" type="datetime1">
               <a:rPr lang="en-US" smtClean="0"/>
-              <a:t>2/19/2024</a:t>
+              <a:t>3/6/2024</a:t>
             </a:fld>
             <a:endParaRPr lang="en-US"/>
           </a:p>
@@ -5315,7 +5315,7 @@
           <a:p>
             <a:fld id="{E4511E22-127C-4757-AF70-45A01185A661}" type="datetime1">
               <a:rPr lang="en-US" smtClean="0"/>
-              <a:t>2/19/2024</a:t>
+              <a:t>3/6/2024</a:t>
             </a:fld>
             <a:endParaRPr lang="en-US"/>
           </a:p>
@@ -5583,7 +5583,7 @@
           <a:p>
             <a:fld id="{30899290-1EF5-4360-AE93-39E54CE1B864}" type="datetime1">
               <a:rPr lang="en-US" smtClean="0"/>
-              <a:t>2/19/2024</a:t>
+              <a:t>3/6/2024</a:t>
             </a:fld>
             <a:endParaRPr lang="en-US"/>
           </a:p>
@@ -6336,7 +6336,7 @@
           <a:p>
             <a:fld id="{22E4C9AF-211C-4F78-90DB-166FB2A2B067}" type="datetime1">
               <a:rPr lang="en-US" smtClean="0"/>
-              <a:t>2/19/2024</a:t>
+              <a:t>3/6/2024</a:t>
             </a:fld>
             <a:endParaRPr lang="en-US"/>
           </a:p>
@@ -11543,7 +11543,7 @@
         </p:spPr>
         <p:txBody>
           <a:bodyPr>
-            <a:normAutofit fontScale="92500" lnSpcReduction="20000"/>
+            <a:normAutofit/>
           </a:bodyPr>
           <a:lstStyle/>
           <a:p>
@@ -11594,115 +11594,16 @@
           </a:p>
           <a:p>
             <a:r>
-              <a:rPr lang="en-US" sz="2000" dirty="0" err="1"/>
-              <a:t>NeuroDOT</a:t>
-            </a:r>
-            <a:r>
-              <a:rPr lang="en-US" sz="2000" dirty="0"/>
-              <a:t> Team:</a:t>
-            </a:r>
-          </a:p>
-          <a:p>
-            <a:pPr lvl="1"/>
-            <a:r>
-              <a:rPr lang="en-US" sz="1600" b="1" dirty="0"/>
-              <a:t>Adam Eggebrecht (</a:t>
-            </a:r>
-            <a:r>
-              <a:rPr lang="en-US" sz="1600" b="1" dirty="0">
-                <a:solidFill>
-                  <a:srgbClr val="00B0F0"/>
-                </a:solidFill>
+              <a:rPr lang="en-US" sz="2000"/>
+              <a:t>NeuroDOT Support: </a:t>
+            </a:r>
+            <a:r>
+              <a:rPr lang="en-US" sz="2000">
                 <a:hlinkClick r:id="rId2"/>
               </a:rPr>
-              <a:t>aeggebre@wustl.edu</a:t>
-            </a:r>
-            <a:r>
-              <a:rPr lang="en-US" sz="1600" b="1" dirty="0"/>
-              <a:t>) </a:t>
-            </a:r>
-          </a:p>
-          <a:p>
-            <a:pPr lvl="1"/>
-            <a:r>
-              <a:rPr lang="en-US" b="1" dirty="0"/>
-              <a:t>Emma Speh (</a:t>
-            </a:r>
-            <a:r>
-              <a:rPr lang="en-US" b="1" dirty="0">
-                <a:solidFill>
-                  <a:srgbClr val="00B0F0"/>
-                </a:solidFill>
-                <a:hlinkClick r:id="rId3"/>
-              </a:rPr>
-              <a:t>espeh@wustl.edu</a:t>
-            </a:r>
-            <a:r>
-              <a:rPr lang="en-US" b="1" dirty="0"/>
-              <a:t>) </a:t>
-            </a:r>
-          </a:p>
-          <a:p>
-            <a:pPr lvl="1"/>
-            <a:r>
-              <a:rPr lang="en-US" b="1" dirty="0">
-                <a:solidFill>
-                  <a:schemeClr val="tx1"/>
-                </a:solidFill>
-              </a:rPr>
-              <a:t>Ari Segel (</a:t>
-            </a:r>
-            <a:r>
-              <a:rPr lang="en-US" b="1" dirty="0">
-                <a:solidFill>
-                  <a:srgbClr val="00B0F0"/>
-                </a:solidFill>
-                <a:hlinkClick r:id="rId4"/>
-              </a:rPr>
-              <a:t>ari@wustl.edu</a:t>
-            </a:r>
-            <a:r>
-              <a:rPr lang="en-US" b="1" dirty="0"/>
-              <a:t>)</a:t>
-            </a:r>
-          </a:p>
-          <a:p>
-            <a:pPr lvl="1"/>
-            <a:r>
-              <a:rPr lang="en-US" b="1" dirty="0"/>
-              <a:t>Abby Magee (</a:t>
-            </a:r>
-            <a:r>
-              <a:rPr lang="en-US" b="1" dirty="0">
-                <a:hlinkClick r:id="rId5"/>
-              </a:rPr>
-              <a:t>abigail.magee@wustl.edu</a:t>
-            </a:r>
-            <a:r>
-              <a:rPr lang="en-US" b="1" dirty="0"/>
-              <a:t>)</a:t>
-            </a:r>
-          </a:p>
-          <a:p>
-            <a:pPr lvl="1"/>
-            <a:r>
-              <a:rPr lang="en-US" b="1" dirty="0" err="1"/>
-              <a:t>Weihao</a:t>
-            </a:r>
-            <a:r>
-              <a:rPr lang="en-US" b="1" dirty="0"/>
-              <a:t> Fan (</a:t>
-            </a:r>
-            <a:r>
-              <a:rPr lang="en-US" b="1" dirty="0">
-                <a:hlinkClick r:id="rId6"/>
-              </a:rPr>
-              <a:t>weihao.f@wustl.edu</a:t>
-            </a:r>
-            <a:r>
-              <a:rPr lang="en-US" b="1" dirty="0"/>
-              <a:t>) </a:t>
-            </a:r>
+              <a:t>neurodot-support@wustl.edu</a:t>
+            </a:r>
+            <a:endParaRPr lang="en-US" b="1" dirty="0"/>
           </a:p>
         </p:txBody>
       </p:sp>

--- a/Documentation/Tutorials/NeuroDOT_Tutorial_PadFile_Generation.pptx
+++ b/Documentation/Tutorials/NeuroDOT_Tutorial_PadFile_Generation.pptx
@@ -5,7 +5,7 @@
     <p:sldMasterId id="2147483745" r:id="rId1"/>
   </p:sldMasterIdLst>
   <p:notesMasterIdLst>
-    <p:notesMasterId r:id="rId21"/>
+    <p:notesMasterId r:id="rId22"/>
   </p:notesMasterIdLst>
   <p:sldIdLst>
     <p:sldId id="277" r:id="rId2"/>
@@ -26,7 +26,8 @@
     <p:sldId id="752" r:id="rId17"/>
     <p:sldId id="755" r:id="rId18"/>
     <p:sldId id="753" r:id="rId19"/>
-    <p:sldId id="737" r:id="rId20"/>
+    <p:sldId id="694" r:id="rId20"/>
+    <p:sldId id="737" r:id="rId21"/>
   </p:sldIdLst>
   <p:sldSz cx="12192000" cy="6858000"/>
   <p:notesSz cx="6858000" cy="9144000"/>
@@ -226,7 +227,7 @@
           <a:p>
             <a:fld id="{59435505-D4AB-4F36-857A-9B945E75E4E8}" type="datetimeFigureOut">
               <a:rPr lang="en-US" smtClean="0"/>
-              <a:t>3/6/2024</a:t>
+              <a:t>6/3/2024</a:t>
             </a:fld>
             <a:endParaRPr lang="en-US"/>
           </a:p>
@@ -1805,7 +1806,7 @@
           <a:p>
             <a:fld id="{B24EC942-9D3D-4E3D-AFA6-C12922E7F676}" type="datetime1">
               <a:rPr lang="en-US" smtClean="0"/>
-              <a:t>3/6/2024</a:t>
+              <a:t>6/3/2024</a:t>
             </a:fld>
             <a:endParaRPr lang="en-US"/>
           </a:p>
@@ -2061,7 +2062,7 @@
           <a:p>
             <a:fld id="{D3AD315F-DC33-43E4-9956-9EC48EDF351E}" type="datetime1">
               <a:rPr lang="en-US" smtClean="0"/>
-              <a:t>3/6/2024</a:t>
+              <a:t>6/3/2024</a:t>
             </a:fld>
             <a:endParaRPr lang="en-US"/>
           </a:p>
@@ -2380,7 +2381,7 @@
           <a:p>
             <a:fld id="{67A3C724-2918-41FD-9066-7E8405064EF2}" type="datetime1">
               <a:rPr lang="en-US" smtClean="0"/>
-              <a:t>3/6/2024</a:t>
+              <a:t>6/3/2024</a:t>
             </a:fld>
             <a:endParaRPr lang="en-US"/>
           </a:p>
@@ -2707,7 +2708,7 @@
           <a:p>
             <a:fld id="{C195695A-308E-405A-AB98-D0C60FA1CB15}" type="datetime1">
               <a:rPr lang="en-US" smtClean="0"/>
-              <a:t>3/6/2024</a:t>
+              <a:t>6/3/2024</a:t>
             </a:fld>
             <a:endParaRPr lang="en-US"/>
           </a:p>
@@ -3026,7 +3027,7 @@
           <a:p>
             <a:fld id="{3CE41F68-8135-4BDE-B08E-3BFD855E251C}" type="datetime1">
               <a:rPr lang="en-US" smtClean="0"/>
-              <a:t>3/6/2024</a:t>
+              <a:t>6/3/2024</a:t>
             </a:fld>
             <a:endParaRPr lang="en-US"/>
           </a:p>
@@ -3418,7 +3419,7 @@
           <a:p>
             <a:fld id="{FFE19BF7-4907-4DF4-AF52-56236340CD7A}" type="datetime1">
               <a:rPr lang="en-US" smtClean="0"/>
-              <a:t>3/6/2024</a:t>
+              <a:t>6/3/2024</a:t>
             </a:fld>
             <a:endParaRPr lang="en-US"/>
           </a:p>
@@ -3593,7 +3594,7 @@
           <a:p>
             <a:fld id="{D8D1AB6F-19BA-4E97-A0DC-F421C2C8646F}" type="datetime1">
               <a:rPr lang="en-US" smtClean="0"/>
-              <a:t>3/6/2024</a:t>
+              <a:t>6/3/2024</a:t>
             </a:fld>
             <a:endParaRPr lang="en-US"/>
           </a:p>
@@ -3778,7 +3779,7 @@
           <a:p>
             <a:fld id="{7A4DA2C9-5F26-43AD-B29B-8405DC66E004}" type="datetime1">
               <a:rPr lang="en-US" smtClean="0"/>
-              <a:t>3/6/2024</a:t>
+              <a:t>6/3/2024</a:t>
             </a:fld>
             <a:endParaRPr lang="en-US"/>
           </a:p>
@@ -3959,7 +3960,7 @@
           <a:p>
             <a:fld id="{CF533A0A-37D0-4E2F-AA2C-F4961D5A6999}" type="datetime1">
               <a:rPr lang="en-US" smtClean="0"/>
-              <a:t>3/6/2024</a:t>
+              <a:t>6/3/2024</a:t>
             </a:fld>
             <a:endParaRPr lang="en-US"/>
           </a:p>
@@ -4211,7 +4212,7 @@
           <a:p>
             <a:fld id="{9B413CA8-A179-49E3-BF20-879547C583C0}" type="datetime1">
               <a:rPr lang="en-US" smtClean="0"/>
-              <a:t>3/6/2024</a:t>
+              <a:t>6/3/2024</a:t>
             </a:fld>
             <a:endParaRPr lang="en-US"/>
           </a:p>
@@ -4448,7 +4449,7 @@
           <a:p>
             <a:fld id="{EA66A245-AFAB-446C-AC81-545BACE2A8BC}" type="datetime1">
               <a:rPr lang="en-US" smtClean="0"/>
-              <a:t>3/6/2024</a:t>
+              <a:t>6/3/2024</a:t>
             </a:fld>
             <a:endParaRPr lang="en-US"/>
           </a:p>
@@ -4827,7 +4828,7 @@
           <a:p>
             <a:fld id="{E637ECFF-A7AE-4A88-B9D3-EF0D1BC013AB}" type="datetime1">
               <a:rPr lang="en-US" smtClean="0"/>
-              <a:t>3/6/2024</a:t>
+              <a:t>6/3/2024</a:t>
             </a:fld>
             <a:endParaRPr lang="en-US"/>
           </a:p>
@@ -4955,7 +4956,7 @@
           <a:p>
             <a:fld id="{342BFEBD-C17A-4F13-9076-D856ECCD5175}" type="datetime1">
               <a:rPr lang="en-US" smtClean="0"/>
-              <a:t>3/6/2024</a:t>
+              <a:t>6/3/2024</a:t>
             </a:fld>
             <a:endParaRPr lang="en-US"/>
           </a:p>
@@ -5055,7 +5056,7 @@
           <a:p>
             <a:fld id="{13571E8D-8673-4B38-8496-42BF67588D42}" type="datetime1">
               <a:rPr lang="en-US" smtClean="0"/>
-              <a:t>3/6/2024</a:t>
+              <a:t>6/3/2024</a:t>
             </a:fld>
             <a:endParaRPr lang="en-US"/>
           </a:p>
@@ -5315,7 +5316,7 @@
           <a:p>
             <a:fld id="{E4511E22-127C-4757-AF70-45A01185A661}" type="datetime1">
               <a:rPr lang="en-US" smtClean="0"/>
-              <a:t>3/6/2024</a:t>
+              <a:t>6/3/2024</a:t>
             </a:fld>
             <a:endParaRPr lang="en-US"/>
           </a:p>
@@ -5583,7 +5584,7 @@
           <a:p>
             <a:fld id="{30899290-1EF5-4360-AE93-39E54CE1B864}" type="datetime1">
               <a:rPr lang="en-US" smtClean="0"/>
-              <a:t>3/6/2024</a:t>
+              <a:t>6/3/2024</a:t>
             </a:fld>
             <a:endParaRPr lang="en-US"/>
           </a:p>
@@ -6336,7 +6337,7 @@
           <a:p>
             <a:fld id="{22E4C9AF-211C-4F78-90DB-166FB2A2B067}" type="datetime1">
               <a:rPr lang="en-US" smtClean="0"/>
-              <a:t>3/6/2024</a:t>
+              <a:t>6/3/2024</a:t>
             </a:fld>
             <a:endParaRPr lang="en-US"/>
           </a:p>
@@ -11496,7 +11497,13 @@
       </p:grpSpPr>
       <p:sp>
         <p:nvSpPr>
-          <p:cNvPr id="2" name="Title 1"/>
+          <p:cNvPr id="2" name="Title 1">
+            <a:extLst>
+              <a:ext uri="{FF2B5EF4-FFF2-40B4-BE49-F238E27FC236}">
+                <a16:creationId xmlns:a16="http://schemas.microsoft.com/office/drawing/2014/main" id="{A803BCE7-414D-3EAA-9C61-81A68BF81CB3}"/>
+              </a:ext>
+            </a:extLst>
+          </p:cNvPr>
           <p:cNvSpPr>
             <a:spLocks noGrp="1"/>
           </p:cNvSpPr>
@@ -11504,12 +11511,7 @@
             <p:ph type="title"/>
           </p:nvPr>
         </p:nvSpPr>
-        <p:spPr>
-          <a:xfrm>
-            <a:off x="0" y="0"/>
-            <a:ext cx="8596668" cy="1320800"/>
-          </a:xfrm>
-        </p:spPr>
+        <p:spPr/>
         <p:txBody>
           <a:bodyPr/>
           <a:lstStyle/>
@@ -11520,14 +11522,20 @@
                   <a:srgbClr val="FF0000"/>
                 </a:solidFill>
               </a:rPr>
-              <a:t>That’s It (For Now)</a:t>
-            </a:r>
-          </a:p>
-        </p:txBody>
-      </p:sp>
-      <p:sp>
-        <p:nvSpPr>
-          <p:cNvPr id="3" name="Content Placeholder 2"/>
+              <a:t>Help Expand NeuroDOT’s Utility!</a:t>
+            </a:r>
+          </a:p>
+        </p:txBody>
+      </p:sp>
+      <p:sp>
+        <p:nvSpPr>
+          <p:cNvPr id="3" name="Content Placeholder 2">
+            <a:extLst>
+              <a:ext uri="{FF2B5EF4-FFF2-40B4-BE49-F238E27FC236}">
+                <a16:creationId xmlns:a16="http://schemas.microsoft.com/office/drawing/2014/main" id="{B4AE1AFD-E0BF-B7CE-30F1-4AED6553B085}"/>
+              </a:ext>
+            </a:extLst>
+          </p:cNvPr>
           <p:cNvSpPr>
             <a:spLocks noGrp="1"/>
           </p:cNvSpPr>
@@ -11537,82 +11545,92 @@
         </p:nvSpPr>
         <p:spPr>
           <a:xfrm>
-            <a:off x="636145" y="1194485"/>
-            <a:ext cx="10534363" cy="5351594"/>
+            <a:off x="677334" y="2170316"/>
+            <a:ext cx="10062002" cy="3880773"/>
           </a:xfrm>
         </p:spPr>
         <p:txBody>
           <a:bodyPr>
-            <a:normAutofit/>
+            <a:normAutofit lnSpcReduction="10000"/>
           </a:bodyPr>
           <a:lstStyle/>
           <a:p>
             <a:r>
-              <a:rPr lang="en-US" sz="2000" dirty="0"/>
-              <a:t>Congratulations! You have finished the </a:t>
-            </a:r>
-            <a:r>
-              <a:rPr lang="en-US" sz="2000" dirty="0" err="1"/>
-              <a:t>NeuroDOT</a:t>
-            </a:r>
-            <a:r>
-              <a:rPr lang="en-US" sz="2000" dirty="0"/>
-              <a:t> Tutorial for Pad File Generation. Continue on to the NeuroDOT_Tutorial_Generating_a_Light_Model_Pad_24x28_With_AlignMe next to build the corresponding light model with your pad file.</a:t>
-            </a:r>
-          </a:p>
-          <a:p>
-            <a:endParaRPr lang="en-US" sz="2000" dirty="0"/>
-          </a:p>
-          <a:p>
-            <a:r>
-              <a:rPr lang="en-US" sz="2000" dirty="0"/>
-              <a:t>See other Sample Results Appendices for example visualizations of these same processing steps on the other Sample Data included in the toolbox.</a:t>
-            </a:r>
-          </a:p>
-          <a:p>
-            <a:endParaRPr lang="en-US" sz="2000" dirty="0"/>
-          </a:p>
-          <a:p>
-            <a:r>
-              <a:rPr lang="en-US" sz="2000" dirty="0"/>
-              <a:t>Also, see the </a:t>
-            </a:r>
-            <a:r>
-              <a:rPr lang="en-US" sz="2000" dirty="0" err="1"/>
-              <a:t>PreProcessing</a:t>
-            </a:r>
-            <a:r>
-              <a:rPr lang="en-US" sz="2000" dirty="0"/>
-              <a:t> and Reconstruction tutorials to gain a deeper understanding of the effects of altering the processing parameters. </a:t>
-            </a:r>
-          </a:p>
-          <a:p>
-            <a:pPr marL="0" indent="0">
+              <a:rPr lang="en-US" dirty="0"/>
+              <a:t>Please fill out the NeuroDOT registration form to help us better develop the NeuroDOT toolbox and expand its utility to address your fNIRS/DOT data analysis needs:</a:t>
+            </a:r>
+          </a:p>
+          <a:p>
+            <a:pPr lvl="1"/>
+            <a:r>
+              <a:rPr lang="en-US" dirty="0">
+                <a:hlinkClick r:id="rId2"/>
+              </a:rPr>
+              <a:t>https://forms.gle/8QNGnx7ZbKuUHg3bA</a:t>
+            </a:r>
+            <a:r>
+              <a:rPr lang="en-US" dirty="0"/>
+              <a:t> </a:t>
+            </a:r>
+          </a:p>
+          <a:p>
+            <a:pPr marL="457200" lvl="1" indent="0">
               <a:buNone/>
             </a:pPr>
-            <a:endParaRPr lang="en-US" sz="2000" dirty="0"/>
-          </a:p>
-          <a:p>
-            <a:r>
-              <a:rPr lang="en-US" sz="2000"/>
-              <a:t>NeuroDOT Support: </a:t>
-            </a:r>
-            <a:r>
-              <a:rPr lang="en-US" sz="2000">
-                <a:hlinkClick r:id="rId2"/>
-              </a:rPr>
-              <a:t>neurodot-support@wustl.edu</a:t>
-            </a:r>
-            <a:endParaRPr lang="en-US" b="1" dirty="0"/>
-          </a:p>
-        </p:txBody>
-      </p:sp>
-      <p:sp>
-        <p:nvSpPr>
-          <p:cNvPr id="5" name="Slide Number Placeholder 4">
+            <a:endParaRPr lang="en-US" dirty="0"/>
+          </a:p>
+          <a:p>
+            <a:pPr marL="457200" lvl="1" indent="0">
+              <a:buNone/>
+            </a:pPr>
+            <a:endParaRPr lang="en-US" dirty="0"/>
+          </a:p>
+          <a:p>
+            <a:pPr marL="457200" lvl="1" indent="0">
+              <a:buNone/>
+            </a:pPr>
+            <a:endParaRPr lang="en-US" dirty="0"/>
+          </a:p>
+          <a:p>
+            <a:r>
+              <a:rPr lang="en-US" dirty="0"/>
+              <a:t>Additionally, please provide specific feedback, or ask questions to the development team:</a:t>
+            </a:r>
+          </a:p>
+          <a:p>
+            <a:pPr lvl="1"/>
+            <a:r>
+              <a:rPr lang="en-US" dirty="0">
+                <a:hlinkClick r:id="rId3"/>
+              </a:rPr>
+              <a:t>https://forms.gle/jv6RkX5s784LgQC89</a:t>
+            </a:r>
+            <a:r>
+              <a:rPr lang="en-US" dirty="0"/>
+              <a:t> </a:t>
+            </a:r>
+          </a:p>
+          <a:p>
+            <a:endParaRPr lang="en-US" dirty="0"/>
+          </a:p>
+          <a:p>
+            <a:r>
+              <a:rPr lang="en-US" b="1" i="1" dirty="0">
+                <a:solidFill>
+                  <a:schemeClr val="accent1"/>
+                </a:solidFill>
+              </a:rPr>
+              <a:t>Note: you will not be contacted by the NeuroDOT development team unless you opt-in to receiving communications.</a:t>
+            </a:r>
+          </a:p>
+        </p:txBody>
+      </p:sp>
+      <p:sp>
+        <p:nvSpPr>
+          <p:cNvPr id="4" name="Slide Number Placeholder 3">
             <a:extLst>
               <a:ext uri="{FF2B5EF4-FFF2-40B4-BE49-F238E27FC236}">
-                <a16:creationId xmlns:a16="http://schemas.microsoft.com/office/drawing/2014/main" id="{A90CD681-95B1-0F09-B405-F838B7211A28}"/>
+                <a16:creationId xmlns:a16="http://schemas.microsoft.com/office/drawing/2014/main" id="{57A55562-6001-7F2E-323C-203129D6ED5A}"/>
               </a:ext>
             </a:extLst>
           </p:cNvPr>
@@ -11639,7 +11657,7 @@
     </p:spTree>
     <p:extLst>
       <p:ext uri="{BB962C8B-B14F-4D97-AF65-F5344CB8AC3E}">
-        <p14:creationId xmlns:p14="http://schemas.microsoft.com/office/powerpoint/2010/main" val="3741016658"/>
+        <p14:creationId xmlns:p14="http://schemas.microsoft.com/office/powerpoint/2010/main" val="1735739344"/>
       </p:ext>
     </p:extLst>
   </p:cSld>
@@ -12272,6 +12290,178 @@
     <p:extLst>
       <p:ext uri="{BB962C8B-B14F-4D97-AF65-F5344CB8AC3E}">
         <p14:creationId xmlns:p14="http://schemas.microsoft.com/office/powerpoint/2010/main" val="3609775311"/>
+      </p:ext>
+    </p:extLst>
+  </p:cSld>
+  <p:clrMapOvr>
+    <a:masterClrMapping/>
+  </p:clrMapOvr>
+</p:sld>
+</file>
+
+<file path=ppt/slides/slide20.xml><?xml version="1.0" encoding="utf-8"?>
+<p:sld xmlns:a="http://schemas.openxmlformats.org/drawingml/2006/main" xmlns:r="http://schemas.openxmlformats.org/officeDocument/2006/relationships" xmlns:p="http://schemas.openxmlformats.org/presentationml/2006/main">
+  <p:cSld>
+    <p:spTree>
+      <p:nvGrpSpPr>
+        <p:cNvPr id="1" name=""/>
+        <p:cNvGrpSpPr/>
+        <p:nvPr/>
+      </p:nvGrpSpPr>
+      <p:grpSpPr>
+        <a:xfrm>
+          <a:off x="0" y="0"/>
+          <a:ext cx="0" cy="0"/>
+          <a:chOff x="0" y="0"/>
+          <a:chExt cx="0" cy="0"/>
+        </a:xfrm>
+      </p:grpSpPr>
+      <p:sp>
+        <p:nvSpPr>
+          <p:cNvPr id="2" name="Title 1"/>
+          <p:cNvSpPr>
+            <a:spLocks noGrp="1"/>
+          </p:cNvSpPr>
+          <p:nvPr>
+            <p:ph type="title"/>
+          </p:nvPr>
+        </p:nvSpPr>
+        <p:spPr>
+          <a:xfrm>
+            <a:off x="0" y="0"/>
+            <a:ext cx="8596668" cy="1320800"/>
+          </a:xfrm>
+        </p:spPr>
+        <p:txBody>
+          <a:bodyPr/>
+          <a:lstStyle/>
+          <a:p>
+            <a:r>
+              <a:rPr lang="en-US" dirty="0">
+                <a:solidFill>
+                  <a:srgbClr val="FF0000"/>
+                </a:solidFill>
+              </a:rPr>
+              <a:t>That’s It (For Now)</a:t>
+            </a:r>
+          </a:p>
+        </p:txBody>
+      </p:sp>
+      <p:sp>
+        <p:nvSpPr>
+          <p:cNvPr id="3" name="Content Placeholder 2"/>
+          <p:cNvSpPr>
+            <a:spLocks noGrp="1"/>
+          </p:cNvSpPr>
+          <p:nvPr>
+            <p:ph idx="1"/>
+          </p:nvPr>
+        </p:nvSpPr>
+        <p:spPr>
+          <a:xfrm>
+            <a:off x="636145" y="1194485"/>
+            <a:ext cx="10534363" cy="5351594"/>
+          </a:xfrm>
+        </p:spPr>
+        <p:txBody>
+          <a:bodyPr>
+            <a:normAutofit/>
+          </a:bodyPr>
+          <a:lstStyle/>
+          <a:p>
+            <a:r>
+              <a:rPr lang="en-US" sz="2000" dirty="0"/>
+              <a:t>Congratulations! You have finished the </a:t>
+            </a:r>
+            <a:r>
+              <a:rPr lang="en-US" sz="2000" dirty="0" err="1"/>
+              <a:t>NeuroDOT</a:t>
+            </a:r>
+            <a:r>
+              <a:rPr lang="en-US" sz="2000" dirty="0"/>
+              <a:t> Tutorial for Pad File Generation. Continue on to the NeuroDOT_Tutorial_Generating_a_Light_Model_Pad_24x28_With_AlignMe next to build the corresponding light model with your pad file.</a:t>
+            </a:r>
+          </a:p>
+          <a:p>
+            <a:endParaRPr lang="en-US" sz="2000" dirty="0"/>
+          </a:p>
+          <a:p>
+            <a:r>
+              <a:rPr lang="en-US" sz="2000" dirty="0"/>
+              <a:t>See other Sample Results Appendices for example visualizations of these same processing steps on the other Sample Data included in the toolbox.</a:t>
+            </a:r>
+          </a:p>
+          <a:p>
+            <a:endParaRPr lang="en-US" sz="2000" dirty="0"/>
+          </a:p>
+          <a:p>
+            <a:r>
+              <a:rPr lang="en-US" sz="2000" dirty="0"/>
+              <a:t>Also, see the </a:t>
+            </a:r>
+            <a:r>
+              <a:rPr lang="en-US" sz="2000" dirty="0" err="1"/>
+              <a:t>PreProcessing</a:t>
+            </a:r>
+            <a:r>
+              <a:rPr lang="en-US" sz="2000" dirty="0"/>
+              <a:t> and Reconstruction tutorials to gain a deeper understanding of the effects of altering the processing parameters. </a:t>
+            </a:r>
+          </a:p>
+          <a:p>
+            <a:pPr marL="0" indent="0">
+              <a:buNone/>
+            </a:pPr>
+            <a:endParaRPr lang="en-US" sz="2000" dirty="0"/>
+          </a:p>
+          <a:p>
+            <a:r>
+              <a:rPr lang="en-US" sz="2000"/>
+              <a:t>NeuroDOT Support: </a:t>
+            </a:r>
+            <a:r>
+              <a:rPr lang="en-US" sz="2000">
+                <a:hlinkClick r:id="rId2"/>
+              </a:rPr>
+              <a:t>neurodot-support@wustl.edu</a:t>
+            </a:r>
+            <a:endParaRPr lang="en-US" b="1" dirty="0"/>
+          </a:p>
+        </p:txBody>
+      </p:sp>
+      <p:sp>
+        <p:nvSpPr>
+          <p:cNvPr id="5" name="Slide Number Placeholder 4">
+            <a:extLst>
+              <a:ext uri="{FF2B5EF4-FFF2-40B4-BE49-F238E27FC236}">
+                <a16:creationId xmlns:a16="http://schemas.microsoft.com/office/drawing/2014/main" id="{A90CD681-95B1-0F09-B405-F838B7211A28}"/>
+              </a:ext>
+            </a:extLst>
+          </p:cNvPr>
+          <p:cNvSpPr>
+            <a:spLocks noGrp="1"/>
+          </p:cNvSpPr>
+          <p:nvPr>
+            <p:ph type="sldNum" sz="quarter" idx="12"/>
+          </p:nvPr>
+        </p:nvSpPr>
+        <p:spPr/>
+        <p:txBody>
+          <a:bodyPr/>
+          <a:lstStyle/>
+          <a:p>
+            <a:fld id="{A6EA515B-EB3D-473C-ADE9-FD8348C61D57}" type="slidenum">
+              <a:rPr lang="en-US" smtClean="0"/>
+              <a:t>20</a:t>
+            </a:fld>
+            <a:endParaRPr lang="en-US"/>
+          </a:p>
+        </p:txBody>
+      </p:sp>
+    </p:spTree>
+    <p:extLst>
+      <p:ext uri="{BB962C8B-B14F-4D97-AF65-F5344CB8AC3E}">
+        <p14:creationId xmlns:p14="http://schemas.microsoft.com/office/powerpoint/2010/main" val="3741016658"/>
       </p:ext>
     </p:extLst>
   </p:cSld>
